--- a/DES Cipher.pptx
+++ b/DES Cipher.pptx
@@ -4564,19 +4564,19 @@
               <a:rPr lang="en-US" sz="2200" dirty="0">
                 <a:hlinkClick r:id="rId2"/>
               </a:rPr>
-              <a:t>Chirag </a:t>
+              <a:t>Source code's </a:t>
             </a:r>
             <a:r>
               <a:rPr lang="en-US" sz="2200" dirty="0" err="1">
                 <a:hlinkClick r:id="rId2"/>
               </a:rPr>
-              <a:t>Bhalodia’s</a:t>
+              <a:t>github</a:t>
             </a:r>
             <a:r>
               <a:rPr lang="en-US" sz="2200" dirty="0">
                 <a:hlinkClick r:id="rId2"/>
               </a:rPr>
-              <a:t> DES Algorithm video</a:t>
+              <a:t> link</a:t>
             </a:r>
             <a:endParaRPr lang="en-US" sz="2200" dirty="0"/>
           </a:p>

--- a/DES Cipher.pptx
+++ b/DES Cipher.pptx
@@ -6,18 +6,21 @@
   </p:sldMasterIdLst>
   <p:sldIdLst>
     <p:sldId id="256" r:id="rId2"/>
-    <p:sldId id="259" r:id="rId3"/>
-    <p:sldId id="258" r:id="rId4"/>
-    <p:sldId id="265" r:id="rId5"/>
-    <p:sldId id="260" r:id="rId6"/>
-    <p:sldId id="261" r:id="rId7"/>
-    <p:sldId id="262" r:id="rId8"/>
-    <p:sldId id="263" r:id="rId9"/>
-    <p:sldId id="264" r:id="rId10"/>
-    <p:sldId id="268" r:id="rId11"/>
-    <p:sldId id="269" r:id="rId12"/>
-    <p:sldId id="267" r:id="rId13"/>
-    <p:sldId id="270" r:id="rId14"/>
+    <p:sldId id="271" r:id="rId3"/>
+    <p:sldId id="259" r:id="rId4"/>
+    <p:sldId id="258" r:id="rId5"/>
+    <p:sldId id="265" r:id="rId6"/>
+    <p:sldId id="260" r:id="rId7"/>
+    <p:sldId id="261" r:id="rId8"/>
+    <p:sldId id="262" r:id="rId9"/>
+    <p:sldId id="263" r:id="rId10"/>
+    <p:sldId id="264" r:id="rId11"/>
+    <p:sldId id="268" r:id="rId12"/>
+    <p:sldId id="269" r:id="rId13"/>
+    <p:sldId id="272" r:id="rId14"/>
+    <p:sldId id="273" r:id="rId15"/>
+    <p:sldId id="267" r:id="rId16"/>
+    <p:sldId id="270" r:id="rId17"/>
   </p:sldIdLst>
   <p:sldSz cx="12192000" cy="6858000"/>
   <p:notesSz cx="6858000" cy="9144000"/>
@@ -3361,7 +3364,7 @@
           <a:p>
             <a:r>
               <a:rPr lang="en-US" dirty="0"/>
-              <a:t>DES Cipher</a:t>
+              <a:t>DES &amp; 3DES</a:t>
             </a:r>
           </a:p>
         </p:txBody>
@@ -3426,7 +3429,7 @@
           <a:p>
             <a:r>
               <a:rPr lang="en-US" sz="3600" dirty="0"/>
-              <a:t>Final Permutation</a:t>
+              <a:t>P-Box Permutation</a:t>
             </a:r>
           </a:p>
         </p:txBody>
@@ -3447,7 +3450,7 @@
         </p:nvSpPr>
         <p:spPr>
           <a:xfrm>
-            <a:off x="838200" y="1522748"/>
+            <a:off x="533399" y="1615374"/>
             <a:ext cx="10676467" cy="1158734"/>
           </a:xfrm>
           <a:prstGeom prst="rect">
@@ -3628,87 +3631,55 @@
             </a:pPr>
             <a:r>
               <a:rPr lang="en-US" sz="2200" dirty="0"/>
-              <a:t>- Sau </a:t>
-            </a:r>
-            <a:r>
-              <a:rPr lang="en-US" sz="2200" dirty="0" err="1"/>
-              <a:t>khi</a:t>
-            </a:r>
-            <a:r>
-              <a:rPr lang="en-US" sz="2200" dirty="0"/>
-              <a:t> </a:t>
-            </a:r>
-            <a:r>
-              <a:rPr lang="en-US" sz="2200" dirty="0" err="1"/>
-              <a:t>hết</a:t>
-            </a:r>
-            <a:r>
-              <a:rPr lang="en-US" sz="2200" dirty="0"/>
-              <a:t> 16 rounds </a:t>
-            </a:r>
-            <a:r>
-              <a:rPr lang="en-US" sz="2200" dirty="0" err="1"/>
-              <a:t>sẽ</a:t>
-            </a:r>
-            <a:r>
-              <a:rPr lang="en-US" sz="2200" dirty="0"/>
-              <a:t> </a:t>
-            </a:r>
-            <a:r>
-              <a:rPr lang="en-US" sz="2200" dirty="0" err="1"/>
-              <a:t>đến</a:t>
-            </a:r>
-            <a:r>
-              <a:rPr lang="en-US" sz="2200" dirty="0"/>
-              <a:t> Final Permutation. </a:t>
-            </a:r>
-            <a:r>
-              <a:rPr lang="en-US" sz="2200" dirty="0" err="1"/>
-              <a:t>Đầu</a:t>
-            </a:r>
-            <a:r>
-              <a:rPr lang="en-US" sz="2200" dirty="0"/>
-              <a:t> </a:t>
-            </a:r>
-            <a:r>
-              <a:rPr lang="en-US" sz="2200" dirty="0" err="1"/>
-              <a:t>tiên</a:t>
-            </a:r>
-            <a:r>
-              <a:rPr lang="en-US" sz="2200" dirty="0"/>
-              <a:t>, </a:t>
-            </a:r>
-            <a:r>
-              <a:rPr lang="en-US" sz="2200" dirty="0" err="1"/>
-              <a:t>kết</a:t>
-            </a:r>
-            <a:r>
-              <a:rPr lang="en-US" sz="2200" dirty="0"/>
-              <a:t> </a:t>
-            </a:r>
-            <a:r>
-              <a:rPr lang="en-US" sz="2200" dirty="0" err="1"/>
-              <a:t>hợp</a:t>
-            </a:r>
-            <a:r>
-              <a:rPr lang="en-US" sz="2200" dirty="0"/>
-              <a:t> </a:t>
-            </a:r>
-            <a:r>
-              <a:rPr lang="en-US" sz="2200" dirty="0" err="1"/>
-              <a:t>lại</a:t>
-            </a:r>
-            <a:r>
-              <a:rPr lang="en-US" sz="2200" dirty="0"/>
-              <a:t> output RHT </a:t>
-            </a:r>
-            <a:r>
-              <a:rPr lang="en-US" sz="2200" dirty="0" err="1"/>
-              <a:t>và</a:t>
-            </a:r>
-            <a:r>
-              <a:rPr lang="en-US" sz="2200" dirty="0"/>
-              <a:t> LHT </a:t>
+              <a:t>- 32-bit Output </a:t>
+            </a:r>
+            <a:r>
+              <a:rPr lang="en-US" sz="2200" dirty="0" err="1"/>
+              <a:t>của</a:t>
+            </a:r>
+            <a:r>
+              <a:rPr lang="en-US" sz="2200" dirty="0"/>
+              <a:t> S-Box </a:t>
+            </a:r>
+            <a:r>
+              <a:rPr lang="en-US" sz="2200" dirty="0" err="1"/>
+              <a:t>tiếp</a:t>
+            </a:r>
+            <a:r>
+              <a:rPr lang="en-US" sz="2200" dirty="0"/>
+              <a:t> </a:t>
+            </a:r>
+            <a:r>
+              <a:rPr lang="en-US" sz="2200" dirty="0" err="1"/>
+              <a:t>tục</a:t>
+            </a:r>
+            <a:r>
+              <a:rPr lang="en-US" sz="2200" dirty="0"/>
+              <a:t> </a:t>
+            </a:r>
+            <a:r>
+              <a:rPr lang="en-US" sz="2200" dirty="0" err="1"/>
+              <a:t>được</a:t>
+            </a:r>
+            <a:r>
+              <a:rPr lang="en-US" sz="2200" dirty="0"/>
+              <a:t> </a:t>
+            </a:r>
+            <a:r>
+              <a:rPr lang="en-US" sz="2200" dirty="0" err="1"/>
+              <a:t>hoán</a:t>
+            </a:r>
+            <a:r>
+              <a:rPr lang="en-US" sz="2200" dirty="0"/>
+              <a:t> </a:t>
+            </a:r>
+            <a:r>
+              <a:rPr lang="en-US" sz="2200" dirty="0" err="1"/>
+              <a:t>vị</a:t>
+            </a:r>
+            <a:r>
+              <a:rPr lang="en-US" sz="2200" dirty="0"/>
+              <a:t> </a:t>
             </a:r>
             <a:r>
               <a:rPr lang="en-US" sz="2200" dirty="0" err="1"/>
@@ -3716,114 +3687,17 @@
             </a:r>
             <a:r>
               <a:rPr lang="en-US" sz="2200" dirty="0"/>
-              <a:t> </a:t>
-            </a:r>
-            <a:r>
-              <a:rPr lang="en-US" sz="2200" dirty="0" err="1"/>
-              <a:t>Festel</a:t>
-            </a:r>
-            <a:r>
-              <a:rPr lang="en-US" sz="2200" dirty="0"/>
-              <a:t> Function. RHT </a:t>
-            </a:r>
-            <a:r>
-              <a:rPr lang="en-US" sz="2200" dirty="0" err="1"/>
-              <a:t>sẽ</a:t>
-            </a:r>
-            <a:r>
-              <a:rPr lang="en-US" sz="2200" dirty="0"/>
-              <a:t> ở </a:t>
-            </a:r>
-            <a:r>
-              <a:rPr lang="en-US" sz="2200" dirty="0" err="1"/>
-              <a:t>bên</a:t>
-            </a:r>
-            <a:r>
-              <a:rPr lang="en-US" sz="2200" dirty="0"/>
-              <a:t> </a:t>
-            </a:r>
-            <a:r>
-              <a:rPr lang="en-US" sz="2200" dirty="0" err="1"/>
-              <a:t>trái</a:t>
-            </a:r>
-            <a:r>
-              <a:rPr lang="en-US" sz="2200" dirty="0"/>
-              <a:t>, </a:t>
-            </a:r>
-            <a:r>
-              <a:rPr lang="en-US" sz="2200" dirty="0" err="1"/>
-              <a:t>còn</a:t>
-            </a:r>
-            <a:r>
-              <a:rPr lang="en-US" sz="2200" dirty="0"/>
-              <a:t> LHT </a:t>
-            </a:r>
-            <a:r>
-              <a:rPr lang="en-US" sz="2200" dirty="0" err="1"/>
-              <a:t>sẽ</a:t>
-            </a:r>
-            <a:r>
-              <a:rPr lang="en-US" sz="2200" dirty="0"/>
-              <a:t> ở </a:t>
-            </a:r>
-            <a:r>
-              <a:rPr lang="en-US" sz="2200" dirty="0" err="1"/>
-              <a:t>bên</a:t>
-            </a:r>
-            <a:r>
-              <a:rPr lang="en-US" sz="2200" dirty="0"/>
-              <a:t> </a:t>
-            </a:r>
-            <a:r>
-              <a:rPr lang="en-US" sz="2200" dirty="0" err="1"/>
-              <a:t>phải</a:t>
-            </a:r>
-            <a:r>
-              <a:rPr lang="en-US" sz="2200" dirty="0"/>
-              <a:t> (swapped).</a:t>
-            </a:r>
-          </a:p>
-          <a:p>
-            <a:pPr marL="457200" lvl="1" indent="0">
-              <a:buNone/>
-            </a:pPr>
-            <a:r>
-              <a:rPr lang="en-US" sz="2200" dirty="0"/>
-              <a:t>- Output </a:t>
-            </a:r>
-            <a:r>
-              <a:rPr lang="en-US" sz="2200" dirty="0" err="1"/>
-              <a:t>của</a:t>
-            </a:r>
-            <a:r>
-              <a:rPr lang="en-US" sz="2200" dirty="0"/>
-              <a:t> Final Permutation </a:t>
-            </a:r>
-            <a:r>
-              <a:rPr lang="en-US" sz="2200" dirty="0" err="1"/>
-              <a:t>chính</a:t>
-            </a:r>
-            <a:r>
-              <a:rPr lang="en-US" sz="2200" dirty="0"/>
-              <a:t> </a:t>
-            </a:r>
-            <a:r>
-              <a:rPr lang="en-US" sz="2200" dirty="0" err="1"/>
-              <a:t>là</a:t>
-            </a:r>
-            <a:r>
-              <a:rPr lang="en-US" sz="2200" dirty="0"/>
-              <a:t> 64-bit encrypted cipher text.</a:t>
+              <a:t> P-Box.</a:t>
             </a:r>
           </a:p>
         </p:txBody>
       </p:sp>
       <p:pic>
         <p:nvPicPr>
-          <p:cNvPr id="6146" name="Picture 2" descr="8 Data Encryption Standard">
-            <a:extLst>
-              <a:ext uri="{FF2B5EF4-FFF2-40B4-BE49-F238E27FC236}">
-                <a16:creationId xmlns:a16="http://schemas.microsoft.com/office/drawing/2014/main" id="{0FFA0BBD-B555-0111-15F8-8F1DB135AFF7}"/>
+          <p:cNvPr id="5122" name="Picture 2" descr="Referring to the lecture notes on DES, there are one Expansion... | Course  Hero">
+            <a:extLst>
+              <a:ext uri="{FF2B5EF4-FFF2-40B4-BE49-F238E27FC236}">
+                <a16:creationId xmlns:a16="http://schemas.microsoft.com/office/drawing/2014/main" id="{D38DDC0E-DA93-8931-74A9-3512FA817CDA}"/>
               </a:ext>
             </a:extLst>
           </p:cNvPr>
@@ -3847,8 +3721,8 @@
         </p:blipFill>
         <p:spPr bwMode="auto">
           <a:xfrm>
-            <a:off x="3273955" y="2848311"/>
-            <a:ext cx="6428845" cy="3081941"/>
+            <a:off x="3001432" y="2513542"/>
+            <a:ext cx="6818584" cy="1830916"/>
           </a:xfrm>
           <a:prstGeom prst="rect">
             <a:avLst/>
@@ -3868,7 +3742,7 @@
     </p:spTree>
     <p:extLst>
       <p:ext uri="{BB962C8B-B14F-4D97-AF65-F5344CB8AC3E}">
-        <p14:creationId xmlns:p14="http://schemas.microsoft.com/office/powerpoint/2010/main" val="3712198077"/>
+        <p14:creationId xmlns:p14="http://schemas.microsoft.com/office/powerpoint/2010/main" val="1073214190"/>
       </p:ext>
     </p:extLst>
   </p:cSld>
@@ -3925,7 +3799,7 @@
           <a:p>
             <a:r>
               <a:rPr lang="en-US" sz="3600" dirty="0"/>
-              <a:t>Decryption</a:t>
+              <a:t>Final Permutation</a:t>
             </a:r>
           </a:p>
         </p:txBody>
@@ -3946,8 +3820,8 @@
         </p:nvSpPr>
         <p:spPr>
           <a:xfrm>
-            <a:off x="533400" y="1615374"/>
-            <a:ext cx="5325534" cy="1813626"/>
+            <a:off x="838200" y="1522748"/>
+            <a:ext cx="10676467" cy="1158734"/>
           </a:xfrm>
           <a:prstGeom prst="rect">
             <a:avLst/>
@@ -4127,39 +4001,23 @@
             </a:pPr>
             <a:r>
               <a:rPr lang="en-US" sz="2200" dirty="0"/>
-              <a:t>- </a:t>
-            </a:r>
-            <a:r>
-              <a:rPr lang="en-US" sz="2200" dirty="0" err="1"/>
-              <a:t>Quá</a:t>
-            </a:r>
-            <a:r>
-              <a:rPr lang="en-US" sz="2200" dirty="0"/>
-              <a:t> </a:t>
-            </a:r>
-            <a:r>
-              <a:rPr lang="en-US" sz="2200" dirty="0" err="1"/>
-              <a:t>trình</a:t>
-            </a:r>
-            <a:r>
-              <a:rPr lang="en-US" sz="2200" dirty="0"/>
-              <a:t> </a:t>
-            </a:r>
-            <a:r>
-              <a:rPr lang="en-US" sz="2200" dirty="0" err="1"/>
-              <a:t>giải</a:t>
-            </a:r>
-            <a:r>
-              <a:rPr lang="en-US" sz="2200" dirty="0"/>
-              <a:t> </a:t>
-            </a:r>
-            <a:r>
-              <a:rPr lang="en-US" sz="2200" dirty="0" err="1"/>
-              <a:t>mã</a:t>
-            </a:r>
-            <a:r>
-              <a:rPr lang="en-US" sz="2200" dirty="0"/>
-              <a:t> </a:t>
+              <a:t>- Sau </a:t>
+            </a:r>
+            <a:r>
+              <a:rPr lang="en-US" sz="2200" dirty="0" err="1"/>
+              <a:t>khi</a:t>
+            </a:r>
+            <a:r>
+              <a:rPr lang="en-US" sz="2200" dirty="0"/>
+              <a:t> </a:t>
+            </a:r>
+            <a:r>
+              <a:rPr lang="en-US" sz="2200" dirty="0" err="1"/>
+              <a:t>hết</a:t>
+            </a:r>
+            <a:r>
+              <a:rPr lang="en-US" sz="2200" dirty="0"/>
+              <a:t> 16 rounds </a:t>
             </a:r>
             <a:r>
               <a:rPr lang="en-US" sz="2200" dirty="0" err="1"/>
@@ -4171,85 +4029,174 @@
             </a:r>
             <a:r>
               <a:rPr lang="en-US" sz="2200" dirty="0" err="1"/>
+              <a:t>đến</a:t>
+            </a:r>
+            <a:r>
+              <a:rPr lang="en-US" sz="2200" dirty="0"/>
+              <a:t> Final Permutation. </a:t>
+            </a:r>
+            <a:r>
+              <a:rPr lang="en-US" sz="2200" dirty="0" err="1"/>
+              <a:t>Đầu</a:t>
+            </a:r>
+            <a:r>
+              <a:rPr lang="en-US" sz="2200" dirty="0"/>
+              <a:t> </a:t>
+            </a:r>
+            <a:r>
+              <a:rPr lang="en-US" sz="2200" dirty="0" err="1"/>
+              <a:t>tiên</a:t>
+            </a:r>
+            <a:r>
+              <a:rPr lang="en-US" sz="2200" dirty="0"/>
+              <a:t>, </a:t>
+            </a:r>
+            <a:r>
+              <a:rPr lang="en-US" sz="2200" dirty="0" err="1"/>
+              <a:t>kết</a:t>
+            </a:r>
+            <a:r>
+              <a:rPr lang="en-US" sz="2200" dirty="0"/>
+              <a:t> </a:t>
+            </a:r>
+            <a:r>
+              <a:rPr lang="en-US" sz="2200" dirty="0" err="1"/>
+              <a:t>hợp</a:t>
+            </a:r>
+            <a:r>
+              <a:rPr lang="en-US" sz="2200" dirty="0"/>
+              <a:t> </a:t>
+            </a:r>
+            <a:r>
+              <a:rPr lang="en-US" sz="2200" dirty="0" err="1"/>
+              <a:t>lại</a:t>
+            </a:r>
+            <a:r>
+              <a:rPr lang="en-US" sz="2200" dirty="0"/>
+              <a:t> output RHT </a:t>
+            </a:r>
+            <a:r>
+              <a:rPr lang="en-US" sz="2200" dirty="0" err="1"/>
+              <a:t>và</a:t>
+            </a:r>
+            <a:r>
+              <a:rPr lang="en-US" sz="2200" dirty="0"/>
+              <a:t> LHT </a:t>
+            </a:r>
+            <a:r>
+              <a:rPr lang="en-US" sz="2200" dirty="0" err="1"/>
+              <a:t>tại</a:t>
+            </a:r>
+            <a:r>
+              <a:rPr lang="en-US" sz="2200" dirty="0"/>
+              <a:t> </a:t>
+            </a:r>
+            <a:r>
+              <a:rPr lang="en-US" sz="2200" dirty="0" err="1"/>
+              <a:t>Festel</a:t>
+            </a:r>
+            <a:r>
+              <a:rPr lang="en-US" sz="2200" dirty="0"/>
+              <a:t> Function. RHT </a:t>
+            </a:r>
+            <a:r>
+              <a:rPr lang="en-US" sz="2200" dirty="0" err="1"/>
+              <a:t>sẽ</a:t>
+            </a:r>
+            <a:r>
+              <a:rPr lang="en-US" sz="2200" dirty="0"/>
+              <a:t> ở </a:t>
+            </a:r>
+            <a:r>
+              <a:rPr lang="en-US" sz="2200" dirty="0" err="1"/>
+              <a:t>bên</a:t>
+            </a:r>
+            <a:r>
+              <a:rPr lang="en-US" sz="2200" dirty="0"/>
+              <a:t> </a:t>
+            </a:r>
+            <a:r>
+              <a:rPr lang="en-US" sz="2200" dirty="0" err="1"/>
+              <a:t>trái</a:t>
+            </a:r>
+            <a:r>
+              <a:rPr lang="en-US" sz="2200" dirty="0"/>
+              <a:t>, </a:t>
+            </a:r>
+            <a:r>
+              <a:rPr lang="en-US" sz="2200" dirty="0" err="1"/>
+              <a:t>còn</a:t>
+            </a:r>
+            <a:r>
+              <a:rPr lang="en-US" sz="2200" dirty="0"/>
+              <a:t> LHT </a:t>
+            </a:r>
+            <a:r>
+              <a:rPr lang="en-US" sz="2200" dirty="0" err="1"/>
+              <a:t>sẽ</a:t>
+            </a:r>
+            <a:r>
+              <a:rPr lang="en-US" sz="2200" dirty="0"/>
+              <a:t> ở </a:t>
+            </a:r>
+            <a:r>
+              <a:rPr lang="en-US" sz="2200" dirty="0" err="1"/>
+              <a:t>bên</a:t>
+            </a:r>
+            <a:r>
+              <a:rPr lang="en-US" sz="2200" dirty="0"/>
+              <a:t> </a:t>
+            </a:r>
+            <a:r>
+              <a:rPr lang="en-US" sz="2200" dirty="0" err="1"/>
+              <a:t>phải</a:t>
+            </a:r>
+            <a:r>
+              <a:rPr lang="en-US" sz="2200" dirty="0"/>
+              <a:t> (swapped).</a:t>
+            </a:r>
+          </a:p>
+          <a:p>
+            <a:pPr marL="457200" lvl="1" indent="0">
+              <a:buNone/>
+            </a:pPr>
+            <a:r>
+              <a:rPr lang="en-US" sz="2200" dirty="0"/>
+              <a:t>- Output </a:t>
+            </a:r>
+            <a:r>
+              <a:rPr lang="en-US" sz="2200" dirty="0" err="1"/>
+              <a:t>của</a:t>
+            </a:r>
+            <a:r>
+              <a:rPr lang="en-US" sz="2200" dirty="0"/>
+              <a:t> Final Permutation </a:t>
+            </a:r>
+            <a:r>
+              <a:rPr lang="en-US" sz="2200" dirty="0" err="1"/>
+              <a:t>chính</a:t>
+            </a:r>
+            <a:r>
+              <a:rPr lang="en-US" sz="2200" dirty="0"/>
+              <a:t> </a:t>
+            </a:r>
+            <a:r>
+              <a:rPr lang="en-US" sz="2200" dirty="0" err="1"/>
               <a:t>là</a:t>
             </a:r>
             <a:r>
               <a:rPr lang="en-US" sz="2200" dirty="0"/>
-              <a:t> </a:t>
-            </a:r>
-            <a:r>
-              <a:rPr lang="en-US" sz="2200" dirty="0" err="1"/>
-              <a:t>nghịch</a:t>
-            </a:r>
-            <a:r>
-              <a:rPr lang="en-US" sz="2200" dirty="0"/>
-              <a:t> </a:t>
-            </a:r>
-            <a:r>
-              <a:rPr lang="en-US" sz="2200" dirty="0" err="1"/>
-              <a:t>đảo</a:t>
-            </a:r>
-            <a:r>
-              <a:rPr lang="en-US" sz="2200" dirty="0"/>
-              <a:t> </a:t>
-            </a:r>
-            <a:r>
-              <a:rPr lang="en-US" sz="2200" dirty="0" err="1"/>
-              <a:t>của</a:t>
-            </a:r>
-            <a:r>
-              <a:rPr lang="en-US" sz="2200" dirty="0"/>
-              <a:t> </a:t>
-            </a:r>
-            <a:r>
-              <a:rPr lang="en-US" sz="2200" dirty="0" err="1"/>
-              <a:t>mã</a:t>
-            </a:r>
-            <a:r>
-              <a:rPr lang="en-US" sz="2200" dirty="0"/>
-              <a:t> </a:t>
-            </a:r>
-            <a:r>
-              <a:rPr lang="en-US" sz="2200" dirty="0" err="1"/>
-              <a:t>hoá</a:t>
-            </a:r>
-            <a:r>
-              <a:rPr lang="en-US" sz="2200" dirty="0"/>
-              <a:t> </a:t>
-            </a:r>
-            <a:r>
-              <a:rPr lang="en-US" sz="2200" dirty="0" err="1"/>
-              <a:t>với</a:t>
-            </a:r>
-            <a:r>
-              <a:rPr lang="en-US" sz="2200" dirty="0"/>
-              <a:t> key </a:t>
-            </a:r>
-            <a:r>
-              <a:rPr lang="en-US" sz="2200" dirty="0" err="1"/>
-              <a:t>từ</a:t>
-            </a:r>
-            <a:r>
-              <a:rPr lang="en-US" sz="2200" dirty="0"/>
-              <a:t> 16 </a:t>
-            </a:r>
-            <a:r>
-              <a:rPr lang="en-US" sz="2200" dirty="0" err="1"/>
-              <a:t>về</a:t>
-            </a:r>
-            <a:r>
-              <a:rPr lang="en-US" sz="2200" dirty="0"/>
-              <a:t> 1.</a:t>
+              <a:t> 64-bit encrypted cipher text.</a:t>
             </a:r>
           </a:p>
         </p:txBody>
       </p:sp>
       <p:pic>
         <p:nvPicPr>
-          <p:cNvPr id="7170" name="Picture 2" descr="DES Decryption Process">
-            <a:extLst>
-              <a:ext uri="{FF2B5EF4-FFF2-40B4-BE49-F238E27FC236}">
-                <a16:creationId xmlns:a16="http://schemas.microsoft.com/office/drawing/2014/main" id="{4A8BC0A6-F6FD-42DB-BD77-BFCD0466C305}"/>
+          <p:cNvPr id="6146" name="Picture 2" descr="8 Data Encryption Standard">
+            <a:extLst>
+              <a:ext uri="{FF2B5EF4-FFF2-40B4-BE49-F238E27FC236}">
+                <a16:creationId xmlns:a16="http://schemas.microsoft.com/office/drawing/2014/main" id="{0FFA0BBD-B555-0111-15F8-8F1DB135AFF7}"/>
               </a:ext>
             </a:extLst>
           </p:cNvPr>
@@ -4273,8 +4220,8 @@
         </p:blipFill>
         <p:spPr bwMode="auto">
           <a:xfrm>
-            <a:off x="7307263" y="0"/>
-            <a:ext cx="4486275" cy="6858000"/>
+            <a:off x="3273955" y="2848311"/>
+            <a:ext cx="6428845" cy="3081941"/>
           </a:xfrm>
           <a:prstGeom prst="rect">
             <a:avLst/>
@@ -4294,7 +4241,7 @@
     </p:spTree>
     <p:extLst>
       <p:ext uri="{BB962C8B-B14F-4D97-AF65-F5344CB8AC3E}">
-        <p14:creationId xmlns:p14="http://schemas.microsoft.com/office/powerpoint/2010/main" val="553281027"/>
+        <p14:creationId xmlns:p14="http://schemas.microsoft.com/office/powerpoint/2010/main" val="3712198077"/>
       </p:ext>
     </p:extLst>
   </p:cSld>
@@ -4323,10 +4270,10 @@
       </p:grpSpPr>
       <p:sp>
         <p:nvSpPr>
-          <p:cNvPr id="2" name="Title 1">
-            <a:extLst>
-              <a:ext uri="{FF2B5EF4-FFF2-40B4-BE49-F238E27FC236}">
-                <a16:creationId xmlns:a16="http://schemas.microsoft.com/office/drawing/2014/main" id="{67E21A0A-AF47-1E40-2BE2-C014E2463EC0}"/>
+          <p:cNvPr id="4" name="Title 1">
+            <a:extLst>
+              <a:ext uri="{FF2B5EF4-FFF2-40B4-BE49-F238E27FC236}">
+                <a16:creationId xmlns:a16="http://schemas.microsoft.com/office/drawing/2014/main" id="{51EC9C33-FA0F-5FA9-2D99-4CB307E83A70}"/>
               </a:ext>
             </a:extLst>
           </p:cNvPr>
@@ -4339,7 +4286,7 @@
         </p:nvSpPr>
         <p:spPr>
           <a:xfrm>
-            <a:off x="838200" y="289811"/>
+            <a:off x="838200" y="365125"/>
             <a:ext cx="10515600" cy="1325563"/>
           </a:xfrm>
         </p:spPr>
@@ -4350,27 +4297,18 @@
           <a:lstStyle/>
           <a:p>
             <a:r>
-              <a:rPr lang="en-US" sz="3600" dirty="0" err="1"/>
-              <a:t>Mã</a:t>
-            </a:r>
-            <a:r>
               <a:rPr lang="en-US" sz="3600" dirty="0"/>
-              <a:t> </a:t>
-            </a:r>
-            <a:r>
-              <a:rPr lang="en-US" sz="3600" dirty="0" err="1"/>
-              <a:t>nguồn</a:t>
-            </a:r>
-            <a:endParaRPr lang="en-US" sz="3600" dirty="0"/>
+              <a:t>Decryption</a:t>
+            </a:r>
           </a:p>
         </p:txBody>
       </p:sp>
       <p:sp>
         <p:nvSpPr>
-          <p:cNvPr id="3" name="Content Placeholder 2">
-            <a:extLst>
-              <a:ext uri="{FF2B5EF4-FFF2-40B4-BE49-F238E27FC236}">
-                <a16:creationId xmlns:a16="http://schemas.microsoft.com/office/drawing/2014/main" id="{62B962E0-3B03-1E2F-F4C5-0486DABF498F}"/>
+          <p:cNvPr id="5" name="Content Placeholder 2">
+            <a:extLst>
+              <a:ext uri="{FF2B5EF4-FFF2-40B4-BE49-F238E27FC236}">
+                <a16:creationId xmlns:a16="http://schemas.microsoft.com/office/drawing/2014/main" id="{C7C0EE8F-9082-D8B4-D7DA-FA96CD0432DB}"/>
               </a:ext>
             </a:extLst>
           </p:cNvPr>
@@ -4381,8 +4319,8 @@
         </p:nvSpPr>
         <p:spPr>
           <a:xfrm>
-            <a:off x="533399" y="1615374"/>
-            <a:ext cx="11472333" cy="721426"/>
+            <a:off x="533400" y="1615374"/>
+            <a:ext cx="5325534" cy="1813626"/>
           </a:xfrm>
           <a:prstGeom prst="rect">
             <a:avLst/>
@@ -4561,31 +4499,175 @@
               <a:buNone/>
             </a:pPr>
             <a:r>
-              <a:rPr lang="en-US" sz="2200" dirty="0">
-                <a:hlinkClick r:id="rId2"/>
-              </a:rPr>
-              <a:t>Source code's </a:t>
-            </a:r>
-            <a:r>
-              <a:rPr lang="en-US" sz="2200" dirty="0" err="1">
-                <a:hlinkClick r:id="rId2"/>
-              </a:rPr>
-              <a:t>github</a:t>
-            </a:r>
-            <a:r>
-              <a:rPr lang="en-US" sz="2200" dirty="0">
-                <a:hlinkClick r:id="rId2"/>
-              </a:rPr>
-              <a:t> link</a:t>
-            </a:r>
-            <a:endParaRPr lang="en-US" sz="2200" dirty="0"/>
+              <a:rPr lang="en-US" sz="2200" dirty="0"/>
+              <a:t>- </a:t>
+            </a:r>
+            <a:r>
+              <a:rPr lang="en-US" sz="2200" dirty="0" err="1"/>
+              <a:t>Quá</a:t>
+            </a:r>
+            <a:r>
+              <a:rPr lang="en-US" sz="2200" dirty="0"/>
+              <a:t> </a:t>
+            </a:r>
+            <a:r>
+              <a:rPr lang="en-US" sz="2200" dirty="0" err="1"/>
+              <a:t>trình</a:t>
+            </a:r>
+            <a:r>
+              <a:rPr lang="en-US" sz="2200" dirty="0"/>
+              <a:t> </a:t>
+            </a:r>
+            <a:r>
+              <a:rPr lang="en-US" sz="2200" dirty="0" err="1"/>
+              <a:t>giải</a:t>
+            </a:r>
+            <a:r>
+              <a:rPr lang="en-US" sz="2200" dirty="0"/>
+              <a:t> </a:t>
+            </a:r>
+            <a:r>
+              <a:rPr lang="en-US" sz="2200" dirty="0" err="1"/>
+              <a:t>mã</a:t>
+            </a:r>
+            <a:r>
+              <a:rPr lang="en-US" sz="2200" dirty="0"/>
+              <a:t> </a:t>
+            </a:r>
+            <a:r>
+              <a:rPr lang="en-US" sz="2200" dirty="0" err="1"/>
+              <a:t>sẽ</a:t>
+            </a:r>
+            <a:r>
+              <a:rPr lang="en-US" sz="2200" dirty="0"/>
+              <a:t> </a:t>
+            </a:r>
+            <a:r>
+              <a:rPr lang="en-US" sz="2200" dirty="0" err="1"/>
+              <a:t>là</a:t>
+            </a:r>
+            <a:r>
+              <a:rPr lang="en-US" sz="2200" dirty="0"/>
+              <a:t> </a:t>
+            </a:r>
+            <a:r>
+              <a:rPr lang="en-US" sz="2200" dirty="0" err="1"/>
+              <a:t>nghịch</a:t>
+            </a:r>
+            <a:r>
+              <a:rPr lang="en-US" sz="2200" dirty="0"/>
+              <a:t> </a:t>
+            </a:r>
+            <a:r>
+              <a:rPr lang="en-US" sz="2200" dirty="0" err="1"/>
+              <a:t>đảo</a:t>
+            </a:r>
+            <a:r>
+              <a:rPr lang="en-US" sz="2200" dirty="0"/>
+              <a:t> </a:t>
+            </a:r>
+            <a:r>
+              <a:rPr lang="en-US" sz="2200" dirty="0" err="1"/>
+              <a:t>của</a:t>
+            </a:r>
+            <a:r>
+              <a:rPr lang="en-US" sz="2200" dirty="0"/>
+              <a:t> </a:t>
+            </a:r>
+            <a:r>
+              <a:rPr lang="en-US" sz="2200" dirty="0" err="1"/>
+              <a:t>mã</a:t>
+            </a:r>
+            <a:r>
+              <a:rPr lang="en-US" sz="2200" dirty="0"/>
+              <a:t> </a:t>
+            </a:r>
+            <a:r>
+              <a:rPr lang="en-US" sz="2200" dirty="0" err="1"/>
+              <a:t>hoá</a:t>
+            </a:r>
+            <a:r>
+              <a:rPr lang="en-US" sz="2200" dirty="0"/>
+              <a:t> </a:t>
+            </a:r>
+            <a:r>
+              <a:rPr lang="en-US" sz="2200" dirty="0" err="1"/>
+              <a:t>với</a:t>
+            </a:r>
+            <a:r>
+              <a:rPr lang="en-US" sz="2200" dirty="0"/>
+              <a:t> key </a:t>
+            </a:r>
+            <a:r>
+              <a:rPr lang="en-US" sz="2200" dirty="0" err="1"/>
+              <a:t>từ</a:t>
+            </a:r>
+            <a:r>
+              <a:rPr lang="en-US" sz="2200" dirty="0"/>
+              <a:t> 16 </a:t>
+            </a:r>
+            <a:r>
+              <a:rPr lang="en-US" sz="2200" dirty="0" err="1"/>
+              <a:t>về</a:t>
+            </a:r>
+            <a:r>
+              <a:rPr lang="en-US" sz="2200" dirty="0"/>
+              <a:t> 1.</a:t>
+            </a:r>
           </a:p>
         </p:txBody>
       </p:sp>
+      <p:pic>
+        <p:nvPicPr>
+          <p:cNvPr id="7170" name="Picture 2" descr="DES Decryption Process">
+            <a:extLst>
+              <a:ext uri="{FF2B5EF4-FFF2-40B4-BE49-F238E27FC236}">
+                <a16:creationId xmlns:a16="http://schemas.microsoft.com/office/drawing/2014/main" id="{4A8BC0A6-F6FD-42DB-BD77-BFCD0466C305}"/>
+              </a:ext>
+            </a:extLst>
+          </p:cNvPr>
+          <p:cNvPicPr>
+            <a:picLocks noChangeAspect="1" noChangeArrowheads="1"/>
+          </p:cNvPicPr>
+          <p:nvPr/>
+        </p:nvPicPr>
+        <p:blipFill>
+          <a:blip r:embed="rId2">
+            <a:extLst>
+              <a:ext uri="{28A0092B-C50C-407E-A947-70E740481C1C}">
+                <a14:useLocalDpi xmlns:a14="http://schemas.microsoft.com/office/drawing/2010/main" val="0"/>
+              </a:ext>
+            </a:extLst>
+          </a:blip>
+          <a:srcRect/>
+          <a:stretch>
+            <a:fillRect/>
+          </a:stretch>
+        </p:blipFill>
+        <p:spPr bwMode="auto">
+          <a:xfrm>
+            <a:off x="7307263" y="0"/>
+            <a:ext cx="4486275" cy="6858000"/>
+          </a:xfrm>
+          <a:prstGeom prst="rect">
+            <a:avLst/>
+          </a:prstGeom>
+          <a:noFill/>
+          <a:extLst>
+            <a:ext uri="{909E8E84-426E-40DD-AFC4-6F175D3DCCD1}">
+              <a14:hiddenFill xmlns:a14="http://schemas.microsoft.com/office/drawing/2010/main">
+                <a:solidFill>
+                  <a:srgbClr val="FFFFFF"/>
+                </a:solidFill>
+              </a14:hiddenFill>
+            </a:ext>
+          </a:extLst>
+        </p:spPr>
+      </p:pic>
     </p:spTree>
     <p:extLst>
       <p:ext uri="{BB962C8B-B14F-4D97-AF65-F5344CB8AC3E}">
-        <p14:creationId xmlns:p14="http://schemas.microsoft.com/office/powerpoint/2010/main" val="261169587"/>
+        <p14:creationId xmlns:p14="http://schemas.microsoft.com/office/powerpoint/2010/main" val="553281027"/>
       </p:ext>
     </p:extLst>
   </p:cSld>
@@ -4614,10 +4696,607 @@
       </p:grpSpPr>
       <p:sp>
         <p:nvSpPr>
-          <p:cNvPr id="4" name="Title 1">
-            <a:extLst>
-              <a:ext uri="{FF2B5EF4-FFF2-40B4-BE49-F238E27FC236}">
-                <a16:creationId xmlns:a16="http://schemas.microsoft.com/office/drawing/2014/main" id="{51EC9C33-FA0F-5FA9-2D99-4CB307E83A70}"/>
+          <p:cNvPr id="2" name="Title 1">
+            <a:extLst>
+              <a:ext uri="{FF2B5EF4-FFF2-40B4-BE49-F238E27FC236}">
+                <a16:creationId xmlns:a16="http://schemas.microsoft.com/office/drawing/2014/main" id="{39D8BB6C-6649-3353-7FB3-FD899C42A3A3}"/>
+              </a:ext>
+            </a:extLst>
+          </p:cNvPr>
+          <p:cNvSpPr>
+            <a:spLocks noGrp="1"/>
+          </p:cNvSpPr>
+          <p:nvPr>
+            <p:ph type="ctrTitle"/>
+          </p:nvPr>
+        </p:nvSpPr>
+        <p:spPr/>
+        <p:txBody>
+          <a:bodyPr/>
+          <a:lstStyle/>
+          <a:p>
+            <a:r>
+              <a:rPr lang="en-US" dirty="0"/>
+              <a:t>3DES</a:t>
+            </a:r>
+          </a:p>
+        </p:txBody>
+      </p:sp>
+    </p:spTree>
+    <p:extLst>
+      <p:ext uri="{BB962C8B-B14F-4D97-AF65-F5344CB8AC3E}">
+        <p14:creationId xmlns:p14="http://schemas.microsoft.com/office/powerpoint/2010/main" val="3154428624"/>
+      </p:ext>
+    </p:extLst>
+  </p:cSld>
+  <p:clrMapOvr>
+    <a:masterClrMapping/>
+  </p:clrMapOvr>
+</p:sld>
+</file>
+
+<file path=ppt/slides/slide14.xml><?xml version="1.0" encoding="utf-8"?>
+<p:sld xmlns:a="http://schemas.openxmlformats.org/drawingml/2006/main" xmlns:r="http://schemas.openxmlformats.org/officeDocument/2006/relationships" xmlns:p="http://schemas.openxmlformats.org/presentationml/2006/main">
+  <p:cSld>
+    <p:spTree>
+      <p:nvGrpSpPr>
+        <p:cNvPr id="1" name=""/>
+        <p:cNvGrpSpPr/>
+        <p:nvPr/>
+      </p:nvGrpSpPr>
+      <p:grpSpPr>
+        <a:xfrm>
+          <a:off x="0" y="0"/>
+          <a:ext cx="0" cy="0"/>
+          <a:chOff x="0" y="0"/>
+          <a:chExt cx="0" cy="0"/>
+        </a:xfrm>
+      </p:grpSpPr>
+      <p:sp>
+        <p:nvSpPr>
+          <p:cNvPr id="6" name="Content Placeholder 2">
+            <a:extLst>
+              <a:ext uri="{FF2B5EF4-FFF2-40B4-BE49-F238E27FC236}">
+                <a16:creationId xmlns:a16="http://schemas.microsoft.com/office/drawing/2014/main" id="{911E5901-BB40-210E-CDE5-612133636477}"/>
+              </a:ext>
+            </a:extLst>
+          </p:cNvPr>
+          <p:cNvSpPr txBox="1">
+            <a:spLocks/>
+          </p:cNvSpPr>
+          <p:nvPr/>
+        </p:nvSpPr>
+        <p:spPr>
+          <a:xfrm>
+            <a:off x="0" y="2299338"/>
+            <a:ext cx="7915655" cy="1897108"/>
+          </a:xfrm>
+          <a:prstGeom prst="rect">
+            <a:avLst/>
+          </a:prstGeom>
+        </p:spPr>
+        <p:txBody>
+          <a:bodyPr vert="horz" lIns="91440" tIns="45720" rIns="91440" bIns="45720" rtlCol="0">
+            <a:normAutofit/>
+          </a:bodyPr>
+          <a:lstStyle>
+            <a:lvl1pPr marL="228600" indent="-228600" algn="l" defTabSz="914400" rtl="0" eaLnBrk="1" latinLnBrk="0" hangingPunct="1">
+              <a:lnSpc>
+                <a:spcPct val="90000"/>
+              </a:lnSpc>
+              <a:spcBef>
+                <a:spcPts val="1000"/>
+              </a:spcBef>
+              <a:buFont typeface="Arial" panose="020B0604020202020204" pitchFamily="34" charset="0"/>
+              <a:buChar char="•"/>
+              <a:defRPr sz="2800" kern="1200">
+                <a:solidFill>
+                  <a:schemeClr val="tx1"/>
+                </a:solidFill>
+                <a:latin typeface="+mn-lt"/>
+                <a:ea typeface="+mn-ea"/>
+                <a:cs typeface="+mn-cs"/>
+              </a:defRPr>
+            </a:lvl1pPr>
+            <a:lvl2pPr marL="685800" indent="-228600" algn="l" defTabSz="914400" rtl="0" eaLnBrk="1" latinLnBrk="0" hangingPunct="1">
+              <a:lnSpc>
+                <a:spcPct val="90000"/>
+              </a:lnSpc>
+              <a:spcBef>
+                <a:spcPts val="500"/>
+              </a:spcBef>
+              <a:buFont typeface="Arial" panose="020B0604020202020204" pitchFamily="34" charset="0"/>
+              <a:buChar char="•"/>
+              <a:defRPr sz="2400" kern="1200">
+                <a:solidFill>
+                  <a:schemeClr val="tx1"/>
+                </a:solidFill>
+                <a:latin typeface="+mn-lt"/>
+                <a:ea typeface="+mn-ea"/>
+                <a:cs typeface="+mn-cs"/>
+              </a:defRPr>
+            </a:lvl2pPr>
+            <a:lvl3pPr marL="1143000" indent="-228600" algn="l" defTabSz="914400" rtl="0" eaLnBrk="1" latinLnBrk="0" hangingPunct="1">
+              <a:lnSpc>
+                <a:spcPct val="90000"/>
+              </a:lnSpc>
+              <a:spcBef>
+                <a:spcPts val="500"/>
+              </a:spcBef>
+              <a:buFont typeface="Arial" panose="020B0604020202020204" pitchFamily="34" charset="0"/>
+              <a:buChar char="•"/>
+              <a:defRPr sz="2000" kern="1200">
+                <a:solidFill>
+                  <a:schemeClr val="tx1"/>
+                </a:solidFill>
+                <a:latin typeface="+mn-lt"/>
+                <a:ea typeface="+mn-ea"/>
+                <a:cs typeface="+mn-cs"/>
+              </a:defRPr>
+            </a:lvl3pPr>
+            <a:lvl4pPr marL="1600200" indent="-228600" algn="l" defTabSz="914400" rtl="0" eaLnBrk="1" latinLnBrk="0" hangingPunct="1">
+              <a:lnSpc>
+                <a:spcPct val="90000"/>
+              </a:lnSpc>
+              <a:spcBef>
+                <a:spcPts val="500"/>
+              </a:spcBef>
+              <a:buFont typeface="Arial" panose="020B0604020202020204" pitchFamily="34" charset="0"/>
+              <a:buChar char="•"/>
+              <a:defRPr sz="1800" kern="1200">
+                <a:solidFill>
+                  <a:schemeClr val="tx1"/>
+                </a:solidFill>
+                <a:latin typeface="+mn-lt"/>
+                <a:ea typeface="+mn-ea"/>
+                <a:cs typeface="+mn-cs"/>
+              </a:defRPr>
+            </a:lvl4pPr>
+            <a:lvl5pPr marL="2057400" indent="-228600" algn="l" defTabSz="914400" rtl="0" eaLnBrk="1" latinLnBrk="0" hangingPunct="1">
+              <a:lnSpc>
+                <a:spcPct val="90000"/>
+              </a:lnSpc>
+              <a:spcBef>
+                <a:spcPts val="500"/>
+              </a:spcBef>
+              <a:buFont typeface="Arial" panose="020B0604020202020204" pitchFamily="34" charset="0"/>
+              <a:buChar char="•"/>
+              <a:defRPr sz="1800" kern="1200">
+                <a:solidFill>
+                  <a:schemeClr val="tx1"/>
+                </a:solidFill>
+                <a:latin typeface="+mn-lt"/>
+                <a:ea typeface="+mn-ea"/>
+                <a:cs typeface="+mn-cs"/>
+              </a:defRPr>
+            </a:lvl5pPr>
+            <a:lvl6pPr marL="2514600" indent="-228600" algn="l" defTabSz="914400" rtl="0" eaLnBrk="1" latinLnBrk="0" hangingPunct="1">
+              <a:lnSpc>
+                <a:spcPct val="90000"/>
+              </a:lnSpc>
+              <a:spcBef>
+                <a:spcPts val="500"/>
+              </a:spcBef>
+              <a:buFont typeface="Arial" panose="020B0604020202020204" pitchFamily="34" charset="0"/>
+              <a:buChar char="•"/>
+              <a:defRPr sz="1800" kern="1200">
+                <a:solidFill>
+                  <a:schemeClr val="tx1"/>
+                </a:solidFill>
+                <a:latin typeface="+mn-lt"/>
+                <a:ea typeface="+mn-ea"/>
+                <a:cs typeface="+mn-cs"/>
+              </a:defRPr>
+            </a:lvl6pPr>
+            <a:lvl7pPr marL="2971800" indent="-228600" algn="l" defTabSz="914400" rtl="0" eaLnBrk="1" latinLnBrk="0" hangingPunct="1">
+              <a:lnSpc>
+                <a:spcPct val="90000"/>
+              </a:lnSpc>
+              <a:spcBef>
+                <a:spcPts val="500"/>
+              </a:spcBef>
+              <a:buFont typeface="Arial" panose="020B0604020202020204" pitchFamily="34" charset="0"/>
+              <a:buChar char="•"/>
+              <a:defRPr sz="1800" kern="1200">
+                <a:solidFill>
+                  <a:schemeClr val="tx1"/>
+                </a:solidFill>
+                <a:latin typeface="+mn-lt"/>
+                <a:ea typeface="+mn-ea"/>
+                <a:cs typeface="+mn-cs"/>
+              </a:defRPr>
+            </a:lvl7pPr>
+            <a:lvl8pPr marL="3429000" indent="-228600" algn="l" defTabSz="914400" rtl="0" eaLnBrk="1" latinLnBrk="0" hangingPunct="1">
+              <a:lnSpc>
+                <a:spcPct val="90000"/>
+              </a:lnSpc>
+              <a:spcBef>
+                <a:spcPts val="500"/>
+              </a:spcBef>
+              <a:buFont typeface="Arial" panose="020B0604020202020204" pitchFamily="34" charset="0"/>
+              <a:buChar char="•"/>
+              <a:defRPr sz="1800" kern="1200">
+                <a:solidFill>
+                  <a:schemeClr val="tx1"/>
+                </a:solidFill>
+                <a:latin typeface="+mn-lt"/>
+                <a:ea typeface="+mn-ea"/>
+                <a:cs typeface="+mn-cs"/>
+              </a:defRPr>
+            </a:lvl8pPr>
+            <a:lvl9pPr marL="3886200" indent="-228600" algn="l" defTabSz="914400" rtl="0" eaLnBrk="1" latinLnBrk="0" hangingPunct="1">
+              <a:lnSpc>
+                <a:spcPct val="90000"/>
+              </a:lnSpc>
+              <a:spcBef>
+                <a:spcPts val="500"/>
+              </a:spcBef>
+              <a:buFont typeface="Arial" panose="020B0604020202020204" pitchFamily="34" charset="0"/>
+              <a:buChar char="•"/>
+              <a:defRPr sz="1800" kern="1200">
+                <a:solidFill>
+                  <a:schemeClr val="tx1"/>
+                </a:solidFill>
+                <a:latin typeface="+mn-lt"/>
+                <a:ea typeface="+mn-ea"/>
+                <a:cs typeface="+mn-cs"/>
+              </a:defRPr>
+            </a:lvl9pPr>
+          </a:lstStyle>
+          <a:p>
+            <a:pPr marL="457200" lvl="1" indent="0">
+              <a:buNone/>
+            </a:pPr>
+            <a:r>
+              <a:rPr lang="en-US" sz="2200" dirty="0"/>
+              <a:t>- 3DES </a:t>
+            </a:r>
+            <a:r>
+              <a:rPr lang="en-US" sz="2200" dirty="0" err="1"/>
+              <a:t>sử</a:t>
+            </a:r>
+            <a:r>
+              <a:rPr lang="en-US" sz="2200" dirty="0"/>
+              <a:t> </a:t>
+            </a:r>
+            <a:r>
+              <a:rPr lang="en-US" sz="2200" dirty="0" err="1"/>
+              <a:t>dụng</a:t>
+            </a:r>
+            <a:r>
+              <a:rPr lang="en-US" sz="2200" dirty="0"/>
+              <a:t> </a:t>
+            </a:r>
+            <a:r>
+              <a:rPr lang="en-US" sz="2200" dirty="0" err="1"/>
+              <a:t>một</a:t>
+            </a:r>
+            <a:r>
+              <a:rPr lang="en-US" sz="2200" dirty="0"/>
+              <a:t> </a:t>
+            </a:r>
+            <a:r>
+              <a:rPr lang="en-US" sz="2200" dirty="0" err="1"/>
+              <a:t>nhóm</a:t>
+            </a:r>
+            <a:r>
+              <a:rPr lang="en-US" sz="2200" dirty="0"/>
+              <a:t> </a:t>
+            </a:r>
+            <a:r>
+              <a:rPr lang="en-US" sz="2200" dirty="0" err="1"/>
+              <a:t>khoá</a:t>
+            </a:r>
+            <a:r>
+              <a:rPr lang="en-US" sz="2200" dirty="0"/>
+              <a:t> </a:t>
+            </a:r>
+            <a:r>
+              <a:rPr lang="en-US" sz="2200" dirty="0" err="1"/>
+              <a:t>gồm</a:t>
+            </a:r>
+            <a:r>
+              <a:rPr lang="en-US" sz="2200" dirty="0"/>
+              <a:t> 3 </a:t>
+            </a:r>
+            <a:r>
+              <a:rPr lang="en-US" sz="2200" dirty="0" err="1"/>
+              <a:t>khoá</a:t>
+            </a:r>
+            <a:r>
+              <a:rPr lang="en-US" sz="2200" dirty="0"/>
+              <a:t> K1, K2, K3.</a:t>
+            </a:r>
+          </a:p>
+          <a:p>
+            <a:pPr marL="457200" lvl="1" indent="0">
+              <a:buNone/>
+            </a:pPr>
+            <a:r>
+              <a:rPr lang="en-US" sz="2200" dirty="0"/>
+              <a:t>- </a:t>
+            </a:r>
+            <a:r>
+              <a:rPr lang="en-US" sz="2200" dirty="0" err="1"/>
+              <a:t>Có</a:t>
+            </a:r>
+            <a:r>
+              <a:rPr lang="en-US" sz="2200" dirty="0"/>
+              <a:t> 3 </a:t>
+            </a:r>
+            <a:r>
+              <a:rPr lang="en-US" sz="2200" dirty="0" err="1"/>
+              <a:t>lựa</a:t>
+            </a:r>
+            <a:r>
+              <a:rPr lang="en-US" sz="2200" dirty="0"/>
+              <a:t> </a:t>
+            </a:r>
+            <a:r>
+              <a:rPr lang="en-US" sz="2200" dirty="0" err="1"/>
+              <a:t>chọn</a:t>
+            </a:r>
+            <a:r>
+              <a:rPr lang="en-US" sz="2200" dirty="0"/>
+              <a:t> </a:t>
+            </a:r>
+            <a:r>
+              <a:rPr lang="en-US" sz="2200" dirty="0" err="1"/>
+              <a:t>các</a:t>
+            </a:r>
+            <a:r>
+              <a:rPr lang="en-US" sz="2200" dirty="0"/>
+              <a:t> </a:t>
+            </a:r>
+            <a:r>
+              <a:rPr lang="en-US" sz="2200" dirty="0" err="1"/>
+              <a:t>khoá</a:t>
+            </a:r>
+            <a:r>
+              <a:rPr lang="en-US" sz="2200" dirty="0"/>
+              <a:t>:</a:t>
+            </a:r>
+          </a:p>
+          <a:p>
+            <a:pPr marL="457200" lvl="1" indent="0">
+              <a:buNone/>
+            </a:pPr>
+            <a:r>
+              <a:rPr lang="en-US" sz="2200" dirty="0"/>
+              <a:t>	1. K1, K2, K3 </a:t>
+            </a:r>
+            <a:r>
+              <a:rPr lang="en-US" sz="2200" dirty="0" err="1"/>
+              <a:t>độc</a:t>
+            </a:r>
+            <a:r>
+              <a:rPr lang="en-US" sz="2200" dirty="0"/>
+              <a:t> </a:t>
+            </a:r>
+            <a:r>
+              <a:rPr lang="en-US" sz="2200" dirty="0" err="1"/>
+              <a:t>lập</a:t>
+            </a:r>
+            <a:r>
+              <a:rPr lang="en-US" sz="2200" dirty="0"/>
+              <a:t>: </a:t>
+            </a:r>
+            <a:r>
+              <a:rPr lang="en-US" sz="2200" dirty="0" err="1"/>
+              <a:t>Mã</a:t>
+            </a:r>
+            <a:r>
+              <a:rPr lang="en-US" sz="2200" dirty="0"/>
+              <a:t> </a:t>
+            </a:r>
+            <a:r>
+              <a:rPr lang="en-US" sz="2200" dirty="0" err="1"/>
+              <a:t>hoá</a:t>
+            </a:r>
+            <a:r>
+              <a:rPr lang="en-US" sz="2200" dirty="0"/>
+              <a:t> </a:t>
+            </a:r>
+            <a:r>
+              <a:rPr lang="en-US" sz="2200" dirty="0" err="1"/>
+              <a:t>mạnh</a:t>
+            </a:r>
+            <a:r>
+              <a:rPr lang="en-US" sz="2200" dirty="0"/>
+              <a:t> </a:t>
+            </a:r>
+            <a:r>
+              <a:rPr lang="en-US" sz="2200" dirty="0" err="1"/>
+              <a:t>nhất</a:t>
+            </a:r>
+            <a:r>
+              <a:rPr lang="en-US" sz="2200" dirty="0"/>
+              <a:t> (168-bit </a:t>
+            </a:r>
+            <a:r>
+              <a:rPr lang="en-US" sz="2200" dirty="0" err="1"/>
+              <a:t>khoá</a:t>
+            </a:r>
+            <a:r>
+              <a:rPr lang="en-US" sz="2200" dirty="0"/>
+              <a:t>).</a:t>
+            </a:r>
+          </a:p>
+          <a:p>
+            <a:pPr marL="457200" lvl="1" indent="0">
+              <a:buNone/>
+            </a:pPr>
+            <a:r>
+              <a:rPr lang="en-US" sz="2200" dirty="0"/>
+              <a:t>	2. K1, k2 </a:t>
+            </a:r>
+            <a:r>
+              <a:rPr lang="en-US" sz="2200" dirty="0" err="1"/>
+              <a:t>độc</a:t>
+            </a:r>
+            <a:r>
+              <a:rPr lang="en-US" sz="2200" dirty="0"/>
+              <a:t> </a:t>
+            </a:r>
+            <a:r>
+              <a:rPr lang="en-US" sz="2200" dirty="0" err="1"/>
+              <a:t>lập</a:t>
+            </a:r>
+            <a:r>
+              <a:rPr lang="en-US" sz="2200" dirty="0"/>
+              <a:t>, K3 = K1: </a:t>
+            </a:r>
+            <a:r>
+              <a:rPr lang="en-US" sz="2200" dirty="0" err="1"/>
+              <a:t>Mã</a:t>
+            </a:r>
+            <a:r>
+              <a:rPr lang="en-US" sz="2200" dirty="0"/>
+              <a:t> </a:t>
+            </a:r>
+            <a:r>
+              <a:rPr lang="en-US" sz="2200" dirty="0" err="1"/>
+              <a:t>hoá</a:t>
+            </a:r>
+            <a:r>
+              <a:rPr lang="en-US" sz="2200" dirty="0"/>
+              <a:t> </a:t>
+            </a:r>
+            <a:r>
+              <a:rPr lang="en-US" sz="2200" dirty="0" err="1"/>
+              <a:t>trung</a:t>
+            </a:r>
+            <a:r>
+              <a:rPr lang="en-US" sz="2200" dirty="0"/>
+              <a:t> </a:t>
+            </a:r>
+            <a:r>
+              <a:rPr lang="en-US" sz="2200" dirty="0" err="1"/>
+              <a:t>bình</a:t>
+            </a:r>
+            <a:r>
+              <a:rPr lang="en-US" sz="2200" dirty="0"/>
+              <a:t>(112-bit </a:t>
+            </a:r>
+            <a:r>
+              <a:rPr lang="en-US" sz="2200" dirty="0" err="1"/>
+              <a:t>khoá</a:t>
+            </a:r>
+            <a:r>
+              <a:rPr lang="en-US" sz="2200" dirty="0"/>
+              <a:t>).</a:t>
+            </a:r>
+          </a:p>
+          <a:p>
+            <a:pPr marL="457200" lvl="1" indent="0">
+              <a:buNone/>
+            </a:pPr>
+            <a:r>
+              <a:rPr lang="en-US" sz="2200" dirty="0"/>
+              <a:t>	3. K1=K2=K3: </a:t>
+            </a:r>
+            <a:r>
+              <a:rPr lang="en-US" sz="2200" dirty="0" err="1"/>
+              <a:t>Tương</a:t>
+            </a:r>
+            <a:r>
+              <a:rPr lang="en-US" sz="2200" dirty="0"/>
+              <a:t> </a:t>
+            </a:r>
+            <a:r>
+              <a:rPr lang="en-US" sz="2200" dirty="0" err="1"/>
+              <a:t>đương</a:t>
+            </a:r>
+            <a:r>
+              <a:rPr lang="en-US" sz="2200" dirty="0"/>
+              <a:t> 1DES.</a:t>
+            </a:r>
+          </a:p>
+        </p:txBody>
+      </p:sp>
+      <p:pic>
+        <p:nvPicPr>
+          <p:cNvPr id="1026" name="Picture 2">
+            <a:extLst>
+              <a:ext uri="{FF2B5EF4-FFF2-40B4-BE49-F238E27FC236}">
+                <a16:creationId xmlns:a16="http://schemas.microsoft.com/office/drawing/2014/main" id="{40F9CF2C-7A29-18D5-4B90-73C02D1D60C3}"/>
+              </a:ext>
+            </a:extLst>
+          </p:cNvPr>
+          <p:cNvPicPr>
+            <a:picLocks noChangeAspect="1" noChangeArrowheads="1"/>
+          </p:cNvPicPr>
+          <p:nvPr/>
+        </p:nvPicPr>
+        <p:blipFill>
+          <a:blip r:embed="rId2">
+            <a:extLst>
+              <a:ext uri="{28A0092B-C50C-407E-A947-70E740481C1C}">
+                <a14:useLocalDpi xmlns:a14="http://schemas.microsoft.com/office/drawing/2010/main" val="0"/>
+              </a:ext>
+            </a:extLst>
+          </a:blip>
+          <a:srcRect/>
+          <a:stretch>
+            <a:fillRect/>
+          </a:stretch>
+        </p:blipFill>
+        <p:spPr bwMode="auto">
+          <a:xfrm>
+            <a:off x="7881748" y="557029"/>
+            <a:ext cx="4310252" cy="5381727"/>
+          </a:xfrm>
+          <a:prstGeom prst="rect">
+            <a:avLst/>
+          </a:prstGeom>
+          <a:noFill/>
+          <a:extLst>
+            <a:ext uri="{909E8E84-426E-40DD-AFC4-6F175D3DCCD1}">
+              <a14:hiddenFill xmlns:a14="http://schemas.microsoft.com/office/drawing/2010/main">
+                <a:solidFill>
+                  <a:srgbClr val="FFFFFF"/>
+                </a:solidFill>
+              </a14:hiddenFill>
+            </a:ext>
+          </a:extLst>
+        </p:spPr>
+      </p:pic>
+    </p:spTree>
+    <p:extLst>
+      <p:ext uri="{BB962C8B-B14F-4D97-AF65-F5344CB8AC3E}">
+        <p14:creationId xmlns:p14="http://schemas.microsoft.com/office/powerpoint/2010/main" val="3089124756"/>
+      </p:ext>
+    </p:extLst>
+  </p:cSld>
+  <p:clrMapOvr>
+    <a:masterClrMapping/>
+  </p:clrMapOvr>
+</p:sld>
+</file>
+
+<file path=ppt/slides/slide15.xml><?xml version="1.0" encoding="utf-8"?>
+<p:sld xmlns:a="http://schemas.openxmlformats.org/drawingml/2006/main" xmlns:r="http://schemas.openxmlformats.org/officeDocument/2006/relationships" xmlns:p="http://schemas.openxmlformats.org/presentationml/2006/main">
+  <p:cSld>
+    <p:spTree>
+      <p:nvGrpSpPr>
+        <p:cNvPr id="1" name=""/>
+        <p:cNvGrpSpPr/>
+        <p:nvPr/>
+      </p:nvGrpSpPr>
+      <p:grpSpPr>
+        <a:xfrm>
+          <a:off x="0" y="0"/>
+          <a:ext cx="0" cy="0"/>
+          <a:chOff x="0" y="0"/>
+          <a:chExt cx="0" cy="0"/>
+        </a:xfrm>
+      </p:grpSpPr>
+      <p:sp>
+        <p:nvSpPr>
+          <p:cNvPr id="2" name="Title 1">
+            <a:extLst>
+              <a:ext uri="{FF2B5EF4-FFF2-40B4-BE49-F238E27FC236}">
+                <a16:creationId xmlns:a16="http://schemas.microsoft.com/office/drawing/2014/main" id="{67E21A0A-AF47-1E40-2BE2-C014E2463EC0}"/>
               </a:ext>
             </a:extLst>
           </p:cNvPr>
@@ -4630,7 +5309,7 @@
         </p:nvSpPr>
         <p:spPr>
           <a:xfrm>
-            <a:off x="838200" y="365125"/>
+            <a:off x="838200" y="289811"/>
             <a:ext cx="10515600" cy="1325563"/>
           </a:xfrm>
         </p:spPr>
@@ -4641,18 +5320,27 @@
           <a:lstStyle/>
           <a:p>
             <a:r>
+              <a:rPr lang="en-US" sz="3600" dirty="0" err="1"/>
+              <a:t>Mã</a:t>
+            </a:r>
+            <a:r>
               <a:rPr lang="en-US" sz="3600" dirty="0"/>
-              <a:t>References</a:t>
-            </a:r>
+              <a:t> </a:t>
+            </a:r>
+            <a:r>
+              <a:rPr lang="en-US" sz="3600" dirty="0" err="1"/>
+              <a:t>nguồn</a:t>
+            </a:r>
+            <a:endParaRPr lang="en-US" sz="3600" dirty="0"/>
           </a:p>
         </p:txBody>
       </p:sp>
       <p:sp>
         <p:nvSpPr>
-          <p:cNvPr id="5" name="Content Placeholder 2">
-            <a:extLst>
-              <a:ext uri="{FF2B5EF4-FFF2-40B4-BE49-F238E27FC236}">
-                <a16:creationId xmlns:a16="http://schemas.microsoft.com/office/drawing/2014/main" id="{C7C0EE8F-9082-D8B4-D7DA-FA96CD0432DB}"/>
+          <p:cNvPr id="3" name="Content Placeholder 2">
+            <a:extLst>
+              <a:ext uri="{FF2B5EF4-FFF2-40B4-BE49-F238E27FC236}">
+                <a16:creationId xmlns:a16="http://schemas.microsoft.com/office/drawing/2014/main" id="{62B962E0-3B03-1E2F-F4C5-0486DABF498F}"/>
               </a:ext>
             </a:extLst>
           </p:cNvPr>
@@ -4846,6 +5534,288 @@
               <a:rPr lang="en-US" sz="2200" dirty="0">
                 <a:hlinkClick r:id="rId2"/>
               </a:rPr>
+              <a:t>Source code's </a:t>
+            </a:r>
+            <a:r>
+              <a:rPr lang="en-US" sz="2200" dirty="0" err="1">
+                <a:hlinkClick r:id="rId2"/>
+              </a:rPr>
+              <a:t>github</a:t>
+            </a:r>
+            <a:r>
+              <a:rPr lang="en-US" sz="2200" dirty="0">
+                <a:hlinkClick r:id="rId2"/>
+              </a:rPr>
+              <a:t> link</a:t>
+            </a:r>
+            <a:endParaRPr lang="en-US" sz="2200" dirty="0"/>
+          </a:p>
+        </p:txBody>
+      </p:sp>
+    </p:spTree>
+    <p:extLst>
+      <p:ext uri="{BB962C8B-B14F-4D97-AF65-F5344CB8AC3E}">
+        <p14:creationId xmlns:p14="http://schemas.microsoft.com/office/powerpoint/2010/main" val="261169587"/>
+      </p:ext>
+    </p:extLst>
+  </p:cSld>
+  <p:clrMapOvr>
+    <a:masterClrMapping/>
+  </p:clrMapOvr>
+</p:sld>
+</file>
+
+<file path=ppt/slides/slide16.xml><?xml version="1.0" encoding="utf-8"?>
+<p:sld xmlns:a="http://schemas.openxmlformats.org/drawingml/2006/main" xmlns:r="http://schemas.openxmlformats.org/officeDocument/2006/relationships" xmlns:p="http://schemas.openxmlformats.org/presentationml/2006/main">
+  <p:cSld>
+    <p:spTree>
+      <p:nvGrpSpPr>
+        <p:cNvPr id="1" name=""/>
+        <p:cNvGrpSpPr/>
+        <p:nvPr/>
+      </p:nvGrpSpPr>
+      <p:grpSpPr>
+        <a:xfrm>
+          <a:off x="0" y="0"/>
+          <a:ext cx="0" cy="0"/>
+          <a:chOff x="0" y="0"/>
+          <a:chExt cx="0" cy="0"/>
+        </a:xfrm>
+      </p:grpSpPr>
+      <p:sp>
+        <p:nvSpPr>
+          <p:cNvPr id="4" name="Title 1">
+            <a:extLst>
+              <a:ext uri="{FF2B5EF4-FFF2-40B4-BE49-F238E27FC236}">
+                <a16:creationId xmlns:a16="http://schemas.microsoft.com/office/drawing/2014/main" id="{51EC9C33-FA0F-5FA9-2D99-4CB307E83A70}"/>
+              </a:ext>
+            </a:extLst>
+          </p:cNvPr>
+          <p:cNvSpPr>
+            <a:spLocks noGrp="1"/>
+          </p:cNvSpPr>
+          <p:nvPr>
+            <p:ph type="title"/>
+          </p:nvPr>
+        </p:nvSpPr>
+        <p:spPr>
+          <a:xfrm>
+            <a:off x="838200" y="365125"/>
+            <a:ext cx="10515600" cy="1325563"/>
+          </a:xfrm>
+        </p:spPr>
+        <p:txBody>
+          <a:bodyPr>
+            <a:normAutofit/>
+          </a:bodyPr>
+          <a:lstStyle/>
+          <a:p>
+            <a:r>
+              <a:rPr lang="en-US" sz="3600" dirty="0"/>
+              <a:t>References</a:t>
+            </a:r>
+          </a:p>
+        </p:txBody>
+      </p:sp>
+      <p:sp>
+        <p:nvSpPr>
+          <p:cNvPr id="5" name="Content Placeholder 2">
+            <a:extLst>
+              <a:ext uri="{FF2B5EF4-FFF2-40B4-BE49-F238E27FC236}">
+                <a16:creationId xmlns:a16="http://schemas.microsoft.com/office/drawing/2014/main" id="{C7C0EE8F-9082-D8B4-D7DA-FA96CD0432DB}"/>
+              </a:ext>
+            </a:extLst>
+          </p:cNvPr>
+          <p:cNvSpPr txBox="1">
+            <a:spLocks/>
+          </p:cNvSpPr>
+          <p:nvPr/>
+        </p:nvSpPr>
+        <p:spPr>
+          <a:xfrm>
+            <a:off x="533399" y="1615374"/>
+            <a:ext cx="11472333" cy="721426"/>
+          </a:xfrm>
+          <a:prstGeom prst="rect">
+            <a:avLst/>
+          </a:prstGeom>
+        </p:spPr>
+        <p:txBody>
+          <a:bodyPr vert="horz" lIns="91440" tIns="45720" rIns="91440" bIns="45720" rtlCol="0">
+            <a:normAutofit/>
+          </a:bodyPr>
+          <a:lstStyle>
+            <a:lvl1pPr marL="228600" indent="-228600" algn="l" defTabSz="914400" rtl="0" eaLnBrk="1" latinLnBrk="0" hangingPunct="1">
+              <a:lnSpc>
+                <a:spcPct val="90000"/>
+              </a:lnSpc>
+              <a:spcBef>
+                <a:spcPts val="1000"/>
+              </a:spcBef>
+              <a:buFont typeface="Arial" panose="020B0604020202020204" pitchFamily="34" charset="0"/>
+              <a:buChar char="•"/>
+              <a:defRPr sz="2800" kern="1200">
+                <a:solidFill>
+                  <a:schemeClr val="tx1"/>
+                </a:solidFill>
+                <a:latin typeface="+mn-lt"/>
+                <a:ea typeface="+mn-ea"/>
+                <a:cs typeface="+mn-cs"/>
+              </a:defRPr>
+            </a:lvl1pPr>
+            <a:lvl2pPr marL="685800" indent="-228600" algn="l" defTabSz="914400" rtl="0" eaLnBrk="1" latinLnBrk="0" hangingPunct="1">
+              <a:lnSpc>
+                <a:spcPct val="90000"/>
+              </a:lnSpc>
+              <a:spcBef>
+                <a:spcPts val="500"/>
+              </a:spcBef>
+              <a:buFont typeface="Arial" panose="020B0604020202020204" pitchFamily="34" charset="0"/>
+              <a:buChar char="•"/>
+              <a:defRPr sz="2400" kern="1200">
+                <a:solidFill>
+                  <a:schemeClr val="tx1"/>
+                </a:solidFill>
+                <a:latin typeface="+mn-lt"/>
+                <a:ea typeface="+mn-ea"/>
+                <a:cs typeface="+mn-cs"/>
+              </a:defRPr>
+            </a:lvl2pPr>
+            <a:lvl3pPr marL="1143000" indent="-228600" algn="l" defTabSz="914400" rtl="0" eaLnBrk="1" latinLnBrk="0" hangingPunct="1">
+              <a:lnSpc>
+                <a:spcPct val="90000"/>
+              </a:lnSpc>
+              <a:spcBef>
+                <a:spcPts val="500"/>
+              </a:spcBef>
+              <a:buFont typeface="Arial" panose="020B0604020202020204" pitchFamily="34" charset="0"/>
+              <a:buChar char="•"/>
+              <a:defRPr sz="2000" kern="1200">
+                <a:solidFill>
+                  <a:schemeClr val="tx1"/>
+                </a:solidFill>
+                <a:latin typeface="+mn-lt"/>
+                <a:ea typeface="+mn-ea"/>
+                <a:cs typeface="+mn-cs"/>
+              </a:defRPr>
+            </a:lvl3pPr>
+            <a:lvl4pPr marL="1600200" indent="-228600" algn="l" defTabSz="914400" rtl="0" eaLnBrk="1" latinLnBrk="0" hangingPunct="1">
+              <a:lnSpc>
+                <a:spcPct val="90000"/>
+              </a:lnSpc>
+              <a:spcBef>
+                <a:spcPts val="500"/>
+              </a:spcBef>
+              <a:buFont typeface="Arial" panose="020B0604020202020204" pitchFamily="34" charset="0"/>
+              <a:buChar char="•"/>
+              <a:defRPr sz="1800" kern="1200">
+                <a:solidFill>
+                  <a:schemeClr val="tx1"/>
+                </a:solidFill>
+                <a:latin typeface="+mn-lt"/>
+                <a:ea typeface="+mn-ea"/>
+                <a:cs typeface="+mn-cs"/>
+              </a:defRPr>
+            </a:lvl4pPr>
+            <a:lvl5pPr marL="2057400" indent="-228600" algn="l" defTabSz="914400" rtl="0" eaLnBrk="1" latinLnBrk="0" hangingPunct="1">
+              <a:lnSpc>
+                <a:spcPct val="90000"/>
+              </a:lnSpc>
+              <a:spcBef>
+                <a:spcPts val="500"/>
+              </a:spcBef>
+              <a:buFont typeface="Arial" panose="020B0604020202020204" pitchFamily="34" charset="0"/>
+              <a:buChar char="•"/>
+              <a:defRPr sz="1800" kern="1200">
+                <a:solidFill>
+                  <a:schemeClr val="tx1"/>
+                </a:solidFill>
+                <a:latin typeface="+mn-lt"/>
+                <a:ea typeface="+mn-ea"/>
+                <a:cs typeface="+mn-cs"/>
+              </a:defRPr>
+            </a:lvl5pPr>
+            <a:lvl6pPr marL="2514600" indent="-228600" algn="l" defTabSz="914400" rtl="0" eaLnBrk="1" latinLnBrk="0" hangingPunct="1">
+              <a:lnSpc>
+                <a:spcPct val="90000"/>
+              </a:lnSpc>
+              <a:spcBef>
+                <a:spcPts val="500"/>
+              </a:spcBef>
+              <a:buFont typeface="Arial" panose="020B0604020202020204" pitchFamily="34" charset="0"/>
+              <a:buChar char="•"/>
+              <a:defRPr sz="1800" kern="1200">
+                <a:solidFill>
+                  <a:schemeClr val="tx1"/>
+                </a:solidFill>
+                <a:latin typeface="+mn-lt"/>
+                <a:ea typeface="+mn-ea"/>
+                <a:cs typeface="+mn-cs"/>
+              </a:defRPr>
+            </a:lvl6pPr>
+            <a:lvl7pPr marL="2971800" indent="-228600" algn="l" defTabSz="914400" rtl="0" eaLnBrk="1" latinLnBrk="0" hangingPunct="1">
+              <a:lnSpc>
+                <a:spcPct val="90000"/>
+              </a:lnSpc>
+              <a:spcBef>
+                <a:spcPts val="500"/>
+              </a:spcBef>
+              <a:buFont typeface="Arial" panose="020B0604020202020204" pitchFamily="34" charset="0"/>
+              <a:buChar char="•"/>
+              <a:defRPr sz="1800" kern="1200">
+                <a:solidFill>
+                  <a:schemeClr val="tx1"/>
+                </a:solidFill>
+                <a:latin typeface="+mn-lt"/>
+                <a:ea typeface="+mn-ea"/>
+                <a:cs typeface="+mn-cs"/>
+              </a:defRPr>
+            </a:lvl7pPr>
+            <a:lvl8pPr marL="3429000" indent="-228600" algn="l" defTabSz="914400" rtl="0" eaLnBrk="1" latinLnBrk="0" hangingPunct="1">
+              <a:lnSpc>
+                <a:spcPct val="90000"/>
+              </a:lnSpc>
+              <a:spcBef>
+                <a:spcPts val="500"/>
+              </a:spcBef>
+              <a:buFont typeface="Arial" panose="020B0604020202020204" pitchFamily="34" charset="0"/>
+              <a:buChar char="•"/>
+              <a:defRPr sz="1800" kern="1200">
+                <a:solidFill>
+                  <a:schemeClr val="tx1"/>
+                </a:solidFill>
+                <a:latin typeface="+mn-lt"/>
+                <a:ea typeface="+mn-ea"/>
+                <a:cs typeface="+mn-cs"/>
+              </a:defRPr>
+            </a:lvl8pPr>
+            <a:lvl9pPr marL="3886200" indent="-228600" algn="l" defTabSz="914400" rtl="0" eaLnBrk="1" latinLnBrk="0" hangingPunct="1">
+              <a:lnSpc>
+                <a:spcPct val="90000"/>
+              </a:lnSpc>
+              <a:spcBef>
+                <a:spcPts val="500"/>
+              </a:spcBef>
+              <a:buFont typeface="Arial" panose="020B0604020202020204" pitchFamily="34" charset="0"/>
+              <a:buChar char="•"/>
+              <a:defRPr sz="1800" kern="1200">
+                <a:solidFill>
+                  <a:schemeClr val="tx1"/>
+                </a:solidFill>
+                <a:latin typeface="+mn-lt"/>
+                <a:ea typeface="+mn-ea"/>
+                <a:cs typeface="+mn-cs"/>
+              </a:defRPr>
+            </a:lvl9pPr>
+          </a:lstStyle>
+          <a:p>
+            <a:pPr marL="457200" lvl="1" indent="0">
+              <a:buNone/>
+            </a:pPr>
+            <a:r>
+              <a:rPr lang="en-US" sz="2200" dirty="0">
+                <a:hlinkClick r:id="rId2"/>
+              </a:rPr>
               <a:t>Chirag </a:t>
             </a:r>
             <a:r>
@@ -5281,6 +6251,211 @@
                 <a:hlinkClick r:id="rId4"/>
               </a:rPr>
               <a:t> website for details testing</a:t>
+            </a:r>
+            <a:endParaRPr lang="en-US" sz="2200" dirty="0"/>
+          </a:p>
+        </p:txBody>
+      </p:sp>
+      <p:sp>
+        <p:nvSpPr>
+          <p:cNvPr id="6" name="Content Placeholder 2">
+            <a:extLst>
+              <a:ext uri="{FF2B5EF4-FFF2-40B4-BE49-F238E27FC236}">
+                <a16:creationId xmlns:a16="http://schemas.microsoft.com/office/drawing/2014/main" id="{C6922376-2934-969D-5955-664D3986DD03}"/>
+              </a:ext>
+            </a:extLst>
+          </p:cNvPr>
+          <p:cNvSpPr txBox="1">
+            <a:spLocks/>
+          </p:cNvSpPr>
+          <p:nvPr/>
+        </p:nvSpPr>
+        <p:spPr>
+          <a:xfrm>
+            <a:off x="533399" y="3226336"/>
+            <a:ext cx="11472333" cy="721426"/>
+          </a:xfrm>
+          <a:prstGeom prst="rect">
+            <a:avLst/>
+          </a:prstGeom>
+        </p:spPr>
+        <p:txBody>
+          <a:bodyPr vert="horz" lIns="91440" tIns="45720" rIns="91440" bIns="45720" rtlCol="0">
+            <a:normAutofit/>
+          </a:bodyPr>
+          <a:lstStyle>
+            <a:lvl1pPr marL="228600" indent="-228600" algn="l" defTabSz="914400" rtl="0" eaLnBrk="1" latinLnBrk="0" hangingPunct="1">
+              <a:lnSpc>
+                <a:spcPct val="90000"/>
+              </a:lnSpc>
+              <a:spcBef>
+                <a:spcPts val="1000"/>
+              </a:spcBef>
+              <a:buFont typeface="Arial" panose="020B0604020202020204" pitchFamily="34" charset="0"/>
+              <a:buChar char="•"/>
+              <a:defRPr sz="2800" kern="1200">
+                <a:solidFill>
+                  <a:schemeClr val="tx1"/>
+                </a:solidFill>
+                <a:latin typeface="+mn-lt"/>
+                <a:ea typeface="+mn-ea"/>
+                <a:cs typeface="+mn-cs"/>
+              </a:defRPr>
+            </a:lvl1pPr>
+            <a:lvl2pPr marL="685800" indent="-228600" algn="l" defTabSz="914400" rtl="0" eaLnBrk="1" latinLnBrk="0" hangingPunct="1">
+              <a:lnSpc>
+                <a:spcPct val="90000"/>
+              </a:lnSpc>
+              <a:spcBef>
+                <a:spcPts val="500"/>
+              </a:spcBef>
+              <a:buFont typeface="Arial" panose="020B0604020202020204" pitchFamily="34" charset="0"/>
+              <a:buChar char="•"/>
+              <a:defRPr sz="2400" kern="1200">
+                <a:solidFill>
+                  <a:schemeClr val="tx1"/>
+                </a:solidFill>
+                <a:latin typeface="+mn-lt"/>
+                <a:ea typeface="+mn-ea"/>
+                <a:cs typeface="+mn-cs"/>
+              </a:defRPr>
+            </a:lvl2pPr>
+            <a:lvl3pPr marL="1143000" indent="-228600" algn="l" defTabSz="914400" rtl="0" eaLnBrk="1" latinLnBrk="0" hangingPunct="1">
+              <a:lnSpc>
+                <a:spcPct val="90000"/>
+              </a:lnSpc>
+              <a:spcBef>
+                <a:spcPts val="500"/>
+              </a:spcBef>
+              <a:buFont typeface="Arial" panose="020B0604020202020204" pitchFamily="34" charset="0"/>
+              <a:buChar char="•"/>
+              <a:defRPr sz="2000" kern="1200">
+                <a:solidFill>
+                  <a:schemeClr val="tx1"/>
+                </a:solidFill>
+                <a:latin typeface="+mn-lt"/>
+                <a:ea typeface="+mn-ea"/>
+                <a:cs typeface="+mn-cs"/>
+              </a:defRPr>
+            </a:lvl3pPr>
+            <a:lvl4pPr marL="1600200" indent="-228600" algn="l" defTabSz="914400" rtl="0" eaLnBrk="1" latinLnBrk="0" hangingPunct="1">
+              <a:lnSpc>
+                <a:spcPct val="90000"/>
+              </a:lnSpc>
+              <a:spcBef>
+                <a:spcPts val="500"/>
+              </a:spcBef>
+              <a:buFont typeface="Arial" panose="020B0604020202020204" pitchFamily="34" charset="0"/>
+              <a:buChar char="•"/>
+              <a:defRPr sz="1800" kern="1200">
+                <a:solidFill>
+                  <a:schemeClr val="tx1"/>
+                </a:solidFill>
+                <a:latin typeface="+mn-lt"/>
+                <a:ea typeface="+mn-ea"/>
+                <a:cs typeface="+mn-cs"/>
+              </a:defRPr>
+            </a:lvl4pPr>
+            <a:lvl5pPr marL="2057400" indent="-228600" algn="l" defTabSz="914400" rtl="0" eaLnBrk="1" latinLnBrk="0" hangingPunct="1">
+              <a:lnSpc>
+                <a:spcPct val="90000"/>
+              </a:lnSpc>
+              <a:spcBef>
+                <a:spcPts val="500"/>
+              </a:spcBef>
+              <a:buFont typeface="Arial" panose="020B0604020202020204" pitchFamily="34" charset="0"/>
+              <a:buChar char="•"/>
+              <a:defRPr sz="1800" kern="1200">
+                <a:solidFill>
+                  <a:schemeClr val="tx1"/>
+                </a:solidFill>
+                <a:latin typeface="+mn-lt"/>
+                <a:ea typeface="+mn-ea"/>
+                <a:cs typeface="+mn-cs"/>
+              </a:defRPr>
+            </a:lvl5pPr>
+            <a:lvl6pPr marL="2514600" indent="-228600" algn="l" defTabSz="914400" rtl="0" eaLnBrk="1" latinLnBrk="0" hangingPunct="1">
+              <a:lnSpc>
+                <a:spcPct val="90000"/>
+              </a:lnSpc>
+              <a:spcBef>
+                <a:spcPts val="500"/>
+              </a:spcBef>
+              <a:buFont typeface="Arial" panose="020B0604020202020204" pitchFamily="34" charset="0"/>
+              <a:buChar char="•"/>
+              <a:defRPr sz="1800" kern="1200">
+                <a:solidFill>
+                  <a:schemeClr val="tx1"/>
+                </a:solidFill>
+                <a:latin typeface="+mn-lt"/>
+                <a:ea typeface="+mn-ea"/>
+                <a:cs typeface="+mn-cs"/>
+              </a:defRPr>
+            </a:lvl6pPr>
+            <a:lvl7pPr marL="2971800" indent="-228600" algn="l" defTabSz="914400" rtl="0" eaLnBrk="1" latinLnBrk="0" hangingPunct="1">
+              <a:lnSpc>
+                <a:spcPct val="90000"/>
+              </a:lnSpc>
+              <a:spcBef>
+                <a:spcPts val="500"/>
+              </a:spcBef>
+              <a:buFont typeface="Arial" panose="020B0604020202020204" pitchFamily="34" charset="0"/>
+              <a:buChar char="•"/>
+              <a:defRPr sz="1800" kern="1200">
+                <a:solidFill>
+                  <a:schemeClr val="tx1"/>
+                </a:solidFill>
+                <a:latin typeface="+mn-lt"/>
+                <a:ea typeface="+mn-ea"/>
+                <a:cs typeface="+mn-cs"/>
+              </a:defRPr>
+            </a:lvl7pPr>
+            <a:lvl8pPr marL="3429000" indent="-228600" algn="l" defTabSz="914400" rtl="0" eaLnBrk="1" latinLnBrk="0" hangingPunct="1">
+              <a:lnSpc>
+                <a:spcPct val="90000"/>
+              </a:lnSpc>
+              <a:spcBef>
+                <a:spcPts val="500"/>
+              </a:spcBef>
+              <a:buFont typeface="Arial" panose="020B0604020202020204" pitchFamily="34" charset="0"/>
+              <a:buChar char="•"/>
+              <a:defRPr sz="1800" kern="1200">
+                <a:solidFill>
+                  <a:schemeClr val="tx1"/>
+                </a:solidFill>
+                <a:latin typeface="+mn-lt"/>
+                <a:ea typeface="+mn-ea"/>
+                <a:cs typeface="+mn-cs"/>
+              </a:defRPr>
+            </a:lvl8pPr>
+            <a:lvl9pPr marL="3886200" indent="-228600" algn="l" defTabSz="914400" rtl="0" eaLnBrk="1" latinLnBrk="0" hangingPunct="1">
+              <a:lnSpc>
+                <a:spcPct val="90000"/>
+              </a:lnSpc>
+              <a:spcBef>
+                <a:spcPts val="500"/>
+              </a:spcBef>
+              <a:buFont typeface="Arial" panose="020B0604020202020204" pitchFamily="34" charset="0"/>
+              <a:buChar char="•"/>
+              <a:defRPr sz="1800" kern="1200">
+                <a:solidFill>
+                  <a:schemeClr val="tx1"/>
+                </a:solidFill>
+                <a:latin typeface="+mn-lt"/>
+                <a:ea typeface="+mn-ea"/>
+                <a:cs typeface="+mn-cs"/>
+              </a:defRPr>
+            </a:lvl9pPr>
+          </a:lstStyle>
+          <a:p>
+            <a:pPr marL="457200" lvl="1" indent="0">
+              <a:buNone/>
+            </a:pPr>
+            <a:r>
+              <a:rPr lang="en-US" sz="2200" dirty="0">
+                <a:hlinkClick r:id="rId5"/>
+              </a:rPr>
+              <a:t>National Agency of Cryptography &amp; Information Security's 3DES paper</a:t>
             </a:r>
             <a:endParaRPr lang="en-US" sz="2200" dirty="0"/>
           </a:p>
@@ -5318,10 +6493,10 @@
       </p:grpSpPr>
       <p:sp>
         <p:nvSpPr>
-          <p:cNvPr id="3" name="Content Placeholder 2">
-            <a:extLst>
-              <a:ext uri="{FF2B5EF4-FFF2-40B4-BE49-F238E27FC236}">
-                <a16:creationId xmlns:a16="http://schemas.microsoft.com/office/drawing/2014/main" id="{968CEC4A-2973-E92F-EB92-5087B8B13044}"/>
+          <p:cNvPr id="2" name="Title 1">
+            <a:extLst>
+              <a:ext uri="{FF2B5EF4-FFF2-40B4-BE49-F238E27FC236}">
+                <a16:creationId xmlns:a16="http://schemas.microsoft.com/office/drawing/2014/main" id="{39D8BB6C-6649-3353-7FB3-FD899C42A3A3}"/>
               </a:ext>
             </a:extLst>
           </p:cNvPr>
@@ -5329,338 +6504,25 @@
             <a:spLocks noGrp="1"/>
           </p:cNvSpPr>
           <p:nvPr>
-            <p:ph idx="1"/>
+            <p:ph type="ctrTitle"/>
           </p:nvPr>
         </p:nvSpPr>
-        <p:spPr>
-          <a:xfrm>
-            <a:off x="558801" y="496081"/>
-            <a:ext cx="11243732" cy="2272241"/>
-          </a:xfrm>
-        </p:spPr>
+        <p:spPr/>
         <p:txBody>
-          <a:bodyPr>
-            <a:normAutofit fontScale="77500" lnSpcReduction="20000"/>
-          </a:bodyPr>
+          <a:bodyPr/>
           <a:lstStyle/>
           <a:p>
-            <a:pPr marL="0" indent="0">
-              <a:buNone/>
-            </a:pPr>
-            <a:r>
-              <a:rPr lang="en-US"/>
-              <a:t>Các bước trong thuật toán:</a:t>
-            </a:r>
-          </a:p>
-          <a:p>
-            <a:pPr marL="0" indent="0">
-              <a:buNone/>
-            </a:pPr>
-            <a:r>
-              <a:rPr lang="en-US"/>
-              <a:t>	- 64-bit plain text sẽ được đưa vào Initial Permutation (IP).</a:t>
-            </a:r>
-          </a:p>
-          <a:p>
-            <a:pPr marL="0" indent="0">
-              <a:buNone/>
-            </a:pPr>
-            <a:r>
-              <a:rPr lang="en-US"/>
-              <a:t>	- IP sản xuất ra 2 nửa hoán vị Left Plain Text (LPT) và Right Plain Text (RPT).</a:t>
-            </a:r>
-          </a:p>
-          <a:p>
-            <a:pPr marL="0" indent="0">
-              <a:buNone/>
-            </a:pPr>
-            <a:r>
-              <a:rPr lang="en-US"/>
-              <a:t>	-  Mỗi bên đều đi qua 16 rounds encryption.</a:t>
-            </a:r>
-          </a:p>
-          <a:p>
-            <a:pPr marL="0" indent="0">
-              <a:buNone/>
-            </a:pPr>
-            <a:r>
-              <a:rPr lang="en-US"/>
-              <a:t>	- Sau đó, cả 2 được tập hợp lại tại Final Permutation (FP).</a:t>
-            </a:r>
-          </a:p>
-          <a:p>
-            <a:pPr marL="0" indent="0">
-              <a:buNone/>
-            </a:pPr>
-            <a:r>
-              <a:rPr lang="en-US"/>
-              <a:t>	- Kết quả của FP chính là 64-bit cipher text.</a:t>
-            </a:r>
-            <a:endParaRPr lang="en-US" dirty="0"/>
-          </a:p>
-        </p:txBody>
-      </p:sp>
-      <p:pic>
-        <p:nvPicPr>
-          <p:cNvPr id="3076" name="Picture 4" descr="Steps in DES">
-            <a:extLst>
-              <a:ext uri="{FF2B5EF4-FFF2-40B4-BE49-F238E27FC236}">
-                <a16:creationId xmlns:a16="http://schemas.microsoft.com/office/drawing/2014/main" id="{8E34CACD-9634-F67B-41CA-D3C535FAF5BB}"/>
-              </a:ext>
-            </a:extLst>
-          </p:cNvPr>
-          <p:cNvPicPr>
-            <a:picLocks noChangeAspect="1" noChangeArrowheads="1"/>
-          </p:cNvPicPr>
-          <p:nvPr/>
-        </p:nvPicPr>
-        <p:blipFill>
-          <a:blip r:embed="rId2">
-            <a:extLst>
-              <a:ext uri="{28A0092B-C50C-407E-A947-70E740481C1C}">
-                <a14:useLocalDpi xmlns:a14="http://schemas.microsoft.com/office/drawing/2010/main" val="0"/>
-              </a:ext>
-            </a:extLst>
-          </a:blip>
-          <a:srcRect/>
-          <a:stretch>
-            <a:fillRect/>
-          </a:stretch>
-        </p:blipFill>
-        <p:spPr bwMode="auto">
-          <a:xfrm>
-            <a:off x="1314791" y="3090055"/>
-            <a:ext cx="9562418" cy="3593597"/>
-          </a:xfrm>
-          <a:prstGeom prst="rect">
-            <a:avLst/>
-          </a:prstGeom>
-          <a:noFill/>
-          <a:extLst>
-            <a:ext uri="{909E8E84-426E-40DD-AFC4-6F175D3DCCD1}">
-              <a14:hiddenFill xmlns:a14="http://schemas.microsoft.com/office/drawing/2010/main">
-                <a:solidFill>
-                  <a:srgbClr val="FFFFFF"/>
-                </a:solidFill>
-              </a14:hiddenFill>
-            </a:ext>
-          </a:extLst>
-        </p:spPr>
-      </p:pic>
-      <p:sp>
-        <p:nvSpPr>
-          <p:cNvPr id="5" name="Content Placeholder 2">
-            <a:extLst>
-              <a:ext uri="{FF2B5EF4-FFF2-40B4-BE49-F238E27FC236}">
-                <a16:creationId xmlns:a16="http://schemas.microsoft.com/office/drawing/2014/main" id="{73C873EB-D098-F49B-E021-297F5D28871A}"/>
-              </a:ext>
-            </a:extLst>
-          </p:cNvPr>
-          <p:cNvSpPr txBox="1">
-            <a:spLocks/>
-          </p:cNvSpPr>
-          <p:nvPr/>
-        </p:nvSpPr>
-        <p:spPr>
-          <a:xfrm>
-            <a:off x="558801" y="121828"/>
-            <a:ext cx="10828867" cy="748506"/>
-          </a:xfrm>
-          <a:prstGeom prst="rect">
-            <a:avLst/>
-          </a:prstGeom>
-        </p:spPr>
-        <p:txBody>
-          <a:bodyPr vert="horz" lIns="91440" tIns="45720" rIns="91440" bIns="45720" rtlCol="0">
-            <a:normAutofit/>
-          </a:bodyPr>
-          <a:lstStyle>
-            <a:lvl1pPr marL="228600" indent="-228600" algn="l" defTabSz="914400" rtl="0" eaLnBrk="1" latinLnBrk="0" hangingPunct="1">
-              <a:lnSpc>
-                <a:spcPct val="90000"/>
-              </a:lnSpc>
-              <a:spcBef>
-                <a:spcPts val="1000"/>
-              </a:spcBef>
-              <a:buFont typeface="Arial" panose="020B0604020202020204" pitchFamily="34" charset="0"/>
-              <a:buChar char="•"/>
-              <a:defRPr sz="2800" kern="1200">
-                <a:solidFill>
-                  <a:schemeClr val="tx1"/>
-                </a:solidFill>
-                <a:latin typeface="+mn-lt"/>
-                <a:ea typeface="+mn-ea"/>
-                <a:cs typeface="+mn-cs"/>
-              </a:defRPr>
-            </a:lvl1pPr>
-            <a:lvl2pPr marL="685800" indent="-228600" algn="l" defTabSz="914400" rtl="0" eaLnBrk="1" latinLnBrk="0" hangingPunct="1">
-              <a:lnSpc>
-                <a:spcPct val="90000"/>
-              </a:lnSpc>
-              <a:spcBef>
-                <a:spcPts val="500"/>
-              </a:spcBef>
-              <a:buFont typeface="Arial" panose="020B0604020202020204" pitchFamily="34" charset="0"/>
-              <a:buChar char="•"/>
-              <a:defRPr sz="2400" kern="1200">
-                <a:solidFill>
-                  <a:schemeClr val="tx1"/>
-                </a:solidFill>
-                <a:latin typeface="+mn-lt"/>
-                <a:ea typeface="+mn-ea"/>
-                <a:cs typeface="+mn-cs"/>
-              </a:defRPr>
-            </a:lvl2pPr>
-            <a:lvl3pPr marL="1143000" indent="-228600" algn="l" defTabSz="914400" rtl="0" eaLnBrk="1" latinLnBrk="0" hangingPunct="1">
-              <a:lnSpc>
-                <a:spcPct val="90000"/>
-              </a:lnSpc>
-              <a:spcBef>
-                <a:spcPts val="500"/>
-              </a:spcBef>
-              <a:buFont typeface="Arial" panose="020B0604020202020204" pitchFamily="34" charset="0"/>
-              <a:buChar char="•"/>
-              <a:defRPr sz="2000" kern="1200">
-                <a:solidFill>
-                  <a:schemeClr val="tx1"/>
-                </a:solidFill>
-                <a:latin typeface="+mn-lt"/>
-                <a:ea typeface="+mn-ea"/>
-                <a:cs typeface="+mn-cs"/>
-              </a:defRPr>
-            </a:lvl3pPr>
-            <a:lvl4pPr marL="1600200" indent="-228600" algn="l" defTabSz="914400" rtl="0" eaLnBrk="1" latinLnBrk="0" hangingPunct="1">
-              <a:lnSpc>
-                <a:spcPct val="90000"/>
-              </a:lnSpc>
-              <a:spcBef>
-                <a:spcPts val="500"/>
-              </a:spcBef>
-              <a:buFont typeface="Arial" panose="020B0604020202020204" pitchFamily="34" charset="0"/>
-              <a:buChar char="•"/>
-              <a:defRPr sz="1800" kern="1200">
-                <a:solidFill>
-                  <a:schemeClr val="tx1"/>
-                </a:solidFill>
-                <a:latin typeface="+mn-lt"/>
-                <a:ea typeface="+mn-ea"/>
-                <a:cs typeface="+mn-cs"/>
-              </a:defRPr>
-            </a:lvl4pPr>
-            <a:lvl5pPr marL="2057400" indent="-228600" algn="l" defTabSz="914400" rtl="0" eaLnBrk="1" latinLnBrk="0" hangingPunct="1">
-              <a:lnSpc>
-                <a:spcPct val="90000"/>
-              </a:lnSpc>
-              <a:spcBef>
-                <a:spcPts val="500"/>
-              </a:spcBef>
-              <a:buFont typeface="Arial" panose="020B0604020202020204" pitchFamily="34" charset="0"/>
-              <a:buChar char="•"/>
-              <a:defRPr sz="1800" kern="1200">
-                <a:solidFill>
-                  <a:schemeClr val="tx1"/>
-                </a:solidFill>
-                <a:latin typeface="+mn-lt"/>
-                <a:ea typeface="+mn-ea"/>
-                <a:cs typeface="+mn-cs"/>
-              </a:defRPr>
-            </a:lvl5pPr>
-            <a:lvl6pPr marL="2514600" indent="-228600" algn="l" defTabSz="914400" rtl="0" eaLnBrk="1" latinLnBrk="0" hangingPunct="1">
-              <a:lnSpc>
-                <a:spcPct val="90000"/>
-              </a:lnSpc>
-              <a:spcBef>
-                <a:spcPts val="500"/>
-              </a:spcBef>
-              <a:buFont typeface="Arial" panose="020B0604020202020204" pitchFamily="34" charset="0"/>
-              <a:buChar char="•"/>
-              <a:defRPr sz="1800" kern="1200">
-                <a:solidFill>
-                  <a:schemeClr val="tx1"/>
-                </a:solidFill>
-                <a:latin typeface="+mn-lt"/>
-                <a:ea typeface="+mn-ea"/>
-                <a:cs typeface="+mn-cs"/>
-              </a:defRPr>
-            </a:lvl6pPr>
-            <a:lvl7pPr marL="2971800" indent="-228600" algn="l" defTabSz="914400" rtl="0" eaLnBrk="1" latinLnBrk="0" hangingPunct="1">
-              <a:lnSpc>
-                <a:spcPct val="90000"/>
-              </a:lnSpc>
-              <a:spcBef>
-                <a:spcPts val="500"/>
-              </a:spcBef>
-              <a:buFont typeface="Arial" panose="020B0604020202020204" pitchFamily="34" charset="0"/>
-              <a:buChar char="•"/>
-              <a:defRPr sz="1800" kern="1200">
-                <a:solidFill>
-                  <a:schemeClr val="tx1"/>
-                </a:solidFill>
-                <a:latin typeface="+mn-lt"/>
-                <a:ea typeface="+mn-ea"/>
-                <a:cs typeface="+mn-cs"/>
-              </a:defRPr>
-            </a:lvl7pPr>
-            <a:lvl8pPr marL="3429000" indent="-228600" algn="l" defTabSz="914400" rtl="0" eaLnBrk="1" latinLnBrk="0" hangingPunct="1">
-              <a:lnSpc>
-                <a:spcPct val="90000"/>
-              </a:lnSpc>
-              <a:spcBef>
-                <a:spcPts val="500"/>
-              </a:spcBef>
-              <a:buFont typeface="Arial" panose="020B0604020202020204" pitchFamily="34" charset="0"/>
-              <a:buChar char="•"/>
-              <a:defRPr sz="1800" kern="1200">
-                <a:solidFill>
-                  <a:schemeClr val="tx1"/>
-                </a:solidFill>
-                <a:latin typeface="+mn-lt"/>
-                <a:ea typeface="+mn-ea"/>
-                <a:cs typeface="+mn-cs"/>
-              </a:defRPr>
-            </a:lvl8pPr>
-            <a:lvl9pPr marL="3886200" indent="-228600" algn="l" defTabSz="914400" rtl="0" eaLnBrk="1" latinLnBrk="0" hangingPunct="1">
-              <a:lnSpc>
-                <a:spcPct val="90000"/>
-              </a:lnSpc>
-              <a:spcBef>
-                <a:spcPts val="500"/>
-              </a:spcBef>
-              <a:buFont typeface="Arial" panose="020B0604020202020204" pitchFamily="34" charset="0"/>
-              <a:buChar char="•"/>
-              <a:defRPr sz="1800" kern="1200">
-                <a:solidFill>
-                  <a:schemeClr val="tx1"/>
-                </a:solidFill>
-                <a:latin typeface="+mn-lt"/>
-                <a:ea typeface="+mn-ea"/>
-                <a:cs typeface="+mn-cs"/>
-              </a:defRPr>
-            </a:lvl9pPr>
-          </a:lstStyle>
-          <a:p>
-            <a:pPr marL="0" indent="0">
-              <a:buFont typeface="Arial" panose="020B0604020202020204" pitchFamily="34" charset="0"/>
-              <a:buNone/>
-            </a:pPr>
-            <a:r>
-              <a:rPr lang="en-US" sz="2200"/>
-              <a:t>DES (Data Encryption Standard) là block cipher với 56-bit key (64-bit key initial), 64-bit block.</a:t>
-            </a:r>
-          </a:p>
-          <a:p>
-            <a:pPr marL="0" indent="0">
-              <a:buFont typeface="Arial" panose="020B0604020202020204" pitchFamily="34" charset="0"/>
-              <a:buNone/>
-            </a:pPr>
-            <a:endParaRPr lang="en-US" dirty="0"/>
+            <a:r>
+              <a:rPr lang="en-US" dirty="0"/>
+              <a:t>DES</a:t>
+            </a:r>
           </a:p>
         </p:txBody>
       </p:sp>
     </p:spTree>
     <p:extLst>
       <p:ext uri="{BB962C8B-B14F-4D97-AF65-F5344CB8AC3E}">
-        <p14:creationId xmlns:p14="http://schemas.microsoft.com/office/powerpoint/2010/main" val="525559019"/>
+        <p14:creationId xmlns:p14="http://schemas.microsoft.com/office/powerpoint/2010/main" val="2880305829"/>
       </p:ext>
     </p:extLst>
   </p:cSld>
@@ -5689,40 +6551,10 @@
       </p:grpSpPr>
       <p:sp>
         <p:nvSpPr>
-          <p:cNvPr id="2" name="Title 1">
-            <a:extLst>
-              <a:ext uri="{FF2B5EF4-FFF2-40B4-BE49-F238E27FC236}">
-                <a16:creationId xmlns:a16="http://schemas.microsoft.com/office/drawing/2014/main" id="{F6BE7E75-9F50-8399-87E2-1EDA77987719}"/>
-              </a:ext>
-            </a:extLst>
-          </p:cNvPr>
-          <p:cNvSpPr>
-            <a:spLocks noGrp="1"/>
-          </p:cNvSpPr>
-          <p:nvPr>
-            <p:ph type="title"/>
-          </p:nvPr>
-        </p:nvSpPr>
-        <p:spPr/>
-        <p:txBody>
-          <a:bodyPr>
-            <a:normAutofit/>
-          </a:bodyPr>
-          <a:lstStyle/>
-          <a:p>
-            <a:r>
-              <a:rPr lang="en-US" sz="3600" dirty="0"/>
-              <a:t>Initial Permutation</a:t>
-            </a:r>
-          </a:p>
-        </p:txBody>
-      </p:sp>
-      <p:sp>
-        <p:nvSpPr>
           <p:cNvPr id="3" name="Content Placeholder 2">
             <a:extLst>
               <a:ext uri="{FF2B5EF4-FFF2-40B4-BE49-F238E27FC236}">
-                <a16:creationId xmlns:a16="http://schemas.microsoft.com/office/drawing/2014/main" id="{38BE5521-A97D-ED43-C40F-BE87387DFA3A}"/>
+                <a16:creationId xmlns:a16="http://schemas.microsoft.com/office/drawing/2014/main" id="{968CEC4A-2973-E92F-EB92-5087B8B13044}"/>
               </a:ext>
             </a:extLst>
           </p:cNvPr>
@@ -5735,192 +6567,329 @@
         </p:nvSpPr>
         <p:spPr>
           <a:xfrm>
-            <a:off x="757766" y="1367293"/>
-            <a:ext cx="10676467" cy="1158734"/>
+            <a:off x="558801" y="496081"/>
+            <a:ext cx="11243732" cy="2272241"/>
           </a:xfrm>
         </p:spPr>
         <p:txBody>
           <a:bodyPr>
-            <a:normAutofit/>
+            <a:normAutofit fontScale="77500" lnSpcReduction="20000"/>
           </a:bodyPr>
           <a:lstStyle/>
           <a:p>
-            <a:pPr marL="457200" lvl="1" indent="0">
+            <a:pPr marL="0" indent="0">
               <a:buNone/>
             </a:pPr>
             <a:r>
-              <a:rPr lang="en-US" sz="2200" dirty="0"/>
-              <a:t>- </a:t>
-            </a:r>
-            <a:r>
-              <a:rPr lang="en-US" sz="2200" dirty="0" err="1"/>
-              <a:t>Đây</a:t>
-            </a:r>
-            <a:r>
-              <a:rPr lang="en-US" sz="2200" dirty="0"/>
-              <a:t> </a:t>
-            </a:r>
-            <a:r>
-              <a:rPr lang="en-US" sz="2200" dirty="0" err="1"/>
+              <a:rPr lang="en-US" dirty="0" err="1"/>
+              <a:t>Các</a:t>
+            </a:r>
+            <a:r>
+              <a:rPr lang="en-US" dirty="0"/>
+              <a:t> </a:t>
+            </a:r>
+            <a:r>
+              <a:rPr lang="en-US" dirty="0" err="1"/>
+              <a:t>bước</a:t>
+            </a:r>
+            <a:r>
+              <a:rPr lang="en-US" dirty="0"/>
+              <a:t> </a:t>
+            </a:r>
+            <a:r>
+              <a:rPr lang="en-US" dirty="0" err="1"/>
+              <a:t>trong</a:t>
+            </a:r>
+            <a:r>
+              <a:rPr lang="en-US" dirty="0"/>
+              <a:t> </a:t>
+            </a:r>
+            <a:r>
+              <a:rPr lang="en-US" dirty="0" err="1"/>
+              <a:t>thuật</a:t>
+            </a:r>
+            <a:r>
+              <a:rPr lang="en-US" dirty="0"/>
+              <a:t> </a:t>
+            </a:r>
+            <a:r>
+              <a:rPr lang="en-US" dirty="0" err="1"/>
+              <a:t>toán</a:t>
+            </a:r>
+            <a:r>
+              <a:rPr lang="en-US" dirty="0"/>
+              <a:t>:</a:t>
+            </a:r>
+          </a:p>
+          <a:p>
+            <a:pPr marL="0" indent="0">
+              <a:buNone/>
+            </a:pPr>
+            <a:r>
+              <a:rPr lang="en-US" dirty="0"/>
+              <a:t>	- 64-bit plain text </a:t>
+            </a:r>
+            <a:r>
+              <a:rPr lang="en-US" dirty="0" err="1"/>
+              <a:t>sẽ</a:t>
+            </a:r>
+            <a:r>
+              <a:rPr lang="en-US" dirty="0"/>
+              <a:t> </a:t>
+            </a:r>
+            <a:r>
+              <a:rPr lang="en-US" dirty="0" err="1"/>
+              <a:t>được</a:t>
+            </a:r>
+            <a:r>
+              <a:rPr lang="en-US" dirty="0"/>
+              <a:t> </a:t>
+            </a:r>
+            <a:r>
+              <a:rPr lang="en-US" dirty="0" err="1"/>
+              <a:t>đưa</a:t>
+            </a:r>
+            <a:r>
+              <a:rPr lang="en-US" dirty="0"/>
+              <a:t> </a:t>
+            </a:r>
+            <a:r>
+              <a:rPr lang="en-US" dirty="0" err="1"/>
+              <a:t>vào</a:t>
+            </a:r>
+            <a:r>
+              <a:rPr lang="en-US" dirty="0"/>
+              <a:t> Initial Permutation (IP).</a:t>
+            </a:r>
+          </a:p>
+          <a:p>
+            <a:pPr marL="0" indent="0">
+              <a:buNone/>
+            </a:pPr>
+            <a:r>
+              <a:rPr lang="en-US" dirty="0"/>
+              <a:t>	- IP </a:t>
+            </a:r>
+            <a:r>
+              <a:rPr lang="en-US" dirty="0" err="1"/>
+              <a:t>sản</a:t>
+            </a:r>
+            <a:r>
+              <a:rPr lang="en-US" dirty="0"/>
+              <a:t> </a:t>
+            </a:r>
+            <a:r>
+              <a:rPr lang="en-US" dirty="0" err="1"/>
+              <a:t>xuất</a:t>
+            </a:r>
+            <a:r>
+              <a:rPr lang="en-US" dirty="0"/>
+              <a:t> </a:t>
+            </a:r>
+            <a:r>
+              <a:rPr lang="en-US" dirty="0" err="1"/>
+              <a:t>ra</a:t>
+            </a:r>
+            <a:r>
+              <a:rPr lang="en-US" dirty="0"/>
+              <a:t> 2 </a:t>
+            </a:r>
+            <a:r>
+              <a:rPr lang="en-US" dirty="0" err="1"/>
+              <a:t>nửa</a:t>
+            </a:r>
+            <a:r>
+              <a:rPr lang="en-US" dirty="0"/>
+              <a:t> </a:t>
+            </a:r>
+            <a:r>
+              <a:rPr lang="en-US" dirty="0" err="1"/>
+              <a:t>hoán</a:t>
+            </a:r>
+            <a:r>
+              <a:rPr lang="en-US" dirty="0"/>
+              <a:t> </a:t>
+            </a:r>
+            <a:r>
+              <a:rPr lang="en-US" dirty="0" err="1"/>
+              <a:t>vị</a:t>
+            </a:r>
+            <a:r>
+              <a:rPr lang="en-US" dirty="0"/>
+              <a:t> Left Plain Text (LPT) </a:t>
+            </a:r>
+            <a:r>
+              <a:rPr lang="en-US" dirty="0" err="1"/>
+              <a:t>và</a:t>
+            </a:r>
+            <a:r>
+              <a:rPr lang="en-US" dirty="0"/>
+              <a:t> Right Plain Text (RPT).</a:t>
+            </a:r>
+          </a:p>
+          <a:p>
+            <a:pPr marL="0" indent="0">
+              <a:buNone/>
+            </a:pPr>
+            <a:r>
+              <a:rPr lang="en-US" dirty="0"/>
+              <a:t>	-  </a:t>
+            </a:r>
+            <a:r>
+              <a:rPr lang="en-US" dirty="0" err="1"/>
+              <a:t>Mỗi</a:t>
+            </a:r>
+            <a:r>
+              <a:rPr lang="en-US" dirty="0"/>
+              <a:t> </a:t>
+            </a:r>
+            <a:r>
+              <a:rPr lang="en-US" dirty="0" err="1"/>
+              <a:t>bên</a:t>
+            </a:r>
+            <a:r>
+              <a:rPr lang="en-US" dirty="0"/>
+              <a:t> </a:t>
+            </a:r>
+            <a:r>
+              <a:rPr lang="en-US" dirty="0" err="1"/>
+              <a:t>đều</a:t>
+            </a:r>
+            <a:r>
+              <a:rPr lang="en-US" dirty="0"/>
+              <a:t> </a:t>
+            </a:r>
+            <a:r>
+              <a:rPr lang="en-US" dirty="0" err="1"/>
+              <a:t>đi</a:t>
+            </a:r>
+            <a:r>
+              <a:rPr lang="en-US" dirty="0"/>
+              <a:t> qua 16 rounds encryption.</a:t>
+            </a:r>
+          </a:p>
+          <a:p>
+            <a:pPr marL="0" indent="0">
+              <a:buNone/>
+            </a:pPr>
+            <a:r>
+              <a:rPr lang="en-US" dirty="0"/>
+              <a:t>	- Sau </a:t>
+            </a:r>
+            <a:r>
+              <a:rPr lang="en-US" dirty="0" err="1"/>
+              <a:t>đó</a:t>
+            </a:r>
+            <a:r>
+              <a:rPr lang="en-US" dirty="0"/>
+              <a:t>, </a:t>
+            </a:r>
+            <a:r>
+              <a:rPr lang="en-US" dirty="0" err="1"/>
+              <a:t>cả</a:t>
+            </a:r>
+            <a:r>
+              <a:rPr lang="en-US" dirty="0"/>
+              <a:t> 2 </a:t>
+            </a:r>
+            <a:r>
+              <a:rPr lang="en-US" dirty="0" err="1"/>
+              <a:t>được</a:t>
+            </a:r>
+            <a:r>
+              <a:rPr lang="en-US" dirty="0"/>
+              <a:t> </a:t>
+            </a:r>
+            <a:r>
+              <a:rPr lang="en-US" dirty="0" err="1"/>
+              <a:t>tập</a:t>
+            </a:r>
+            <a:r>
+              <a:rPr lang="en-US" dirty="0"/>
+              <a:t> </a:t>
+            </a:r>
+            <a:r>
+              <a:rPr lang="en-US" dirty="0" err="1"/>
+              <a:t>hợp</a:t>
+            </a:r>
+            <a:r>
+              <a:rPr lang="en-US" dirty="0"/>
+              <a:t> </a:t>
+            </a:r>
+            <a:r>
+              <a:rPr lang="en-US" dirty="0" err="1"/>
+              <a:t>lại</a:t>
+            </a:r>
+            <a:r>
+              <a:rPr lang="en-US" dirty="0"/>
+              <a:t> </a:t>
+            </a:r>
+            <a:r>
+              <a:rPr lang="en-US" dirty="0" err="1"/>
+              <a:t>tại</a:t>
+            </a:r>
+            <a:r>
+              <a:rPr lang="en-US" dirty="0"/>
+              <a:t> Final Permutation (FP).</a:t>
+            </a:r>
+          </a:p>
+          <a:p>
+            <a:pPr marL="0" indent="0">
+              <a:buNone/>
+            </a:pPr>
+            <a:r>
+              <a:rPr lang="en-US" dirty="0"/>
+              <a:t>	- </a:t>
+            </a:r>
+            <a:r>
+              <a:rPr lang="en-US" dirty="0" err="1"/>
+              <a:t>Kết</a:t>
+            </a:r>
+            <a:r>
+              <a:rPr lang="en-US" dirty="0"/>
+              <a:t> </a:t>
+            </a:r>
+            <a:r>
+              <a:rPr lang="en-US" dirty="0" err="1"/>
+              <a:t>quả</a:t>
+            </a:r>
+            <a:r>
+              <a:rPr lang="en-US" dirty="0"/>
+              <a:t> </a:t>
+            </a:r>
+            <a:r>
+              <a:rPr lang="en-US" dirty="0" err="1"/>
+              <a:t>của</a:t>
+            </a:r>
+            <a:r>
+              <a:rPr lang="en-US" dirty="0"/>
+              <a:t> FP </a:t>
+            </a:r>
+            <a:r>
+              <a:rPr lang="en-US" dirty="0" err="1"/>
+              <a:t>chính</a:t>
+            </a:r>
+            <a:r>
+              <a:rPr lang="en-US" dirty="0"/>
+              <a:t> </a:t>
+            </a:r>
+            <a:r>
+              <a:rPr lang="en-US" dirty="0" err="1"/>
               <a:t>là</a:t>
             </a:r>
             <a:r>
-              <a:rPr lang="en-US" sz="2200" dirty="0"/>
-              <a:t> </a:t>
-            </a:r>
-            <a:r>
-              <a:rPr lang="en-US" sz="2200" dirty="0" err="1"/>
-              <a:t>bước</a:t>
-            </a:r>
-            <a:r>
-              <a:rPr lang="en-US" sz="2200" dirty="0"/>
-              <a:t> </a:t>
-            </a:r>
-            <a:r>
-              <a:rPr lang="en-US" sz="2200" dirty="0" err="1"/>
-              <a:t>đầu</a:t>
-            </a:r>
-            <a:r>
-              <a:rPr lang="en-US" sz="2200" dirty="0"/>
-              <a:t> </a:t>
-            </a:r>
-            <a:r>
-              <a:rPr lang="en-US" sz="2200" dirty="0" err="1"/>
-              <a:t>tiên</a:t>
-            </a:r>
-            <a:r>
-              <a:rPr lang="en-US" sz="2200" dirty="0"/>
-              <a:t>, </a:t>
-            </a:r>
-            <a:r>
-              <a:rPr lang="en-US" sz="2200" dirty="0" err="1"/>
-              <a:t>các</a:t>
-            </a:r>
-            <a:r>
-              <a:rPr lang="en-US" sz="2200" dirty="0"/>
-              <a:t> bit </a:t>
-            </a:r>
-            <a:r>
-              <a:rPr lang="en-US" sz="2200" dirty="0" err="1"/>
-              <a:t>của</a:t>
-            </a:r>
-            <a:r>
-              <a:rPr lang="en-US" sz="2200" dirty="0"/>
-              <a:t> plain text </a:t>
-            </a:r>
-            <a:r>
-              <a:rPr lang="en-US" sz="2200" dirty="0" err="1"/>
-              <a:t>sẽ</a:t>
-            </a:r>
-            <a:r>
-              <a:rPr lang="en-US" sz="2200" dirty="0"/>
-              <a:t> </a:t>
-            </a:r>
-            <a:r>
-              <a:rPr lang="en-US" sz="2200" dirty="0" err="1"/>
-              <a:t>hoán</a:t>
-            </a:r>
-            <a:r>
-              <a:rPr lang="en-US" sz="2200" dirty="0"/>
-              <a:t> </a:t>
-            </a:r>
-            <a:r>
-              <a:rPr lang="en-US" sz="2200" dirty="0" err="1"/>
-              <a:t>vị</a:t>
-            </a:r>
-            <a:r>
-              <a:rPr lang="en-US" sz="2200" dirty="0"/>
-              <a:t> </a:t>
-            </a:r>
-            <a:r>
-              <a:rPr lang="en-US" sz="2200" dirty="0" err="1"/>
-              <a:t>cho</a:t>
-            </a:r>
-            <a:r>
-              <a:rPr lang="en-US" sz="2200" dirty="0"/>
-              <a:t> </a:t>
-            </a:r>
-            <a:r>
-              <a:rPr lang="en-US" sz="2200" dirty="0" err="1"/>
-              <a:t>nhau</a:t>
-            </a:r>
-            <a:r>
-              <a:rPr lang="en-US" sz="2200" dirty="0"/>
-              <a:t> </a:t>
-            </a:r>
-            <a:r>
-              <a:rPr lang="en-US" sz="2200" dirty="0" err="1"/>
-              <a:t>theo</a:t>
-            </a:r>
-            <a:r>
-              <a:rPr lang="en-US" sz="2200" dirty="0"/>
-              <a:t> </a:t>
-            </a:r>
-            <a:r>
-              <a:rPr lang="en-US" sz="2200" dirty="0" err="1"/>
-              <a:t>bảng</a:t>
-            </a:r>
-            <a:r>
-              <a:rPr lang="en-US" sz="2200" dirty="0"/>
-              <a:t> IP table, </a:t>
-            </a:r>
-            <a:r>
-              <a:rPr lang="en-US" sz="2200" dirty="0" err="1"/>
-              <a:t>sau</a:t>
-            </a:r>
-            <a:r>
-              <a:rPr lang="en-US" sz="2200" dirty="0"/>
-              <a:t> </a:t>
-            </a:r>
-            <a:r>
-              <a:rPr lang="en-US" sz="2200" dirty="0" err="1"/>
-              <a:t>đó</a:t>
-            </a:r>
-            <a:r>
-              <a:rPr lang="en-US" sz="2200" dirty="0"/>
-              <a:t> 64 permuted bits chia </a:t>
-            </a:r>
-            <a:r>
-              <a:rPr lang="en-US" sz="2200" dirty="0" err="1"/>
-              <a:t>làm</a:t>
-            </a:r>
-            <a:r>
-              <a:rPr lang="en-US" sz="2200" dirty="0"/>
-              <a:t> 2 LPT </a:t>
-            </a:r>
-            <a:r>
-              <a:rPr lang="en-US" sz="2200" dirty="0" err="1"/>
-              <a:t>và</a:t>
-            </a:r>
-            <a:r>
-              <a:rPr lang="en-US" sz="2200" dirty="0"/>
-              <a:t> RPT </a:t>
-            </a:r>
-            <a:r>
-              <a:rPr lang="en-US" sz="2200" dirty="0" err="1"/>
-              <a:t>và</a:t>
-            </a:r>
-            <a:r>
-              <a:rPr lang="en-US" sz="2200" dirty="0"/>
-              <a:t> qua 16 rounds </a:t>
-            </a:r>
-            <a:r>
-              <a:rPr lang="en-US" sz="2200" dirty="0" err="1"/>
-              <a:t>lặp</a:t>
-            </a:r>
-            <a:r>
-              <a:rPr lang="en-US" sz="2200" dirty="0"/>
-              <a:t>.</a:t>
+              <a:rPr lang="en-US" dirty="0"/>
+              <a:t> 64-bit cipher text.</a:t>
             </a:r>
           </a:p>
         </p:txBody>
       </p:sp>
       <p:pic>
         <p:nvPicPr>
-          <p:cNvPr id="1030" name="Picture 6" descr="Data encryption standard (DES) | Set 1 - GeeksforGeeks">
-            <a:extLst>
-              <a:ext uri="{FF2B5EF4-FFF2-40B4-BE49-F238E27FC236}">
-                <a16:creationId xmlns:a16="http://schemas.microsoft.com/office/drawing/2014/main" id="{9CA0A873-C816-69BE-597A-1E2E25C112C2}"/>
+          <p:cNvPr id="3076" name="Picture 4" descr="Steps in DES">
+            <a:extLst>
+              <a:ext uri="{FF2B5EF4-FFF2-40B4-BE49-F238E27FC236}">
+                <a16:creationId xmlns:a16="http://schemas.microsoft.com/office/drawing/2014/main" id="{8E34CACD-9634-F67B-41CA-D3C535FAF5BB}"/>
               </a:ext>
             </a:extLst>
           </p:cNvPr>
@@ -5944,8 +6913,8 @@
         </p:blipFill>
         <p:spPr bwMode="auto">
           <a:xfrm>
-            <a:off x="1249693" y="2977090"/>
-            <a:ext cx="9692614" cy="2001309"/>
+            <a:off x="1314791" y="3090055"/>
+            <a:ext cx="9562418" cy="3593597"/>
           </a:xfrm>
           <a:prstGeom prst="rect">
             <a:avLst/>
@@ -5962,10 +6931,220 @@
           </a:extLst>
         </p:spPr>
       </p:pic>
+      <p:sp>
+        <p:nvSpPr>
+          <p:cNvPr id="5" name="Content Placeholder 2">
+            <a:extLst>
+              <a:ext uri="{FF2B5EF4-FFF2-40B4-BE49-F238E27FC236}">
+                <a16:creationId xmlns:a16="http://schemas.microsoft.com/office/drawing/2014/main" id="{73C873EB-D098-F49B-E021-297F5D28871A}"/>
+              </a:ext>
+            </a:extLst>
+          </p:cNvPr>
+          <p:cNvSpPr txBox="1">
+            <a:spLocks/>
+          </p:cNvSpPr>
+          <p:nvPr/>
+        </p:nvSpPr>
+        <p:spPr>
+          <a:xfrm>
+            <a:off x="558801" y="121828"/>
+            <a:ext cx="10828867" cy="748506"/>
+          </a:xfrm>
+          <a:prstGeom prst="rect">
+            <a:avLst/>
+          </a:prstGeom>
+        </p:spPr>
+        <p:txBody>
+          <a:bodyPr vert="horz" lIns="91440" tIns="45720" rIns="91440" bIns="45720" rtlCol="0">
+            <a:normAutofit/>
+          </a:bodyPr>
+          <a:lstStyle>
+            <a:lvl1pPr marL="228600" indent="-228600" algn="l" defTabSz="914400" rtl="0" eaLnBrk="1" latinLnBrk="0" hangingPunct="1">
+              <a:lnSpc>
+                <a:spcPct val="90000"/>
+              </a:lnSpc>
+              <a:spcBef>
+                <a:spcPts val="1000"/>
+              </a:spcBef>
+              <a:buFont typeface="Arial" panose="020B0604020202020204" pitchFamily="34" charset="0"/>
+              <a:buChar char="•"/>
+              <a:defRPr sz="2800" kern="1200">
+                <a:solidFill>
+                  <a:schemeClr val="tx1"/>
+                </a:solidFill>
+                <a:latin typeface="+mn-lt"/>
+                <a:ea typeface="+mn-ea"/>
+                <a:cs typeface="+mn-cs"/>
+              </a:defRPr>
+            </a:lvl1pPr>
+            <a:lvl2pPr marL="685800" indent="-228600" algn="l" defTabSz="914400" rtl="0" eaLnBrk="1" latinLnBrk="0" hangingPunct="1">
+              <a:lnSpc>
+                <a:spcPct val="90000"/>
+              </a:lnSpc>
+              <a:spcBef>
+                <a:spcPts val="500"/>
+              </a:spcBef>
+              <a:buFont typeface="Arial" panose="020B0604020202020204" pitchFamily="34" charset="0"/>
+              <a:buChar char="•"/>
+              <a:defRPr sz="2400" kern="1200">
+                <a:solidFill>
+                  <a:schemeClr val="tx1"/>
+                </a:solidFill>
+                <a:latin typeface="+mn-lt"/>
+                <a:ea typeface="+mn-ea"/>
+                <a:cs typeface="+mn-cs"/>
+              </a:defRPr>
+            </a:lvl2pPr>
+            <a:lvl3pPr marL="1143000" indent="-228600" algn="l" defTabSz="914400" rtl="0" eaLnBrk="1" latinLnBrk="0" hangingPunct="1">
+              <a:lnSpc>
+                <a:spcPct val="90000"/>
+              </a:lnSpc>
+              <a:spcBef>
+                <a:spcPts val="500"/>
+              </a:spcBef>
+              <a:buFont typeface="Arial" panose="020B0604020202020204" pitchFamily="34" charset="0"/>
+              <a:buChar char="•"/>
+              <a:defRPr sz="2000" kern="1200">
+                <a:solidFill>
+                  <a:schemeClr val="tx1"/>
+                </a:solidFill>
+                <a:latin typeface="+mn-lt"/>
+                <a:ea typeface="+mn-ea"/>
+                <a:cs typeface="+mn-cs"/>
+              </a:defRPr>
+            </a:lvl3pPr>
+            <a:lvl4pPr marL="1600200" indent="-228600" algn="l" defTabSz="914400" rtl="0" eaLnBrk="1" latinLnBrk="0" hangingPunct="1">
+              <a:lnSpc>
+                <a:spcPct val="90000"/>
+              </a:lnSpc>
+              <a:spcBef>
+                <a:spcPts val="500"/>
+              </a:spcBef>
+              <a:buFont typeface="Arial" panose="020B0604020202020204" pitchFamily="34" charset="0"/>
+              <a:buChar char="•"/>
+              <a:defRPr sz="1800" kern="1200">
+                <a:solidFill>
+                  <a:schemeClr val="tx1"/>
+                </a:solidFill>
+                <a:latin typeface="+mn-lt"/>
+                <a:ea typeface="+mn-ea"/>
+                <a:cs typeface="+mn-cs"/>
+              </a:defRPr>
+            </a:lvl4pPr>
+            <a:lvl5pPr marL="2057400" indent="-228600" algn="l" defTabSz="914400" rtl="0" eaLnBrk="1" latinLnBrk="0" hangingPunct="1">
+              <a:lnSpc>
+                <a:spcPct val="90000"/>
+              </a:lnSpc>
+              <a:spcBef>
+                <a:spcPts val="500"/>
+              </a:spcBef>
+              <a:buFont typeface="Arial" panose="020B0604020202020204" pitchFamily="34" charset="0"/>
+              <a:buChar char="•"/>
+              <a:defRPr sz="1800" kern="1200">
+                <a:solidFill>
+                  <a:schemeClr val="tx1"/>
+                </a:solidFill>
+                <a:latin typeface="+mn-lt"/>
+                <a:ea typeface="+mn-ea"/>
+                <a:cs typeface="+mn-cs"/>
+              </a:defRPr>
+            </a:lvl5pPr>
+            <a:lvl6pPr marL="2514600" indent="-228600" algn="l" defTabSz="914400" rtl="0" eaLnBrk="1" latinLnBrk="0" hangingPunct="1">
+              <a:lnSpc>
+                <a:spcPct val="90000"/>
+              </a:lnSpc>
+              <a:spcBef>
+                <a:spcPts val="500"/>
+              </a:spcBef>
+              <a:buFont typeface="Arial" panose="020B0604020202020204" pitchFamily="34" charset="0"/>
+              <a:buChar char="•"/>
+              <a:defRPr sz="1800" kern="1200">
+                <a:solidFill>
+                  <a:schemeClr val="tx1"/>
+                </a:solidFill>
+                <a:latin typeface="+mn-lt"/>
+                <a:ea typeface="+mn-ea"/>
+                <a:cs typeface="+mn-cs"/>
+              </a:defRPr>
+            </a:lvl6pPr>
+            <a:lvl7pPr marL="2971800" indent="-228600" algn="l" defTabSz="914400" rtl="0" eaLnBrk="1" latinLnBrk="0" hangingPunct="1">
+              <a:lnSpc>
+                <a:spcPct val="90000"/>
+              </a:lnSpc>
+              <a:spcBef>
+                <a:spcPts val="500"/>
+              </a:spcBef>
+              <a:buFont typeface="Arial" panose="020B0604020202020204" pitchFamily="34" charset="0"/>
+              <a:buChar char="•"/>
+              <a:defRPr sz="1800" kern="1200">
+                <a:solidFill>
+                  <a:schemeClr val="tx1"/>
+                </a:solidFill>
+                <a:latin typeface="+mn-lt"/>
+                <a:ea typeface="+mn-ea"/>
+                <a:cs typeface="+mn-cs"/>
+              </a:defRPr>
+            </a:lvl7pPr>
+            <a:lvl8pPr marL="3429000" indent="-228600" algn="l" defTabSz="914400" rtl="0" eaLnBrk="1" latinLnBrk="0" hangingPunct="1">
+              <a:lnSpc>
+                <a:spcPct val="90000"/>
+              </a:lnSpc>
+              <a:spcBef>
+                <a:spcPts val="500"/>
+              </a:spcBef>
+              <a:buFont typeface="Arial" panose="020B0604020202020204" pitchFamily="34" charset="0"/>
+              <a:buChar char="•"/>
+              <a:defRPr sz="1800" kern="1200">
+                <a:solidFill>
+                  <a:schemeClr val="tx1"/>
+                </a:solidFill>
+                <a:latin typeface="+mn-lt"/>
+                <a:ea typeface="+mn-ea"/>
+                <a:cs typeface="+mn-cs"/>
+              </a:defRPr>
+            </a:lvl8pPr>
+            <a:lvl9pPr marL="3886200" indent="-228600" algn="l" defTabSz="914400" rtl="0" eaLnBrk="1" latinLnBrk="0" hangingPunct="1">
+              <a:lnSpc>
+                <a:spcPct val="90000"/>
+              </a:lnSpc>
+              <a:spcBef>
+                <a:spcPts val="500"/>
+              </a:spcBef>
+              <a:buFont typeface="Arial" panose="020B0604020202020204" pitchFamily="34" charset="0"/>
+              <a:buChar char="•"/>
+              <a:defRPr sz="1800" kern="1200">
+                <a:solidFill>
+                  <a:schemeClr val="tx1"/>
+                </a:solidFill>
+                <a:latin typeface="+mn-lt"/>
+                <a:ea typeface="+mn-ea"/>
+                <a:cs typeface="+mn-cs"/>
+              </a:defRPr>
+            </a:lvl9pPr>
+          </a:lstStyle>
+          <a:p>
+            <a:pPr marL="0" indent="0">
+              <a:buFont typeface="Arial" panose="020B0604020202020204" pitchFamily="34" charset="0"/>
+              <a:buNone/>
+            </a:pPr>
+            <a:r>
+              <a:rPr lang="en-US" sz="2200"/>
+              <a:t>DES (Data Encryption Standard) là block cipher với 56-bit key (64-bit key initial), 64-bit block.</a:t>
+            </a:r>
+          </a:p>
+          <a:p>
+            <a:pPr marL="0" indent="0">
+              <a:buFont typeface="Arial" panose="020B0604020202020204" pitchFamily="34" charset="0"/>
+              <a:buNone/>
+            </a:pPr>
+            <a:endParaRPr lang="en-US" dirty="0"/>
+          </a:p>
+        </p:txBody>
+      </p:sp>
     </p:spTree>
     <p:extLst>
       <p:ext uri="{BB962C8B-B14F-4D97-AF65-F5344CB8AC3E}">
-        <p14:creationId xmlns:p14="http://schemas.microsoft.com/office/powerpoint/2010/main" val="2236537310"/>
+        <p14:creationId xmlns:p14="http://schemas.microsoft.com/office/powerpoint/2010/main" val="525559019"/>
       </p:ext>
     </p:extLst>
   </p:cSld>
@@ -5992,6 +7171,311 @@
           <a:chExt cx="0" cy="0"/>
         </a:xfrm>
       </p:grpSpPr>
+      <p:sp>
+        <p:nvSpPr>
+          <p:cNvPr id="2" name="Title 1">
+            <a:extLst>
+              <a:ext uri="{FF2B5EF4-FFF2-40B4-BE49-F238E27FC236}">
+                <a16:creationId xmlns:a16="http://schemas.microsoft.com/office/drawing/2014/main" id="{F6BE7E75-9F50-8399-87E2-1EDA77987719}"/>
+              </a:ext>
+            </a:extLst>
+          </p:cNvPr>
+          <p:cNvSpPr>
+            <a:spLocks noGrp="1"/>
+          </p:cNvSpPr>
+          <p:nvPr>
+            <p:ph type="title"/>
+          </p:nvPr>
+        </p:nvSpPr>
+        <p:spPr/>
+        <p:txBody>
+          <a:bodyPr>
+            <a:normAutofit/>
+          </a:bodyPr>
+          <a:lstStyle/>
+          <a:p>
+            <a:r>
+              <a:rPr lang="en-US" sz="3600" dirty="0"/>
+              <a:t>Initial Permutation</a:t>
+            </a:r>
+          </a:p>
+        </p:txBody>
+      </p:sp>
+      <p:sp>
+        <p:nvSpPr>
+          <p:cNvPr id="3" name="Content Placeholder 2">
+            <a:extLst>
+              <a:ext uri="{FF2B5EF4-FFF2-40B4-BE49-F238E27FC236}">
+                <a16:creationId xmlns:a16="http://schemas.microsoft.com/office/drawing/2014/main" id="{38BE5521-A97D-ED43-C40F-BE87387DFA3A}"/>
+              </a:ext>
+            </a:extLst>
+          </p:cNvPr>
+          <p:cNvSpPr>
+            <a:spLocks noGrp="1"/>
+          </p:cNvSpPr>
+          <p:nvPr>
+            <p:ph idx="1"/>
+          </p:nvPr>
+        </p:nvSpPr>
+        <p:spPr>
+          <a:xfrm>
+            <a:off x="757766" y="1367293"/>
+            <a:ext cx="10676467" cy="1158734"/>
+          </a:xfrm>
+        </p:spPr>
+        <p:txBody>
+          <a:bodyPr>
+            <a:normAutofit/>
+          </a:bodyPr>
+          <a:lstStyle/>
+          <a:p>
+            <a:pPr marL="457200" lvl="1" indent="0">
+              <a:buNone/>
+            </a:pPr>
+            <a:r>
+              <a:rPr lang="en-US" sz="2200" dirty="0"/>
+              <a:t>- </a:t>
+            </a:r>
+            <a:r>
+              <a:rPr lang="en-US" sz="2200" dirty="0" err="1"/>
+              <a:t>Đây</a:t>
+            </a:r>
+            <a:r>
+              <a:rPr lang="en-US" sz="2200" dirty="0"/>
+              <a:t> </a:t>
+            </a:r>
+            <a:r>
+              <a:rPr lang="en-US" sz="2200" dirty="0" err="1"/>
+              <a:t>là</a:t>
+            </a:r>
+            <a:r>
+              <a:rPr lang="en-US" sz="2200" dirty="0"/>
+              <a:t> </a:t>
+            </a:r>
+            <a:r>
+              <a:rPr lang="en-US" sz="2200" dirty="0" err="1"/>
+              <a:t>bước</a:t>
+            </a:r>
+            <a:r>
+              <a:rPr lang="en-US" sz="2200" dirty="0"/>
+              <a:t> </a:t>
+            </a:r>
+            <a:r>
+              <a:rPr lang="en-US" sz="2200" dirty="0" err="1"/>
+              <a:t>đầu</a:t>
+            </a:r>
+            <a:r>
+              <a:rPr lang="en-US" sz="2200" dirty="0"/>
+              <a:t> </a:t>
+            </a:r>
+            <a:r>
+              <a:rPr lang="en-US" sz="2200" dirty="0" err="1"/>
+              <a:t>tiên</a:t>
+            </a:r>
+            <a:r>
+              <a:rPr lang="en-US" sz="2200" dirty="0"/>
+              <a:t>, </a:t>
+            </a:r>
+            <a:r>
+              <a:rPr lang="en-US" sz="2200" dirty="0" err="1"/>
+              <a:t>các</a:t>
+            </a:r>
+            <a:r>
+              <a:rPr lang="en-US" sz="2200" dirty="0"/>
+              <a:t> bit </a:t>
+            </a:r>
+            <a:r>
+              <a:rPr lang="en-US" sz="2200" dirty="0" err="1"/>
+              <a:t>của</a:t>
+            </a:r>
+            <a:r>
+              <a:rPr lang="en-US" sz="2200" dirty="0"/>
+              <a:t> plain text </a:t>
+            </a:r>
+            <a:r>
+              <a:rPr lang="en-US" sz="2200" dirty="0" err="1"/>
+              <a:t>sẽ</a:t>
+            </a:r>
+            <a:r>
+              <a:rPr lang="en-US" sz="2200" dirty="0"/>
+              <a:t> </a:t>
+            </a:r>
+            <a:r>
+              <a:rPr lang="en-US" sz="2200" dirty="0" err="1"/>
+              <a:t>hoán</a:t>
+            </a:r>
+            <a:r>
+              <a:rPr lang="en-US" sz="2200" dirty="0"/>
+              <a:t> </a:t>
+            </a:r>
+            <a:r>
+              <a:rPr lang="en-US" sz="2200" dirty="0" err="1"/>
+              <a:t>vị</a:t>
+            </a:r>
+            <a:r>
+              <a:rPr lang="en-US" sz="2200" dirty="0"/>
+              <a:t> </a:t>
+            </a:r>
+            <a:r>
+              <a:rPr lang="en-US" sz="2200" dirty="0" err="1"/>
+              <a:t>cho</a:t>
+            </a:r>
+            <a:r>
+              <a:rPr lang="en-US" sz="2200" dirty="0"/>
+              <a:t> </a:t>
+            </a:r>
+            <a:r>
+              <a:rPr lang="en-US" sz="2200" dirty="0" err="1"/>
+              <a:t>nhau</a:t>
+            </a:r>
+            <a:r>
+              <a:rPr lang="en-US" sz="2200" dirty="0"/>
+              <a:t> </a:t>
+            </a:r>
+            <a:r>
+              <a:rPr lang="en-US" sz="2200" dirty="0" err="1"/>
+              <a:t>theo</a:t>
+            </a:r>
+            <a:r>
+              <a:rPr lang="en-US" sz="2200" dirty="0"/>
+              <a:t> </a:t>
+            </a:r>
+            <a:r>
+              <a:rPr lang="en-US" sz="2200" dirty="0" err="1"/>
+              <a:t>bảng</a:t>
+            </a:r>
+            <a:r>
+              <a:rPr lang="en-US" sz="2200" dirty="0"/>
+              <a:t> IP table, </a:t>
+            </a:r>
+            <a:r>
+              <a:rPr lang="en-US" sz="2200" dirty="0" err="1"/>
+              <a:t>sau</a:t>
+            </a:r>
+            <a:r>
+              <a:rPr lang="en-US" sz="2200" dirty="0"/>
+              <a:t> </a:t>
+            </a:r>
+            <a:r>
+              <a:rPr lang="en-US" sz="2200" dirty="0" err="1"/>
+              <a:t>đó</a:t>
+            </a:r>
+            <a:r>
+              <a:rPr lang="en-US" sz="2200" dirty="0"/>
+              <a:t> 64 permuted bits chia </a:t>
+            </a:r>
+            <a:r>
+              <a:rPr lang="en-US" sz="2200" dirty="0" err="1"/>
+              <a:t>làm</a:t>
+            </a:r>
+            <a:r>
+              <a:rPr lang="en-US" sz="2200" dirty="0"/>
+              <a:t> 2 LPT </a:t>
+            </a:r>
+            <a:r>
+              <a:rPr lang="en-US" sz="2200" dirty="0" err="1"/>
+              <a:t>và</a:t>
+            </a:r>
+            <a:r>
+              <a:rPr lang="en-US" sz="2200" dirty="0"/>
+              <a:t> RPT </a:t>
+            </a:r>
+            <a:r>
+              <a:rPr lang="en-US" sz="2200" dirty="0" err="1"/>
+              <a:t>và</a:t>
+            </a:r>
+            <a:r>
+              <a:rPr lang="en-US" sz="2200" dirty="0"/>
+              <a:t> qua 16 rounds </a:t>
+            </a:r>
+            <a:r>
+              <a:rPr lang="en-US" sz="2200" dirty="0" err="1"/>
+              <a:t>lặp</a:t>
+            </a:r>
+            <a:r>
+              <a:rPr lang="en-US" sz="2200" dirty="0"/>
+              <a:t>.</a:t>
+            </a:r>
+          </a:p>
+        </p:txBody>
+      </p:sp>
+      <p:pic>
+        <p:nvPicPr>
+          <p:cNvPr id="1030" name="Picture 6" descr="Data encryption standard (DES) | Set 1 - GeeksforGeeks">
+            <a:extLst>
+              <a:ext uri="{FF2B5EF4-FFF2-40B4-BE49-F238E27FC236}">
+                <a16:creationId xmlns:a16="http://schemas.microsoft.com/office/drawing/2014/main" id="{9CA0A873-C816-69BE-597A-1E2E25C112C2}"/>
+              </a:ext>
+            </a:extLst>
+          </p:cNvPr>
+          <p:cNvPicPr>
+            <a:picLocks noChangeAspect="1" noChangeArrowheads="1"/>
+          </p:cNvPicPr>
+          <p:nvPr/>
+        </p:nvPicPr>
+        <p:blipFill>
+          <a:blip r:embed="rId2">
+            <a:extLst>
+              <a:ext uri="{28A0092B-C50C-407E-A947-70E740481C1C}">
+                <a14:useLocalDpi xmlns:a14="http://schemas.microsoft.com/office/drawing/2010/main" val="0"/>
+              </a:ext>
+            </a:extLst>
+          </a:blip>
+          <a:srcRect/>
+          <a:stretch>
+            <a:fillRect/>
+          </a:stretch>
+        </p:blipFill>
+        <p:spPr bwMode="auto">
+          <a:xfrm>
+            <a:off x="1249693" y="2977090"/>
+            <a:ext cx="9692614" cy="2001309"/>
+          </a:xfrm>
+          <a:prstGeom prst="rect">
+            <a:avLst/>
+          </a:prstGeom>
+          <a:noFill/>
+          <a:extLst>
+            <a:ext uri="{909E8E84-426E-40DD-AFC4-6F175D3DCCD1}">
+              <a14:hiddenFill xmlns:a14="http://schemas.microsoft.com/office/drawing/2010/main">
+                <a:solidFill>
+                  <a:srgbClr val="FFFFFF"/>
+                </a:solidFill>
+              </a14:hiddenFill>
+            </a:ext>
+          </a:extLst>
+        </p:spPr>
+      </p:pic>
+    </p:spTree>
+    <p:extLst>
+      <p:ext uri="{BB962C8B-B14F-4D97-AF65-F5344CB8AC3E}">
+        <p14:creationId xmlns:p14="http://schemas.microsoft.com/office/powerpoint/2010/main" val="2236537310"/>
+      </p:ext>
+    </p:extLst>
+  </p:cSld>
+  <p:clrMapOvr>
+    <a:masterClrMapping/>
+  </p:clrMapOvr>
+</p:sld>
+</file>
+
+<file path=ppt/slides/slide5.xml><?xml version="1.0" encoding="utf-8"?>
+<p:sld xmlns:a="http://schemas.openxmlformats.org/drawingml/2006/main" xmlns:r="http://schemas.openxmlformats.org/officeDocument/2006/relationships" xmlns:p="http://schemas.openxmlformats.org/presentationml/2006/main">
+  <p:cSld>
+    <p:spTree>
+      <p:nvGrpSpPr>
+        <p:cNvPr id="1" name=""/>
+        <p:cNvGrpSpPr/>
+        <p:nvPr/>
+      </p:nvGrpSpPr>
+      <p:grpSpPr>
+        <a:xfrm>
+          <a:off x="0" y="0"/>
+          <a:ext cx="0" cy="0"/>
+          <a:chOff x="0" y="0"/>
+          <a:chExt cx="0" cy="0"/>
+        </a:xfrm>
+      </p:grpSpPr>
       <p:pic>
         <p:nvPicPr>
           <p:cNvPr id="4" name="Picture 3">
@@ -6089,7 +7573,7 @@
 </p:sld>
 </file>
 
-<file path=ppt/slides/slide5.xml><?xml version="1.0" encoding="utf-8"?>
+<file path=ppt/slides/slide6.xml><?xml version="1.0" encoding="utf-8"?>
 <p:sld xmlns:a="http://schemas.openxmlformats.org/drawingml/2006/main" xmlns:r="http://schemas.openxmlformats.org/officeDocument/2006/relationships" xmlns:p="http://schemas.openxmlformats.org/presentationml/2006/main">
   <p:cSld>
     <p:spTree>
@@ -7125,7 +8609,7 @@
 </p:sld>
 </file>
 
-<file path=ppt/slides/slide6.xml><?xml version="1.0" encoding="utf-8"?>
+<file path=ppt/slides/slide7.xml><?xml version="1.0" encoding="utf-8"?>
 <p:sld xmlns:a="http://schemas.openxmlformats.org/drawingml/2006/main" xmlns:r="http://schemas.openxmlformats.org/officeDocument/2006/relationships" xmlns:p="http://schemas.openxmlformats.org/presentationml/2006/main">
   <p:cSld>
     <p:spTree>
@@ -7884,736 +9368,6 @@
     <p:extLst>
       <p:ext uri="{BB962C8B-B14F-4D97-AF65-F5344CB8AC3E}">
         <p14:creationId xmlns:p14="http://schemas.microsoft.com/office/powerpoint/2010/main" val="4119518332"/>
-      </p:ext>
-    </p:extLst>
-  </p:cSld>
-  <p:clrMapOvr>
-    <a:masterClrMapping/>
-  </p:clrMapOvr>
-</p:sld>
-</file>
-
-<file path=ppt/slides/slide7.xml><?xml version="1.0" encoding="utf-8"?>
-<p:sld xmlns:a="http://schemas.openxmlformats.org/drawingml/2006/main" xmlns:r="http://schemas.openxmlformats.org/officeDocument/2006/relationships" xmlns:p="http://schemas.openxmlformats.org/presentationml/2006/main">
-  <p:cSld>
-    <p:spTree>
-      <p:nvGrpSpPr>
-        <p:cNvPr id="1" name=""/>
-        <p:cNvGrpSpPr/>
-        <p:nvPr/>
-      </p:nvGrpSpPr>
-      <p:grpSpPr>
-        <a:xfrm>
-          <a:off x="0" y="0"/>
-          <a:ext cx="0" cy="0"/>
-          <a:chOff x="0" y="0"/>
-          <a:chExt cx="0" cy="0"/>
-        </a:xfrm>
-      </p:grpSpPr>
-      <p:sp>
-        <p:nvSpPr>
-          <p:cNvPr id="7" name="Title 1">
-            <a:extLst>
-              <a:ext uri="{FF2B5EF4-FFF2-40B4-BE49-F238E27FC236}">
-                <a16:creationId xmlns:a16="http://schemas.microsoft.com/office/drawing/2014/main" id="{3514802B-8353-F7C2-8AAD-7A120C17951C}"/>
-              </a:ext>
-            </a:extLst>
-          </p:cNvPr>
-          <p:cNvSpPr>
-            <a:spLocks noGrp="1"/>
-          </p:cNvSpPr>
-          <p:nvPr>
-            <p:ph type="title"/>
-          </p:nvPr>
-        </p:nvSpPr>
-        <p:spPr>
-          <a:xfrm>
-            <a:off x="838200" y="365125"/>
-            <a:ext cx="10515600" cy="1325563"/>
-          </a:xfrm>
-        </p:spPr>
-        <p:txBody>
-          <a:bodyPr>
-            <a:normAutofit/>
-          </a:bodyPr>
-          <a:lstStyle/>
-          <a:p>
-            <a:r>
-              <a:rPr lang="en-US" sz="3600" dirty="0"/>
-              <a:t>Expansion Permutation</a:t>
-            </a:r>
-          </a:p>
-        </p:txBody>
-      </p:sp>
-      <p:sp>
-        <p:nvSpPr>
-          <p:cNvPr id="8" name="Content Placeholder 2">
-            <a:extLst>
-              <a:ext uri="{FF2B5EF4-FFF2-40B4-BE49-F238E27FC236}">
-                <a16:creationId xmlns:a16="http://schemas.microsoft.com/office/drawing/2014/main" id="{C71EA96A-9E2E-7953-7D40-C2326FF915C4}"/>
-              </a:ext>
-            </a:extLst>
-          </p:cNvPr>
-          <p:cNvSpPr txBox="1">
-            <a:spLocks/>
-          </p:cNvSpPr>
-          <p:nvPr/>
-        </p:nvSpPr>
-        <p:spPr>
-          <a:xfrm>
-            <a:off x="533399" y="1615374"/>
-            <a:ext cx="10676467" cy="1158734"/>
-          </a:xfrm>
-          <a:prstGeom prst="rect">
-            <a:avLst/>
-          </a:prstGeom>
-        </p:spPr>
-        <p:txBody>
-          <a:bodyPr vert="horz" lIns="91440" tIns="45720" rIns="91440" bIns="45720" rtlCol="0">
-            <a:normAutofit/>
-          </a:bodyPr>
-          <a:lstStyle>
-            <a:lvl1pPr marL="228600" indent="-228600" algn="l" defTabSz="914400" rtl="0" eaLnBrk="1" latinLnBrk="0" hangingPunct="1">
-              <a:lnSpc>
-                <a:spcPct val="90000"/>
-              </a:lnSpc>
-              <a:spcBef>
-                <a:spcPts val="1000"/>
-              </a:spcBef>
-              <a:buFont typeface="Arial" panose="020B0604020202020204" pitchFamily="34" charset="0"/>
-              <a:buChar char="•"/>
-              <a:defRPr sz="2800" kern="1200">
-                <a:solidFill>
-                  <a:schemeClr val="tx1"/>
-                </a:solidFill>
-                <a:latin typeface="+mn-lt"/>
-                <a:ea typeface="+mn-ea"/>
-                <a:cs typeface="+mn-cs"/>
-              </a:defRPr>
-            </a:lvl1pPr>
-            <a:lvl2pPr marL="685800" indent="-228600" algn="l" defTabSz="914400" rtl="0" eaLnBrk="1" latinLnBrk="0" hangingPunct="1">
-              <a:lnSpc>
-                <a:spcPct val="90000"/>
-              </a:lnSpc>
-              <a:spcBef>
-                <a:spcPts val="500"/>
-              </a:spcBef>
-              <a:buFont typeface="Arial" panose="020B0604020202020204" pitchFamily="34" charset="0"/>
-              <a:buChar char="•"/>
-              <a:defRPr sz="2400" kern="1200">
-                <a:solidFill>
-                  <a:schemeClr val="tx1"/>
-                </a:solidFill>
-                <a:latin typeface="+mn-lt"/>
-                <a:ea typeface="+mn-ea"/>
-                <a:cs typeface="+mn-cs"/>
-              </a:defRPr>
-            </a:lvl2pPr>
-            <a:lvl3pPr marL="1143000" indent="-228600" algn="l" defTabSz="914400" rtl="0" eaLnBrk="1" latinLnBrk="0" hangingPunct="1">
-              <a:lnSpc>
-                <a:spcPct val="90000"/>
-              </a:lnSpc>
-              <a:spcBef>
-                <a:spcPts val="500"/>
-              </a:spcBef>
-              <a:buFont typeface="Arial" panose="020B0604020202020204" pitchFamily="34" charset="0"/>
-              <a:buChar char="•"/>
-              <a:defRPr sz="2000" kern="1200">
-                <a:solidFill>
-                  <a:schemeClr val="tx1"/>
-                </a:solidFill>
-                <a:latin typeface="+mn-lt"/>
-                <a:ea typeface="+mn-ea"/>
-                <a:cs typeface="+mn-cs"/>
-              </a:defRPr>
-            </a:lvl3pPr>
-            <a:lvl4pPr marL="1600200" indent="-228600" algn="l" defTabSz="914400" rtl="0" eaLnBrk="1" latinLnBrk="0" hangingPunct="1">
-              <a:lnSpc>
-                <a:spcPct val="90000"/>
-              </a:lnSpc>
-              <a:spcBef>
-                <a:spcPts val="500"/>
-              </a:spcBef>
-              <a:buFont typeface="Arial" panose="020B0604020202020204" pitchFamily="34" charset="0"/>
-              <a:buChar char="•"/>
-              <a:defRPr sz="1800" kern="1200">
-                <a:solidFill>
-                  <a:schemeClr val="tx1"/>
-                </a:solidFill>
-                <a:latin typeface="+mn-lt"/>
-                <a:ea typeface="+mn-ea"/>
-                <a:cs typeface="+mn-cs"/>
-              </a:defRPr>
-            </a:lvl4pPr>
-            <a:lvl5pPr marL="2057400" indent="-228600" algn="l" defTabSz="914400" rtl="0" eaLnBrk="1" latinLnBrk="0" hangingPunct="1">
-              <a:lnSpc>
-                <a:spcPct val="90000"/>
-              </a:lnSpc>
-              <a:spcBef>
-                <a:spcPts val="500"/>
-              </a:spcBef>
-              <a:buFont typeface="Arial" panose="020B0604020202020204" pitchFamily="34" charset="0"/>
-              <a:buChar char="•"/>
-              <a:defRPr sz="1800" kern="1200">
-                <a:solidFill>
-                  <a:schemeClr val="tx1"/>
-                </a:solidFill>
-                <a:latin typeface="+mn-lt"/>
-                <a:ea typeface="+mn-ea"/>
-                <a:cs typeface="+mn-cs"/>
-              </a:defRPr>
-            </a:lvl5pPr>
-            <a:lvl6pPr marL="2514600" indent="-228600" algn="l" defTabSz="914400" rtl="0" eaLnBrk="1" latinLnBrk="0" hangingPunct="1">
-              <a:lnSpc>
-                <a:spcPct val="90000"/>
-              </a:lnSpc>
-              <a:spcBef>
-                <a:spcPts val="500"/>
-              </a:spcBef>
-              <a:buFont typeface="Arial" panose="020B0604020202020204" pitchFamily="34" charset="0"/>
-              <a:buChar char="•"/>
-              <a:defRPr sz="1800" kern="1200">
-                <a:solidFill>
-                  <a:schemeClr val="tx1"/>
-                </a:solidFill>
-                <a:latin typeface="+mn-lt"/>
-                <a:ea typeface="+mn-ea"/>
-                <a:cs typeface="+mn-cs"/>
-              </a:defRPr>
-            </a:lvl6pPr>
-            <a:lvl7pPr marL="2971800" indent="-228600" algn="l" defTabSz="914400" rtl="0" eaLnBrk="1" latinLnBrk="0" hangingPunct="1">
-              <a:lnSpc>
-                <a:spcPct val="90000"/>
-              </a:lnSpc>
-              <a:spcBef>
-                <a:spcPts val="500"/>
-              </a:spcBef>
-              <a:buFont typeface="Arial" panose="020B0604020202020204" pitchFamily="34" charset="0"/>
-              <a:buChar char="•"/>
-              <a:defRPr sz="1800" kern="1200">
-                <a:solidFill>
-                  <a:schemeClr val="tx1"/>
-                </a:solidFill>
-                <a:latin typeface="+mn-lt"/>
-                <a:ea typeface="+mn-ea"/>
-                <a:cs typeface="+mn-cs"/>
-              </a:defRPr>
-            </a:lvl7pPr>
-            <a:lvl8pPr marL="3429000" indent="-228600" algn="l" defTabSz="914400" rtl="0" eaLnBrk="1" latinLnBrk="0" hangingPunct="1">
-              <a:lnSpc>
-                <a:spcPct val="90000"/>
-              </a:lnSpc>
-              <a:spcBef>
-                <a:spcPts val="500"/>
-              </a:spcBef>
-              <a:buFont typeface="Arial" panose="020B0604020202020204" pitchFamily="34" charset="0"/>
-              <a:buChar char="•"/>
-              <a:defRPr sz="1800" kern="1200">
-                <a:solidFill>
-                  <a:schemeClr val="tx1"/>
-                </a:solidFill>
-                <a:latin typeface="+mn-lt"/>
-                <a:ea typeface="+mn-ea"/>
-                <a:cs typeface="+mn-cs"/>
-              </a:defRPr>
-            </a:lvl8pPr>
-            <a:lvl9pPr marL="3886200" indent="-228600" algn="l" defTabSz="914400" rtl="0" eaLnBrk="1" latinLnBrk="0" hangingPunct="1">
-              <a:lnSpc>
-                <a:spcPct val="90000"/>
-              </a:lnSpc>
-              <a:spcBef>
-                <a:spcPts val="500"/>
-              </a:spcBef>
-              <a:buFont typeface="Arial" panose="020B0604020202020204" pitchFamily="34" charset="0"/>
-              <a:buChar char="•"/>
-              <a:defRPr sz="1800" kern="1200">
-                <a:solidFill>
-                  <a:schemeClr val="tx1"/>
-                </a:solidFill>
-                <a:latin typeface="+mn-lt"/>
-                <a:ea typeface="+mn-ea"/>
-                <a:cs typeface="+mn-cs"/>
-              </a:defRPr>
-            </a:lvl9pPr>
-          </a:lstStyle>
-          <a:p>
-            <a:pPr marL="457200" lvl="1" indent="0">
-              <a:buNone/>
-            </a:pPr>
-            <a:r>
-              <a:rPr lang="en-US" sz="2200" dirty="0"/>
-              <a:t>- 32-bit RPT </a:t>
-            </a:r>
-            <a:r>
-              <a:rPr lang="en-US" sz="2200" dirty="0" err="1"/>
-              <a:t>sẽ</a:t>
-            </a:r>
-            <a:r>
-              <a:rPr lang="en-US" sz="2200" dirty="0"/>
-              <a:t> </a:t>
-            </a:r>
-            <a:r>
-              <a:rPr lang="en-US" sz="2200" dirty="0" err="1"/>
-              <a:t>được</a:t>
-            </a:r>
-            <a:r>
-              <a:rPr lang="en-US" sz="2200" dirty="0"/>
-              <a:t> chia </a:t>
-            </a:r>
-            <a:r>
-              <a:rPr lang="en-US" sz="2200" dirty="0" err="1"/>
-              <a:t>ra</a:t>
-            </a:r>
-            <a:r>
-              <a:rPr lang="en-US" sz="2200" dirty="0"/>
-              <a:t> </a:t>
-            </a:r>
-            <a:r>
-              <a:rPr lang="en-US" sz="2200" dirty="0" err="1"/>
-              <a:t>làm</a:t>
-            </a:r>
-            <a:r>
-              <a:rPr lang="en-US" sz="2200" dirty="0"/>
-              <a:t> 8 blocks 4-bit, </a:t>
-            </a:r>
-            <a:r>
-              <a:rPr lang="en-US" sz="2200" dirty="0" err="1"/>
-              <a:t>mỗi</a:t>
-            </a:r>
-            <a:r>
-              <a:rPr lang="en-US" sz="2200" dirty="0"/>
-              <a:t> block </a:t>
-            </a:r>
-            <a:r>
-              <a:rPr lang="en-US" sz="2200" dirty="0" err="1"/>
-              <a:t>được</a:t>
-            </a:r>
-            <a:r>
-              <a:rPr lang="en-US" sz="2200" dirty="0"/>
-              <a:t> </a:t>
-            </a:r>
-            <a:r>
-              <a:rPr lang="en-US" sz="2200" dirty="0" err="1"/>
-              <a:t>mở</a:t>
-            </a:r>
-            <a:r>
-              <a:rPr lang="en-US" sz="2200" dirty="0"/>
-              <a:t> </a:t>
-            </a:r>
-            <a:r>
-              <a:rPr lang="en-US" sz="2200" dirty="0" err="1"/>
-              <a:t>rộng</a:t>
-            </a:r>
-            <a:r>
-              <a:rPr lang="en-US" sz="2200" dirty="0"/>
-              <a:t> </a:t>
-            </a:r>
-            <a:r>
-              <a:rPr lang="en-US" sz="2200" dirty="0" err="1"/>
-              <a:t>thành</a:t>
-            </a:r>
-            <a:r>
-              <a:rPr lang="en-US" sz="2200" dirty="0"/>
-              <a:t> 6-bit, </a:t>
-            </a:r>
-            <a:r>
-              <a:rPr lang="en-US" sz="2200" dirty="0" err="1"/>
-              <a:t>tổng</a:t>
-            </a:r>
-            <a:r>
-              <a:rPr lang="en-US" sz="2200" dirty="0"/>
-              <a:t> </a:t>
-            </a:r>
-            <a:r>
-              <a:rPr lang="en-US" sz="2200" dirty="0" err="1"/>
-              <a:t>cộng</a:t>
-            </a:r>
-            <a:r>
-              <a:rPr lang="en-US" sz="2200" dirty="0"/>
-              <a:t> </a:t>
-            </a:r>
-            <a:r>
-              <a:rPr lang="en-US" sz="2200" dirty="0" err="1"/>
-              <a:t>tất</a:t>
-            </a:r>
-            <a:r>
-              <a:rPr lang="en-US" sz="2200" dirty="0"/>
-              <a:t> </a:t>
-            </a:r>
-            <a:r>
-              <a:rPr lang="en-US" sz="2200" dirty="0" err="1"/>
-              <a:t>cả</a:t>
-            </a:r>
-            <a:r>
-              <a:rPr lang="en-US" sz="2200" dirty="0"/>
-              <a:t> </a:t>
-            </a:r>
-            <a:r>
-              <a:rPr lang="en-US" sz="2200" dirty="0" err="1"/>
-              <a:t>sẽ</a:t>
-            </a:r>
-            <a:r>
-              <a:rPr lang="en-US" sz="2200" dirty="0"/>
-              <a:t> </a:t>
-            </a:r>
-            <a:r>
-              <a:rPr lang="en-US" sz="2200" dirty="0" err="1"/>
-              <a:t>được</a:t>
-            </a:r>
-            <a:r>
-              <a:rPr lang="en-US" sz="2200" dirty="0"/>
-              <a:t> </a:t>
-            </a:r>
-            <a:r>
-              <a:rPr lang="en-US" sz="2200" dirty="0" err="1"/>
-              <a:t>expan</a:t>
-            </a:r>
-            <a:r>
-              <a:rPr lang="en-US" sz="2200" dirty="0"/>
-              <a:t>, permutate </a:t>
-            </a:r>
-            <a:r>
-              <a:rPr lang="en-US" sz="2200" dirty="0" err="1"/>
-              <a:t>thành</a:t>
-            </a:r>
-            <a:r>
-              <a:rPr lang="en-US" sz="2200" dirty="0"/>
-              <a:t> 48-bit RPT.</a:t>
-            </a:r>
-          </a:p>
-        </p:txBody>
-      </p:sp>
-      <p:pic>
-        <p:nvPicPr>
-          <p:cNvPr id="9" name="Picture 8">
-            <a:extLst>
-              <a:ext uri="{FF2B5EF4-FFF2-40B4-BE49-F238E27FC236}">
-                <a16:creationId xmlns:a16="http://schemas.microsoft.com/office/drawing/2014/main" id="{313699BC-80A0-CF7F-8E59-11844385CDF4}"/>
-              </a:ext>
-            </a:extLst>
-          </p:cNvPr>
-          <p:cNvPicPr>
-            <a:picLocks noChangeAspect="1"/>
-          </p:cNvPicPr>
-          <p:nvPr/>
-        </p:nvPicPr>
-        <p:blipFill>
-          <a:blip r:embed="rId2"/>
-          <a:stretch>
-            <a:fillRect/>
-          </a:stretch>
-        </p:blipFill>
-        <p:spPr>
-          <a:xfrm>
-            <a:off x="802808" y="2514472"/>
-            <a:ext cx="6773220" cy="1829055"/>
-          </a:xfrm>
-          <a:prstGeom prst="rect">
-            <a:avLst/>
-          </a:prstGeom>
-        </p:spPr>
-      </p:pic>
-      <p:sp>
-        <p:nvSpPr>
-          <p:cNvPr id="10" name="Content Placeholder 2">
-            <a:extLst>
-              <a:ext uri="{FF2B5EF4-FFF2-40B4-BE49-F238E27FC236}">
-                <a16:creationId xmlns:a16="http://schemas.microsoft.com/office/drawing/2014/main" id="{529849C4-6A85-2875-5555-B692DF4CEFE6}"/>
-              </a:ext>
-            </a:extLst>
-          </p:cNvPr>
-          <p:cNvSpPr txBox="1">
-            <a:spLocks/>
-          </p:cNvSpPr>
-          <p:nvPr/>
-        </p:nvSpPr>
-        <p:spPr>
-          <a:xfrm>
-            <a:off x="533399" y="4587944"/>
-            <a:ext cx="10676467" cy="1158734"/>
-          </a:xfrm>
-          <a:prstGeom prst="rect">
-            <a:avLst/>
-          </a:prstGeom>
-        </p:spPr>
-        <p:txBody>
-          <a:bodyPr vert="horz" lIns="91440" tIns="45720" rIns="91440" bIns="45720" rtlCol="0">
-            <a:normAutofit/>
-          </a:bodyPr>
-          <a:lstStyle>
-            <a:lvl1pPr marL="228600" indent="-228600" algn="l" defTabSz="914400" rtl="0" eaLnBrk="1" latinLnBrk="0" hangingPunct="1">
-              <a:lnSpc>
-                <a:spcPct val="90000"/>
-              </a:lnSpc>
-              <a:spcBef>
-                <a:spcPts val="1000"/>
-              </a:spcBef>
-              <a:buFont typeface="Arial" panose="020B0604020202020204" pitchFamily="34" charset="0"/>
-              <a:buChar char="•"/>
-              <a:defRPr sz="2800" kern="1200">
-                <a:solidFill>
-                  <a:schemeClr val="tx1"/>
-                </a:solidFill>
-                <a:latin typeface="+mn-lt"/>
-                <a:ea typeface="+mn-ea"/>
-                <a:cs typeface="+mn-cs"/>
-              </a:defRPr>
-            </a:lvl1pPr>
-            <a:lvl2pPr marL="685800" indent="-228600" algn="l" defTabSz="914400" rtl="0" eaLnBrk="1" latinLnBrk="0" hangingPunct="1">
-              <a:lnSpc>
-                <a:spcPct val="90000"/>
-              </a:lnSpc>
-              <a:spcBef>
-                <a:spcPts val="500"/>
-              </a:spcBef>
-              <a:buFont typeface="Arial" panose="020B0604020202020204" pitchFamily="34" charset="0"/>
-              <a:buChar char="•"/>
-              <a:defRPr sz="2400" kern="1200">
-                <a:solidFill>
-                  <a:schemeClr val="tx1"/>
-                </a:solidFill>
-                <a:latin typeface="+mn-lt"/>
-                <a:ea typeface="+mn-ea"/>
-                <a:cs typeface="+mn-cs"/>
-              </a:defRPr>
-            </a:lvl2pPr>
-            <a:lvl3pPr marL="1143000" indent="-228600" algn="l" defTabSz="914400" rtl="0" eaLnBrk="1" latinLnBrk="0" hangingPunct="1">
-              <a:lnSpc>
-                <a:spcPct val="90000"/>
-              </a:lnSpc>
-              <a:spcBef>
-                <a:spcPts val="500"/>
-              </a:spcBef>
-              <a:buFont typeface="Arial" panose="020B0604020202020204" pitchFamily="34" charset="0"/>
-              <a:buChar char="•"/>
-              <a:defRPr sz="2000" kern="1200">
-                <a:solidFill>
-                  <a:schemeClr val="tx1"/>
-                </a:solidFill>
-                <a:latin typeface="+mn-lt"/>
-                <a:ea typeface="+mn-ea"/>
-                <a:cs typeface="+mn-cs"/>
-              </a:defRPr>
-            </a:lvl3pPr>
-            <a:lvl4pPr marL="1600200" indent="-228600" algn="l" defTabSz="914400" rtl="0" eaLnBrk="1" latinLnBrk="0" hangingPunct="1">
-              <a:lnSpc>
-                <a:spcPct val="90000"/>
-              </a:lnSpc>
-              <a:spcBef>
-                <a:spcPts val="500"/>
-              </a:spcBef>
-              <a:buFont typeface="Arial" panose="020B0604020202020204" pitchFamily="34" charset="0"/>
-              <a:buChar char="•"/>
-              <a:defRPr sz="1800" kern="1200">
-                <a:solidFill>
-                  <a:schemeClr val="tx1"/>
-                </a:solidFill>
-                <a:latin typeface="+mn-lt"/>
-                <a:ea typeface="+mn-ea"/>
-                <a:cs typeface="+mn-cs"/>
-              </a:defRPr>
-            </a:lvl4pPr>
-            <a:lvl5pPr marL="2057400" indent="-228600" algn="l" defTabSz="914400" rtl="0" eaLnBrk="1" latinLnBrk="0" hangingPunct="1">
-              <a:lnSpc>
-                <a:spcPct val="90000"/>
-              </a:lnSpc>
-              <a:spcBef>
-                <a:spcPts val="500"/>
-              </a:spcBef>
-              <a:buFont typeface="Arial" panose="020B0604020202020204" pitchFamily="34" charset="0"/>
-              <a:buChar char="•"/>
-              <a:defRPr sz="1800" kern="1200">
-                <a:solidFill>
-                  <a:schemeClr val="tx1"/>
-                </a:solidFill>
-                <a:latin typeface="+mn-lt"/>
-                <a:ea typeface="+mn-ea"/>
-                <a:cs typeface="+mn-cs"/>
-              </a:defRPr>
-            </a:lvl5pPr>
-            <a:lvl6pPr marL="2514600" indent="-228600" algn="l" defTabSz="914400" rtl="0" eaLnBrk="1" latinLnBrk="0" hangingPunct="1">
-              <a:lnSpc>
-                <a:spcPct val="90000"/>
-              </a:lnSpc>
-              <a:spcBef>
-                <a:spcPts val="500"/>
-              </a:spcBef>
-              <a:buFont typeface="Arial" panose="020B0604020202020204" pitchFamily="34" charset="0"/>
-              <a:buChar char="•"/>
-              <a:defRPr sz="1800" kern="1200">
-                <a:solidFill>
-                  <a:schemeClr val="tx1"/>
-                </a:solidFill>
-                <a:latin typeface="+mn-lt"/>
-                <a:ea typeface="+mn-ea"/>
-                <a:cs typeface="+mn-cs"/>
-              </a:defRPr>
-            </a:lvl6pPr>
-            <a:lvl7pPr marL="2971800" indent="-228600" algn="l" defTabSz="914400" rtl="0" eaLnBrk="1" latinLnBrk="0" hangingPunct="1">
-              <a:lnSpc>
-                <a:spcPct val="90000"/>
-              </a:lnSpc>
-              <a:spcBef>
-                <a:spcPts val="500"/>
-              </a:spcBef>
-              <a:buFont typeface="Arial" panose="020B0604020202020204" pitchFamily="34" charset="0"/>
-              <a:buChar char="•"/>
-              <a:defRPr sz="1800" kern="1200">
-                <a:solidFill>
-                  <a:schemeClr val="tx1"/>
-                </a:solidFill>
-                <a:latin typeface="+mn-lt"/>
-                <a:ea typeface="+mn-ea"/>
-                <a:cs typeface="+mn-cs"/>
-              </a:defRPr>
-            </a:lvl7pPr>
-            <a:lvl8pPr marL="3429000" indent="-228600" algn="l" defTabSz="914400" rtl="0" eaLnBrk="1" latinLnBrk="0" hangingPunct="1">
-              <a:lnSpc>
-                <a:spcPct val="90000"/>
-              </a:lnSpc>
-              <a:spcBef>
-                <a:spcPts val="500"/>
-              </a:spcBef>
-              <a:buFont typeface="Arial" panose="020B0604020202020204" pitchFamily="34" charset="0"/>
-              <a:buChar char="•"/>
-              <a:defRPr sz="1800" kern="1200">
-                <a:solidFill>
-                  <a:schemeClr val="tx1"/>
-                </a:solidFill>
-                <a:latin typeface="+mn-lt"/>
-                <a:ea typeface="+mn-ea"/>
-                <a:cs typeface="+mn-cs"/>
-              </a:defRPr>
-            </a:lvl8pPr>
-            <a:lvl9pPr marL="3886200" indent="-228600" algn="l" defTabSz="914400" rtl="0" eaLnBrk="1" latinLnBrk="0" hangingPunct="1">
-              <a:lnSpc>
-                <a:spcPct val="90000"/>
-              </a:lnSpc>
-              <a:spcBef>
-                <a:spcPts val="500"/>
-              </a:spcBef>
-              <a:buFont typeface="Arial" panose="020B0604020202020204" pitchFamily="34" charset="0"/>
-              <a:buChar char="•"/>
-              <a:defRPr sz="1800" kern="1200">
-                <a:solidFill>
-                  <a:schemeClr val="tx1"/>
-                </a:solidFill>
-                <a:latin typeface="+mn-lt"/>
-                <a:ea typeface="+mn-ea"/>
-                <a:cs typeface="+mn-cs"/>
-              </a:defRPr>
-            </a:lvl9pPr>
-          </a:lstStyle>
-          <a:p>
-            <a:pPr marL="457200" lvl="1" indent="0">
-              <a:buNone/>
-            </a:pPr>
-            <a:r>
-              <a:rPr lang="en-US" sz="2200" dirty="0"/>
-              <a:t>- Sau </a:t>
-            </a:r>
-            <a:r>
-              <a:rPr lang="en-US" sz="2200" dirty="0" err="1"/>
-              <a:t>đó</a:t>
-            </a:r>
-            <a:r>
-              <a:rPr lang="en-US" sz="2200" dirty="0"/>
-              <a:t>, 48-bit RPT </a:t>
-            </a:r>
-            <a:r>
-              <a:rPr lang="en-US" sz="2200" dirty="0" err="1"/>
-              <a:t>sẽ</a:t>
-            </a:r>
-            <a:r>
-              <a:rPr lang="en-US" sz="2200" dirty="0"/>
-              <a:t> </a:t>
-            </a:r>
-            <a:r>
-              <a:rPr lang="en-US" sz="2200" dirty="0" err="1"/>
-              <a:t>được</a:t>
-            </a:r>
-            <a:r>
-              <a:rPr lang="en-US" sz="2200" dirty="0"/>
-              <a:t> XOR </a:t>
-            </a:r>
-            <a:r>
-              <a:rPr lang="en-US" sz="2200" dirty="0" err="1"/>
-              <a:t>với</a:t>
-            </a:r>
-            <a:r>
-              <a:rPr lang="en-US" sz="2200" dirty="0"/>
-              <a:t> 48-bit key </a:t>
-            </a:r>
-            <a:r>
-              <a:rPr lang="en-US" sz="2200" dirty="0" err="1"/>
-              <a:t>cho</a:t>
-            </a:r>
-            <a:r>
-              <a:rPr lang="en-US" sz="2200" dirty="0"/>
-              <a:t> </a:t>
-            </a:r>
-            <a:r>
-              <a:rPr lang="en-US" sz="2200" dirty="0" err="1"/>
-              <a:t>ra</a:t>
-            </a:r>
-            <a:r>
-              <a:rPr lang="en-US" sz="2200" dirty="0"/>
-              <a:t> 48-bit Output.</a:t>
-            </a:r>
-          </a:p>
-        </p:txBody>
-      </p:sp>
-      <p:pic>
-        <p:nvPicPr>
-          <p:cNvPr id="1028" name="Picture 4" descr="Expansion Permutation (E) [13] | Download Table">
-            <a:extLst>
-              <a:ext uri="{FF2B5EF4-FFF2-40B4-BE49-F238E27FC236}">
-                <a16:creationId xmlns:a16="http://schemas.microsoft.com/office/drawing/2014/main" id="{54D27281-4D67-CF20-A995-1AC1260D2B45}"/>
-              </a:ext>
-            </a:extLst>
-          </p:cNvPr>
-          <p:cNvPicPr>
-            <a:picLocks noChangeAspect="1" noChangeArrowheads="1"/>
-          </p:cNvPicPr>
-          <p:nvPr/>
-        </p:nvPicPr>
-        <p:blipFill>
-          <a:blip r:embed="rId3">
-            <a:extLst>
-              <a:ext uri="{28A0092B-C50C-407E-A947-70E740481C1C}">
-                <a14:useLocalDpi xmlns:a14="http://schemas.microsoft.com/office/drawing/2010/main" val="0"/>
-              </a:ext>
-            </a:extLst>
-          </a:blip>
-          <a:srcRect/>
-          <a:stretch>
-            <a:fillRect/>
-          </a:stretch>
-        </p:blipFill>
-        <p:spPr bwMode="auto">
-          <a:xfrm>
-            <a:off x="7758891" y="2514472"/>
-            <a:ext cx="3899710" cy="1829055"/>
-          </a:xfrm>
-          <a:prstGeom prst="rect">
-            <a:avLst/>
-          </a:prstGeom>
-          <a:noFill/>
-          <a:extLst>
-            <a:ext uri="{909E8E84-426E-40DD-AFC4-6F175D3DCCD1}">
-              <a14:hiddenFill xmlns:a14="http://schemas.microsoft.com/office/drawing/2010/main">
-                <a:solidFill>
-                  <a:srgbClr val="FFFFFF"/>
-                </a:solidFill>
-              </a14:hiddenFill>
-            </a:ext>
-          </a:extLst>
-        </p:spPr>
-      </p:pic>
-    </p:spTree>
-    <p:extLst>
-      <p:ext uri="{BB962C8B-B14F-4D97-AF65-F5344CB8AC3E}">
-        <p14:creationId xmlns:p14="http://schemas.microsoft.com/office/powerpoint/2010/main" val="1258145691"/>
       </p:ext>
     </p:extLst>
   </p:cSld>
@@ -8642,10 +9396,10 @@
       </p:grpSpPr>
       <p:sp>
         <p:nvSpPr>
-          <p:cNvPr id="4" name="Title 1">
-            <a:extLst>
-              <a:ext uri="{FF2B5EF4-FFF2-40B4-BE49-F238E27FC236}">
-                <a16:creationId xmlns:a16="http://schemas.microsoft.com/office/drawing/2014/main" id="{08F10C7C-D78F-2785-F1C4-AD64F0BAFF0F}"/>
+          <p:cNvPr id="7" name="Title 1">
+            <a:extLst>
+              <a:ext uri="{FF2B5EF4-FFF2-40B4-BE49-F238E27FC236}">
+                <a16:creationId xmlns:a16="http://schemas.microsoft.com/office/drawing/2014/main" id="{3514802B-8353-F7C2-8AAD-7A120C17951C}"/>
               </a:ext>
             </a:extLst>
           </p:cNvPr>
@@ -8670,17 +9424,17 @@
           <a:p>
             <a:r>
               <a:rPr lang="en-US" sz="3600" dirty="0"/>
-              <a:t>S-Box Substitution</a:t>
+              <a:t>Expansion Permutation</a:t>
             </a:r>
           </a:p>
         </p:txBody>
       </p:sp>
       <p:sp>
         <p:nvSpPr>
-          <p:cNvPr id="5" name="Content Placeholder 2">
-            <a:extLst>
-              <a:ext uri="{FF2B5EF4-FFF2-40B4-BE49-F238E27FC236}">
-                <a16:creationId xmlns:a16="http://schemas.microsoft.com/office/drawing/2014/main" id="{7C0472D4-706D-F4E2-3AEB-D29CB5643FF3}"/>
+          <p:cNvPr id="8" name="Content Placeholder 2">
+            <a:extLst>
+              <a:ext uri="{FF2B5EF4-FFF2-40B4-BE49-F238E27FC236}">
+                <a16:creationId xmlns:a16="http://schemas.microsoft.com/office/drawing/2014/main" id="{C71EA96A-9E2E-7953-7D40-C2326FF915C4}"/>
               </a:ext>
             </a:extLst>
           </p:cNvPr>
@@ -8691,8 +9445,8 @@
         </p:nvSpPr>
         <p:spPr>
           <a:xfrm>
-            <a:off x="533400" y="1615374"/>
-            <a:ext cx="5665787" cy="2211559"/>
+            <a:off x="533399" y="1615374"/>
+            <a:ext cx="10676467" cy="1158734"/>
           </a:xfrm>
           <a:prstGeom prst="rect">
             <a:avLst/>
@@ -8872,39 +9626,23 @@
             </a:pPr>
             <a:r>
               <a:rPr lang="en-US" sz="2200" dirty="0"/>
-              <a:t>- </a:t>
-            </a:r>
-            <a:r>
-              <a:rPr lang="en-US" sz="2200" dirty="0" err="1"/>
-              <a:t>Từ</a:t>
-            </a:r>
-            <a:r>
-              <a:rPr lang="en-US" sz="2200" dirty="0"/>
-              <a:t> 48-bit Output </a:t>
-            </a:r>
-            <a:r>
-              <a:rPr lang="en-US" sz="2200" dirty="0" err="1"/>
-              <a:t>của</a:t>
-            </a:r>
-            <a:r>
-              <a:rPr lang="en-US" sz="2200" dirty="0"/>
-              <a:t> </a:t>
-            </a:r>
-            <a:r>
-              <a:rPr lang="en-US" sz="2200" dirty="0" err="1"/>
-              <a:t>bước</a:t>
-            </a:r>
-            <a:r>
-              <a:rPr lang="en-US" sz="2200" dirty="0"/>
-              <a:t> </a:t>
-            </a:r>
-            <a:r>
-              <a:rPr lang="en-US" sz="2200" dirty="0" err="1"/>
-              <a:t>trước</a:t>
-            </a:r>
-            <a:r>
-              <a:rPr lang="en-US" sz="2200" dirty="0"/>
-              <a:t>, chia </a:t>
+              <a:t>- 32-bit RPT </a:t>
+            </a:r>
+            <a:r>
+              <a:rPr lang="en-US" sz="2200" dirty="0" err="1"/>
+              <a:t>sẽ</a:t>
+            </a:r>
+            <a:r>
+              <a:rPr lang="en-US" sz="2200" dirty="0"/>
+              <a:t> </a:t>
+            </a:r>
+            <a:r>
+              <a:rPr lang="en-US" sz="2200" dirty="0" err="1"/>
+              <a:t>được</a:t>
+            </a:r>
+            <a:r>
+              <a:rPr lang="en-US" sz="2200" dirty="0"/>
+              <a:t> chia </a:t>
             </a:r>
             <a:r>
               <a:rPr lang="en-US" sz="2200" dirty="0" err="1"/>
@@ -8912,24 +9650,87 @@
             </a:r>
             <a:r>
               <a:rPr lang="en-US" sz="2200" dirty="0"/>
-              <a:t> 8 Subblocks 6-bit.</a:t>
-            </a:r>
-          </a:p>
-          <a:p>
-            <a:pPr marL="457200" lvl="1" indent="0">
-              <a:buNone/>
-            </a:pPr>
-            <a:r>
-              <a:rPr lang="en-US" sz="2200" dirty="0"/>
-              <a:t>- </a:t>
-            </a:r>
-            <a:r>
-              <a:rPr lang="en-US" sz="2200" dirty="0" err="1"/>
-              <a:t>Mỗi</a:t>
-            </a:r>
-            <a:r>
-              <a:rPr lang="en-US" sz="2200" dirty="0"/>
-              <a:t> Subblock </a:t>
+              <a:t> </a:t>
+            </a:r>
+            <a:r>
+              <a:rPr lang="en-US" sz="2200" dirty="0" err="1"/>
+              <a:t>làm</a:t>
+            </a:r>
+            <a:r>
+              <a:rPr lang="en-US" sz="2200" dirty="0"/>
+              <a:t> 8 blocks 4-bit, </a:t>
+            </a:r>
+            <a:r>
+              <a:rPr lang="en-US" sz="2200" dirty="0" err="1"/>
+              <a:t>mỗi</a:t>
+            </a:r>
+            <a:r>
+              <a:rPr lang="en-US" sz="2200" dirty="0"/>
+              <a:t> block </a:t>
+            </a:r>
+            <a:r>
+              <a:rPr lang="en-US" sz="2200" dirty="0" err="1"/>
+              <a:t>được</a:t>
+            </a:r>
+            <a:r>
+              <a:rPr lang="en-US" sz="2200" dirty="0"/>
+              <a:t> </a:t>
+            </a:r>
+            <a:r>
+              <a:rPr lang="en-US" sz="2200" dirty="0" err="1"/>
+              <a:t>mở</a:t>
+            </a:r>
+            <a:r>
+              <a:rPr lang="en-US" sz="2200" dirty="0"/>
+              <a:t> </a:t>
+            </a:r>
+            <a:r>
+              <a:rPr lang="en-US" sz="2200" dirty="0" err="1"/>
+              <a:t>rộng</a:t>
+            </a:r>
+            <a:r>
+              <a:rPr lang="en-US" sz="2200" dirty="0"/>
+              <a:t> </a:t>
+            </a:r>
+            <a:r>
+              <a:rPr lang="en-US" sz="2200" dirty="0" err="1"/>
+              <a:t>thành</a:t>
+            </a:r>
+            <a:r>
+              <a:rPr lang="en-US" sz="2200" dirty="0"/>
+              <a:t> 6-bit, </a:t>
+            </a:r>
+            <a:r>
+              <a:rPr lang="en-US" sz="2200" dirty="0" err="1"/>
+              <a:t>tổng</a:t>
+            </a:r>
+            <a:r>
+              <a:rPr lang="en-US" sz="2200" dirty="0"/>
+              <a:t> </a:t>
+            </a:r>
+            <a:r>
+              <a:rPr lang="en-US" sz="2200" dirty="0" err="1"/>
+              <a:t>cộng</a:t>
+            </a:r>
+            <a:r>
+              <a:rPr lang="en-US" sz="2200" dirty="0"/>
+              <a:t> </a:t>
+            </a:r>
+            <a:r>
+              <a:rPr lang="en-US" sz="2200" dirty="0" err="1"/>
+              <a:t>tất</a:t>
+            </a:r>
+            <a:r>
+              <a:rPr lang="en-US" sz="2200" dirty="0"/>
+              <a:t> </a:t>
+            </a:r>
+            <a:r>
+              <a:rPr lang="en-US" sz="2200" dirty="0" err="1"/>
+              <a:t>cả</a:t>
+            </a:r>
+            <a:r>
+              <a:rPr lang="en-US" sz="2200" dirty="0"/>
+              <a:t> </a:t>
             </a:r>
             <a:r>
               <a:rPr lang="en-US" sz="2200" dirty="0" err="1"/>
@@ -8937,78 +9738,6 @@
             </a:r>
             <a:r>
               <a:rPr lang="en-US" sz="2200" dirty="0"/>
-              <a:t> chia 2-bit </a:t>
-            </a:r>
-            <a:r>
-              <a:rPr lang="en-US" sz="2200" dirty="0" err="1"/>
-              <a:t>cột</a:t>
-            </a:r>
-            <a:r>
-              <a:rPr lang="en-US" sz="2200" dirty="0"/>
-              <a:t> </a:t>
-            </a:r>
-            <a:r>
-              <a:rPr lang="en-US" sz="2200" dirty="0" err="1"/>
-              <a:t>và</a:t>
-            </a:r>
-            <a:r>
-              <a:rPr lang="en-US" sz="2200" dirty="0"/>
-              <a:t> 4-bit </a:t>
-            </a:r>
-            <a:r>
-              <a:rPr lang="en-US" sz="2200" dirty="0" err="1"/>
-              <a:t>hàng</a:t>
-            </a:r>
-            <a:r>
-              <a:rPr lang="en-US" sz="2200" dirty="0"/>
-              <a:t>, </a:t>
-            </a:r>
-            <a:r>
-              <a:rPr lang="en-US" sz="2200" dirty="0" err="1"/>
-              <a:t>đối</a:t>
-            </a:r>
-            <a:r>
-              <a:rPr lang="en-US" sz="2200" dirty="0"/>
-              <a:t> </a:t>
-            </a:r>
-            <a:r>
-              <a:rPr lang="en-US" sz="2200" dirty="0" err="1"/>
-              <a:t>chiếu</a:t>
-            </a:r>
-            <a:r>
-              <a:rPr lang="en-US" sz="2200" dirty="0"/>
-              <a:t> </a:t>
-            </a:r>
-            <a:r>
-              <a:rPr lang="en-US" sz="2200" dirty="0" err="1"/>
-              <a:t>với</a:t>
-            </a:r>
-            <a:r>
-              <a:rPr lang="en-US" sz="2200" dirty="0"/>
-              <a:t> </a:t>
-            </a:r>
-            <a:r>
-              <a:rPr lang="en-US" sz="2200" dirty="0" err="1"/>
-              <a:t>bảng</a:t>
-            </a:r>
-            <a:r>
-              <a:rPr lang="en-US" sz="2200" dirty="0"/>
-              <a:t> </a:t>
-            </a:r>
-            <a:r>
-              <a:rPr lang="en-US" sz="2200" dirty="0" err="1"/>
-              <a:t>và</a:t>
-            </a:r>
-            <a:r>
-              <a:rPr lang="en-US" sz="2200" dirty="0"/>
-              <a:t> </a:t>
-            </a:r>
-            <a:r>
-              <a:rPr lang="en-US" sz="2200" dirty="0" err="1"/>
-              <a:t>lấy</a:t>
-            </a:r>
-            <a:r>
-              <a:rPr lang="en-US" sz="2200" dirty="0"/>
               <a:t> </a:t>
             </a:r>
             <a:r>
@@ -9017,17 +9746,313 @@
             </a:r>
             <a:r>
               <a:rPr lang="en-US" sz="2200" dirty="0"/>
-              <a:t> 4-bit converted.</a:t>
+              <a:t> </a:t>
+            </a:r>
+            <a:r>
+              <a:rPr lang="en-US" sz="2200" dirty="0" err="1"/>
+              <a:t>expan</a:t>
+            </a:r>
+            <a:r>
+              <a:rPr lang="en-US" sz="2200" dirty="0"/>
+              <a:t>, permutate </a:t>
+            </a:r>
+            <a:r>
+              <a:rPr lang="en-US" sz="2200" dirty="0" err="1"/>
+              <a:t>thành</a:t>
+            </a:r>
+            <a:r>
+              <a:rPr lang="en-US" sz="2200" dirty="0"/>
+              <a:t> 48-bit RPT.</a:t>
             </a:r>
           </a:p>
         </p:txBody>
       </p:sp>
       <p:pic>
         <p:nvPicPr>
-          <p:cNvPr id="4102" name="Picture 6" descr="The Data Encryption Standard (DES) - Design Recipes for FPGAs Using Verilog  and VHDL - FPGAkey">
-            <a:extLst>
-              <a:ext uri="{FF2B5EF4-FFF2-40B4-BE49-F238E27FC236}">
-                <a16:creationId xmlns:a16="http://schemas.microsoft.com/office/drawing/2014/main" id="{F865E1EF-7C8B-750D-563D-8A51B99E6E75}"/>
+          <p:cNvPr id="9" name="Picture 8">
+            <a:extLst>
+              <a:ext uri="{FF2B5EF4-FFF2-40B4-BE49-F238E27FC236}">
+                <a16:creationId xmlns:a16="http://schemas.microsoft.com/office/drawing/2014/main" id="{313699BC-80A0-CF7F-8E59-11844385CDF4}"/>
+              </a:ext>
+            </a:extLst>
+          </p:cNvPr>
+          <p:cNvPicPr>
+            <a:picLocks noChangeAspect="1"/>
+          </p:cNvPicPr>
+          <p:nvPr/>
+        </p:nvPicPr>
+        <p:blipFill>
+          <a:blip r:embed="rId2"/>
+          <a:stretch>
+            <a:fillRect/>
+          </a:stretch>
+        </p:blipFill>
+        <p:spPr>
+          <a:xfrm>
+            <a:off x="802808" y="2514472"/>
+            <a:ext cx="6773220" cy="1829055"/>
+          </a:xfrm>
+          <a:prstGeom prst="rect">
+            <a:avLst/>
+          </a:prstGeom>
+        </p:spPr>
+      </p:pic>
+      <p:sp>
+        <p:nvSpPr>
+          <p:cNvPr id="10" name="Content Placeholder 2">
+            <a:extLst>
+              <a:ext uri="{FF2B5EF4-FFF2-40B4-BE49-F238E27FC236}">
+                <a16:creationId xmlns:a16="http://schemas.microsoft.com/office/drawing/2014/main" id="{529849C4-6A85-2875-5555-B692DF4CEFE6}"/>
+              </a:ext>
+            </a:extLst>
+          </p:cNvPr>
+          <p:cNvSpPr txBox="1">
+            <a:spLocks/>
+          </p:cNvSpPr>
+          <p:nvPr/>
+        </p:nvSpPr>
+        <p:spPr>
+          <a:xfrm>
+            <a:off x="533399" y="4587944"/>
+            <a:ext cx="10676467" cy="1158734"/>
+          </a:xfrm>
+          <a:prstGeom prst="rect">
+            <a:avLst/>
+          </a:prstGeom>
+        </p:spPr>
+        <p:txBody>
+          <a:bodyPr vert="horz" lIns="91440" tIns="45720" rIns="91440" bIns="45720" rtlCol="0">
+            <a:normAutofit/>
+          </a:bodyPr>
+          <a:lstStyle>
+            <a:lvl1pPr marL="228600" indent="-228600" algn="l" defTabSz="914400" rtl="0" eaLnBrk="1" latinLnBrk="0" hangingPunct="1">
+              <a:lnSpc>
+                <a:spcPct val="90000"/>
+              </a:lnSpc>
+              <a:spcBef>
+                <a:spcPts val="1000"/>
+              </a:spcBef>
+              <a:buFont typeface="Arial" panose="020B0604020202020204" pitchFamily="34" charset="0"/>
+              <a:buChar char="•"/>
+              <a:defRPr sz="2800" kern="1200">
+                <a:solidFill>
+                  <a:schemeClr val="tx1"/>
+                </a:solidFill>
+                <a:latin typeface="+mn-lt"/>
+                <a:ea typeface="+mn-ea"/>
+                <a:cs typeface="+mn-cs"/>
+              </a:defRPr>
+            </a:lvl1pPr>
+            <a:lvl2pPr marL="685800" indent="-228600" algn="l" defTabSz="914400" rtl="0" eaLnBrk="1" latinLnBrk="0" hangingPunct="1">
+              <a:lnSpc>
+                <a:spcPct val="90000"/>
+              </a:lnSpc>
+              <a:spcBef>
+                <a:spcPts val="500"/>
+              </a:spcBef>
+              <a:buFont typeface="Arial" panose="020B0604020202020204" pitchFamily="34" charset="0"/>
+              <a:buChar char="•"/>
+              <a:defRPr sz="2400" kern="1200">
+                <a:solidFill>
+                  <a:schemeClr val="tx1"/>
+                </a:solidFill>
+                <a:latin typeface="+mn-lt"/>
+                <a:ea typeface="+mn-ea"/>
+                <a:cs typeface="+mn-cs"/>
+              </a:defRPr>
+            </a:lvl2pPr>
+            <a:lvl3pPr marL="1143000" indent="-228600" algn="l" defTabSz="914400" rtl="0" eaLnBrk="1" latinLnBrk="0" hangingPunct="1">
+              <a:lnSpc>
+                <a:spcPct val="90000"/>
+              </a:lnSpc>
+              <a:spcBef>
+                <a:spcPts val="500"/>
+              </a:spcBef>
+              <a:buFont typeface="Arial" panose="020B0604020202020204" pitchFamily="34" charset="0"/>
+              <a:buChar char="•"/>
+              <a:defRPr sz="2000" kern="1200">
+                <a:solidFill>
+                  <a:schemeClr val="tx1"/>
+                </a:solidFill>
+                <a:latin typeface="+mn-lt"/>
+                <a:ea typeface="+mn-ea"/>
+                <a:cs typeface="+mn-cs"/>
+              </a:defRPr>
+            </a:lvl3pPr>
+            <a:lvl4pPr marL="1600200" indent="-228600" algn="l" defTabSz="914400" rtl="0" eaLnBrk="1" latinLnBrk="0" hangingPunct="1">
+              <a:lnSpc>
+                <a:spcPct val="90000"/>
+              </a:lnSpc>
+              <a:spcBef>
+                <a:spcPts val="500"/>
+              </a:spcBef>
+              <a:buFont typeface="Arial" panose="020B0604020202020204" pitchFamily="34" charset="0"/>
+              <a:buChar char="•"/>
+              <a:defRPr sz="1800" kern="1200">
+                <a:solidFill>
+                  <a:schemeClr val="tx1"/>
+                </a:solidFill>
+                <a:latin typeface="+mn-lt"/>
+                <a:ea typeface="+mn-ea"/>
+                <a:cs typeface="+mn-cs"/>
+              </a:defRPr>
+            </a:lvl4pPr>
+            <a:lvl5pPr marL="2057400" indent="-228600" algn="l" defTabSz="914400" rtl="0" eaLnBrk="1" latinLnBrk="0" hangingPunct="1">
+              <a:lnSpc>
+                <a:spcPct val="90000"/>
+              </a:lnSpc>
+              <a:spcBef>
+                <a:spcPts val="500"/>
+              </a:spcBef>
+              <a:buFont typeface="Arial" panose="020B0604020202020204" pitchFamily="34" charset="0"/>
+              <a:buChar char="•"/>
+              <a:defRPr sz="1800" kern="1200">
+                <a:solidFill>
+                  <a:schemeClr val="tx1"/>
+                </a:solidFill>
+                <a:latin typeface="+mn-lt"/>
+                <a:ea typeface="+mn-ea"/>
+                <a:cs typeface="+mn-cs"/>
+              </a:defRPr>
+            </a:lvl5pPr>
+            <a:lvl6pPr marL="2514600" indent="-228600" algn="l" defTabSz="914400" rtl="0" eaLnBrk="1" latinLnBrk="0" hangingPunct="1">
+              <a:lnSpc>
+                <a:spcPct val="90000"/>
+              </a:lnSpc>
+              <a:spcBef>
+                <a:spcPts val="500"/>
+              </a:spcBef>
+              <a:buFont typeface="Arial" panose="020B0604020202020204" pitchFamily="34" charset="0"/>
+              <a:buChar char="•"/>
+              <a:defRPr sz="1800" kern="1200">
+                <a:solidFill>
+                  <a:schemeClr val="tx1"/>
+                </a:solidFill>
+                <a:latin typeface="+mn-lt"/>
+                <a:ea typeface="+mn-ea"/>
+                <a:cs typeface="+mn-cs"/>
+              </a:defRPr>
+            </a:lvl6pPr>
+            <a:lvl7pPr marL="2971800" indent="-228600" algn="l" defTabSz="914400" rtl="0" eaLnBrk="1" latinLnBrk="0" hangingPunct="1">
+              <a:lnSpc>
+                <a:spcPct val="90000"/>
+              </a:lnSpc>
+              <a:spcBef>
+                <a:spcPts val="500"/>
+              </a:spcBef>
+              <a:buFont typeface="Arial" panose="020B0604020202020204" pitchFamily="34" charset="0"/>
+              <a:buChar char="•"/>
+              <a:defRPr sz="1800" kern="1200">
+                <a:solidFill>
+                  <a:schemeClr val="tx1"/>
+                </a:solidFill>
+                <a:latin typeface="+mn-lt"/>
+                <a:ea typeface="+mn-ea"/>
+                <a:cs typeface="+mn-cs"/>
+              </a:defRPr>
+            </a:lvl7pPr>
+            <a:lvl8pPr marL="3429000" indent="-228600" algn="l" defTabSz="914400" rtl="0" eaLnBrk="1" latinLnBrk="0" hangingPunct="1">
+              <a:lnSpc>
+                <a:spcPct val="90000"/>
+              </a:lnSpc>
+              <a:spcBef>
+                <a:spcPts val="500"/>
+              </a:spcBef>
+              <a:buFont typeface="Arial" panose="020B0604020202020204" pitchFamily="34" charset="0"/>
+              <a:buChar char="•"/>
+              <a:defRPr sz="1800" kern="1200">
+                <a:solidFill>
+                  <a:schemeClr val="tx1"/>
+                </a:solidFill>
+                <a:latin typeface="+mn-lt"/>
+                <a:ea typeface="+mn-ea"/>
+                <a:cs typeface="+mn-cs"/>
+              </a:defRPr>
+            </a:lvl8pPr>
+            <a:lvl9pPr marL="3886200" indent="-228600" algn="l" defTabSz="914400" rtl="0" eaLnBrk="1" latinLnBrk="0" hangingPunct="1">
+              <a:lnSpc>
+                <a:spcPct val="90000"/>
+              </a:lnSpc>
+              <a:spcBef>
+                <a:spcPts val="500"/>
+              </a:spcBef>
+              <a:buFont typeface="Arial" panose="020B0604020202020204" pitchFamily="34" charset="0"/>
+              <a:buChar char="•"/>
+              <a:defRPr sz="1800" kern="1200">
+                <a:solidFill>
+                  <a:schemeClr val="tx1"/>
+                </a:solidFill>
+                <a:latin typeface="+mn-lt"/>
+                <a:ea typeface="+mn-ea"/>
+                <a:cs typeface="+mn-cs"/>
+              </a:defRPr>
+            </a:lvl9pPr>
+          </a:lstStyle>
+          <a:p>
+            <a:pPr marL="457200" lvl="1" indent="0">
+              <a:buNone/>
+            </a:pPr>
+            <a:r>
+              <a:rPr lang="en-US" sz="2200" dirty="0"/>
+              <a:t>- Sau </a:t>
+            </a:r>
+            <a:r>
+              <a:rPr lang="en-US" sz="2200" dirty="0" err="1"/>
+              <a:t>đó</a:t>
+            </a:r>
+            <a:r>
+              <a:rPr lang="en-US" sz="2200" dirty="0"/>
+              <a:t>, 48-bit RPT </a:t>
+            </a:r>
+            <a:r>
+              <a:rPr lang="en-US" sz="2200" dirty="0" err="1"/>
+              <a:t>sẽ</a:t>
+            </a:r>
+            <a:r>
+              <a:rPr lang="en-US" sz="2200" dirty="0"/>
+              <a:t> </a:t>
+            </a:r>
+            <a:r>
+              <a:rPr lang="en-US" sz="2200" dirty="0" err="1"/>
+              <a:t>được</a:t>
+            </a:r>
+            <a:r>
+              <a:rPr lang="en-US" sz="2200" dirty="0"/>
+              <a:t> XOR </a:t>
+            </a:r>
+            <a:r>
+              <a:rPr lang="en-US" sz="2200" dirty="0" err="1"/>
+              <a:t>với</a:t>
+            </a:r>
+            <a:r>
+              <a:rPr lang="en-US" sz="2200" dirty="0"/>
+              <a:t> 48-bit key </a:t>
+            </a:r>
+            <a:r>
+              <a:rPr lang="en-US" sz="2200" dirty="0" err="1"/>
+              <a:t>cho</a:t>
+            </a:r>
+            <a:r>
+              <a:rPr lang="en-US" sz="2200" dirty="0"/>
+              <a:t> </a:t>
+            </a:r>
+            <a:r>
+              <a:rPr lang="en-US" sz="2200" dirty="0" err="1"/>
+              <a:t>ra</a:t>
+            </a:r>
+            <a:r>
+              <a:rPr lang="en-US" sz="2200" dirty="0"/>
+              <a:t> 48-bit Output.</a:t>
+            </a:r>
+          </a:p>
+        </p:txBody>
+      </p:sp>
+      <p:pic>
+        <p:nvPicPr>
+          <p:cNvPr id="1028" name="Picture 4" descr="Expansion Permutation (E) [13] | Download Table">
+            <a:extLst>
+              <a:ext uri="{FF2B5EF4-FFF2-40B4-BE49-F238E27FC236}">
+                <a16:creationId xmlns:a16="http://schemas.microsoft.com/office/drawing/2014/main" id="{54D27281-4D67-CF20-A995-1AC1260D2B45}"/>
               </a:ext>
             </a:extLst>
           </p:cNvPr>
@@ -9037,7 +10062,7 @@
           <p:nvPr/>
         </p:nvPicPr>
         <p:blipFill>
-          <a:blip r:embed="rId2">
+          <a:blip r:embed="rId3">
             <a:extLst>
               <a:ext uri="{28A0092B-C50C-407E-A947-70E740481C1C}">
                 <a14:useLocalDpi xmlns:a14="http://schemas.microsoft.com/office/drawing/2010/main" val="0"/>
@@ -9051,8 +10076,8 @@
         </p:blipFill>
         <p:spPr bwMode="auto">
           <a:xfrm>
-            <a:off x="6543148" y="0"/>
-            <a:ext cx="5665787" cy="6858000"/>
+            <a:off x="7758891" y="2514472"/>
+            <a:ext cx="3899710" cy="1829055"/>
           </a:xfrm>
           <a:prstGeom prst="rect">
             <a:avLst/>
@@ -9072,7 +10097,7 @@
     </p:spTree>
     <p:extLst>
       <p:ext uri="{BB962C8B-B14F-4D97-AF65-F5344CB8AC3E}">
-        <p14:creationId xmlns:p14="http://schemas.microsoft.com/office/powerpoint/2010/main" val="2894113399"/>
+        <p14:creationId xmlns:p14="http://schemas.microsoft.com/office/powerpoint/2010/main" val="1258145691"/>
       </p:ext>
     </p:extLst>
   </p:cSld>
@@ -9104,7 +10129,7 @@
           <p:cNvPr id="4" name="Title 1">
             <a:extLst>
               <a:ext uri="{FF2B5EF4-FFF2-40B4-BE49-F238E27FC236}">
-                <a16:creationId xmlns:a16="http://schemas.microsoft.com/office/drawing/2014/main" id="{51EC9C33-FA0F-5FA9-2D99-4CB307E83A70}"/>
+                <a16:creationId xmlns:a16="http://schemas.microsoft.com/office/drawing/2014/main" id="{08F10C7C-D78F-2785-F1C4-AD64F0BAFF0F}"/>
               </a:ext>
             </a:extLst>
           </p:cNvPr>
@@ -9129,7 +10154,7 @@
           <a:p>
             <a:r>
               <a:rPr lang="en-US" sz="3600" dirty="0"/>
-              <a:t>P-Box Permutation</a:t>
+              <a:t>S-Box Substitution</a:t>
             </a:r>
           </a:p>
         </p:txBody>
@@ -9139,7 +10164,7 @@
           <p:cNvPr id="5" name="Content Placeholder 2">
             <a:extLst>
               <a:ext uri="{FF2B5EF4-FFF2-40B4-BE49-F238E27FC236}">
-                <a16:creationId xmlns:a16="http://schemas.microsoft.com/office/drawing/2014/main" id="{C7C0EE8F-9082-D8B4-D7DA-FA96CD0432DB}"/>
+                <a16:creationId xmlns:a16="http://schemas.microsoft.com/office/drawing/2014/main" id="{7C0472D4-706D-F4E2-3AEB-D29CB5643FF3}"/>
               </a:ext>
             </a:extLst>
           </p:cNvPr>
@@ -9150,8 +10175,8 @@
         </p:nvSpPr>
         <p:spPr>
           <a:xfrm>
-            <a:off x="533399" y="1615374"/>
-            <a:ext cx="10676467" cy="1158734"/>
+            <a:off x="533400" y="1615374"/>
+            <a:ext cx="5665787" cy="2211559"/>
           </a:xfrm>
           <a:prstGeom prst="rect">
             <a:avLst/>
@@ -9331,7 +10356,15 @@
             </a:pPr>
             <a:r>
               <a:rPr lang="en-US" sz="2200" dirty="0"/>
-              <a:t>- 32-bit Output </a:t>
+              <a:t>- </a:t>
+            </a:r>
+            <a:r>
+              <a:rPr lang="en-US" sz="2200" dirty="0" err="1"/>
+              <a:t>Từ</a:t>
+            </a:r>
+            <a:r>
+              <a:rPr lang="en-US" sz="2200" dirty="0"/>
+              <a:t> 48-bit Output </a:t>
             </a:r>
             <a:r>
               <a:rPr lang="en-US" sz="2200" dirty="0" err="1"/>
@@ -9339,19 +10372,124 @@
             </a:r>
             <a:r>
               <a:rPr lang="en-US" sz="2200" dirty="0"/>
-              <a:t> S-Box </a:t>
-            </a:r>
-            <a:r>
-              <a:rPr lang="en-US" sz="2200" dirty="0" err="1"/>
-              <a:t>tiếp</a:t>
-            </a:r>
-            <a:r>
-              <a:rPr lang="en-US" sz="2200" dirty="0"/>
-              <a:t> </a:t>
-            </a:r>
-            <a:r>
-              <a:rPr lang="en-US" sz="2200" dirty="0" err="1"/>
-              <a:t>tục</a:t>
+              <a:t> </a:t>
+            </a:r>
+            <a:r>
+              <a:rPr lang="en-US" sz="2200" dirty="0" err="1"/>
+              <a:t>bước</a:t>
+            </a:r>
+            <a:r>
+              <a:rPr lang="en-US" sz="2200" dirty="0"/>
+              <a:t> </a:t>
+            </a:r>
+            <a:r>
+              <a:rPr lang="en-US" sz="2200" dirty="0" err="1"/>
+              <a:t>trước</a:t>
+            </a:r>
+            <a:r>
+              <a:rPr lang="en-US" sz="2200" dirty="0"/>
+              <a:t>, chia </a:t>
+            </a:r>
+            <a:r>
+              <a:rPr lang="en-US" sz="2200" dirty="0" err="1"/>
+              <a:t>ra</a:t>
+            </a:r>
+            <a:r>
+              <a:rPr lang="en-US" sz="2200" dirty="0"/>
+              <a:t> 8 Subblocks 6-bit.</a:t>
+            </a:r>
+          </a:p>
+          <a:p>
+            <a:pPr marL="457200" lvl="1" indent="0">
+              <a:buNone/>
+            </a:pPr>
+            <a:r>
+              <a:rPr lang="en-US" sz="2200" dirty="0"/>
+              <a:t>- </a:t>
+            </a:r>
+            <a:r>
+              <a:rPr lang="en-US" sz="2200" dirty="0" err="1"/>
+              <a:t>Mỗi</a:t>
+            </a:r>
+            <a:r>
+              <a:rPr lang="en-US" sz="2200" dirty="0"/>
+              <a:t> Subblock </a:t>
+            </a:r>
+            <a:r>
+              <a:rPr lang="en-US" sz="2200" dirty="0" err="1"/>
+              <a:t>sẽ</a:t>
+            </a:r>
+            <a:r>
+              <a:rPr lang="en-US" sz="2200" dirty="0"/>
+              <a:t> chia 2-bit </a:t>
+            </a:r>
+            <a:r>
+              <a:rPr lang="en-US" sz="2200" dirty="0" err="1"/>
+              <a:t>cột</a:t>
+            </a:r>
+            <a:r>
+              <a:rPr lang="en-US" sz="2200" dirty="0"/>
+              <a:t> </a:t>
+            </a:r>
+            <a:r>
+              <a:rPr lang="en-US" sz="2200" dirty="0" err="1"/>
+              <a:t>và</a:t>
+            </a:r>
+            <a:r>
+              <a:rPr lang="en-US" sz="2200" dirty="0"/>
+              <a:t> 4-bit </a:t>
+            </a:r>
+            <a:r>
+              <a:rPr lang="en-US" sz="2200" dirty="0" err="1"/>
+              <a:t>hàng</a:t>
+            </a:r>
+            <a:r>
+              <a:rPr lang="en-US" sz="2200" dirty="0"/>
+              <a:t>, </a:t>
+            </a:r>
+            <a:r>
+              <a:rPr lang="en-US" sz="2200" dirty="0" err="1"/>
+              <a:t>đối</a:t>
+            </a:r>
+            <a:r>
+              <a:rPr lang="en-US" sz="2200" dirty="0"/>
+              <a:t> </a:t>
+            </a:r>
+            <a:r>
+              <a:rPr lang="en-US" sz="2200" dirty="0" err="1"/>
+              <a:t>chiếu</a:t>
+            </a:r>
+            <a:r>
+              <a:rPr lang="en-US" sz="2200" dirty="0"/>
+              <a:t> </a:t>
+            </a:r>
+            <a:r>
+              <a:rPr lang="en-US" sz="2200" dirty="0" err="1"/>
+              <a:t>với</a:t>
+            </a:r>
+            <a:r>
+              <a:rPr lang="en-US" sz="2200" dirty="0"/>
+              <a:t> </a:t>
+            </a:r>
+            <a:r>
+              <a:rPr lang="en-US" sz="2200" dirty="0" err="1"/>
+              <a:t>bảng</a:t>
+            </a:r>
+            <a:r>
+              <a:rPr lang="en-US" sz="2200" dirty="0"/>
+              <a:t> </a:t>
+            </a:r>
+            <a:r>
+              <a:rPr lang="en-US" sz="2200" dirty="0" err="1"/>
+              <a:t>và</a:t>
+            </a:r>
+            <a:r>
+              <a:rPr lang="en-US" sz="2200" dirty="0"/>
+              <a:t> </a:t>
+            </a:r>
+            <a:r>
+              <a:rPr lang="en-US" sz="2200" dirty="0" err="1"/>
+              <a:t>lấy</a:t>
             </a:r>
             <a:r>
               <a:rPr lang="en-US" sz="2200" dirty="0"/>
@@ -9363,41 +10501,17 @@
             </a:r>
             <a:r>
               <a:rPr lang="en-US" sz="2200" dirty="0"/>
-              <a:t> </a:t>
-            </a:r>
-            <a:r>
-              <a:rPr lang="en-US" sz="2200" dirty="0" err="1"/>
-              <a:t>hoán</a:t>
-            </a:r>
-            <a:r>
-              <a:rPr lang="en-US" sz="2200" dirty="0"/>
-              <a:t> </a:t>
-            </a:r>
-            <a:r>
-              <a:rPr lang="en-US" sz="2200" dirty="0" err="1"/>
-              <a:t>vị</a:t>
-            </a:r>
-            <a:r>
-              <a:rPr lang="en-US" sz="2200" dirty="0"/>
-              <a:t> </a:t>
-            </a:r>
-            <a:r>
-              <a:rPr lang="en-US" sz="2200" dirty="0" err="1"/>
-              <a:t>tại</a:t>
-            </a:r>
-            <a:r>
-              <a:rPr lang="en-US" sz="2200" dirty="0"/>
-              <a:t> P-Box.</a:t>
+              <a:t> 4-bit converted.</a:t>
             </a:r>
           </a:p>
         </p:txBody>
       </p:sp>
       <p:pic>
         <p:nvPicPr>
-          <p:cNvPr id="5122" name="Picture 2" descr="Referring to the lecture notes on DES, there are one Expansion... | Course  Hero">
-            <a:extLst>
-              <a:ext uri="{FF2B5EF4-FFF2-40B4-BE49-F238E27FC236}">
-                <a16:creationId xmlns:a16="http://schemas.microsoft.com/office/drawing/2014/main" id="{D38DDC0E-DA93-8931-74A9-3512FA817CDA}"/>
+          <p:cNvPr id="4102" name="Picture 6" descr="The Data Encryption Standard (DES) - Design Recipes for FPGAs Using Verilog  and VHDL - FPGAkey">
+            <a:extLst>
+              <a:ext uri="{FF2B5EF4-FFF2-40B4-BE49-F238E27FC236}">
+                <a16:creationId xmlns:a16="http://schemas.microsoft.com/office/drawing/2014/main" id="{F865E1EF-7C8B-750D-563D-8A51B99E6E75}"/>
               </a:ext>
             </a:extLst>
           </p:cNvPr>
@@ -9421,8 +10535,8 @@
         </p:blipFill>
         <p:spPr bwMode="auto">
           <a:xfrm>
-            <a:off x="3001432" y="2513542"/>
-            <a:ext cx="6818584" cy="1830916"/>
+            <a:off x="6543148" y="0"/>
+            <a:ext cx="5665787" cy="6858000"/>
           </a:xfrm>
           <a:prstGeom prst="rect">
             <a:avLst/>
@@ -9442,7 +10556,7 @@
     </p:spTree>
     <p:extLst>
       <p:ext uri="{BB962C8B-B14F-4D97-AF65-F5344CB8AC3E}">
-        <p14:creationId xmlns:p14="http://schemas.microsoft.com/office/powerpoint/2010/main" val="1073214190"/>
+        <p14:creationId xmlns:p14="http://schemas.microsoft.com/office/powerpoint/2010/main" val="2894113399"/>
       </p:ext>
     </p:extLst>
   </p:cSld>
